--- a/Meta/Other/Presentation (Sv).pptx
+++ b/Meta/Other/Presentation (Sv).pptx
@@ -8,15 +8,17 @@
     <p:sldId id="266" r:id="rId5"/>
     <p:sldId id="257" r:id="rId6"/>
     <p:sldId id="260" r:id="rId7"/>
-    <p:sldId id="282" r:id="rId8"/>
-    <p:sldId id="281" r:id="rId9"/>
-    <p:sldId id="283" r:id="rId10"/>
-    <p:sldId id="284" r:id="rId11"/>
-    <p:sldId id="258" r:id="rId12"/>
-    <p:sldId id="285" r:id="rId13"/>
-    <p:sldId id="272" r:id="rId14"/>
-    <p:sldId id="274" r:id="rId15"/>
-    <p:sldId id="276" r:id="rId16"/>
+    <p:sldId id="288" r:id="rId8"/>
+    <p:sldId id="282" r:id="rId9"/>
+    <p:sldId id="286" r:id="rId10"/>
+    <p:sldId id="281" r:id="rId11"/>
+    <p:sldId id="283" r:id="rId12"/>
+    <p:sldId id="284" r:id="rId13"/>
+    <p:sldId id="258" r:id="rId14"/>
+    <p:sldId id="285" r:id="rId15"/>
+    <p:sldId id="272" r:id="rId16"/>
+    <p:sldId id="274" r:id="rId17"/>
+    <p:sldId id="276" r:id="rId18"/>
   </p:sldIdLst>
   <p:sldSz cx="12192000" cy="6858000"/>
   <p:notesSz cx="6858000" cy="9144000"/>
@@ -123,7 +125,7 @@
             <a:srgbClr val="A4A3A4"/>
           </p15:clr>
         </p15:guide>
-        <p15:guide id="2" pos="3863" userDrawn="1">
+        <p15:guide id="2" pos="3885" userDrawn="1">
           <p15:clr>
             <a:srgbClr val="A4A3A4"/>
           </p15:clr>
@@ -4755,6 +4757,808 @@
 <file path=ppt/slides/slide10.xml><?xml version="1.0" encoding="utf-8"?>
 <p:sld xmlns:a="http://schemas.openxmlformats.org/drawingml/2006/main" xmlns:r="http://schemas.openxmlformats.org/officeDocument/2006/relationships" xmlns:p="http://schemas.openxmlformats.org/presentationml/2006/main">
   <p:cSld>
+    <p:spTree>
+      <p:nvGrpSpPr>
+        <p:cNvPr id="1" name=""/>
+        <p:cNvGrpSpPr/>
+        <p:nvPr/>
+      </p:nvGrpSpPr>
+      <p:grpSpPr>
+        <a:xfrm>
+          <a:off x="0" y="0"/>
+          <a:ext cx="0" cy="0"/>
+          <a:chOff x="0" y="0"/>
+          <a:chExt cx="0" cy="0"/>
+        </a:xfrm>
+      </p:grpSpPr>
+      <p:sp>
+        <p:nvSpPr>
+          <p:cNvPr id="2" name="Rubrik 1">
+            <a:extLst>
+              <a:ext uri="{FF2B5EF4-FFF2-40B4-BE49-F238E27FC236}">
+                <a16:creationId xmlns:a16="http://schemas.microsoft.com/office/drawing/2014/main" id="{84830902-C6E3-48F0-9F40-6D4ED4046346}"/>
+              </a:ext>
+            </a:extLst>
+          </p:cNvPr>
+          <p:cNvSpPr>
+            <a:spLocks noGrp="1"/>
+          </p:cNvSpPr>
+          <p:nvPr>
+            <p:ph type="title"/>
+          </p:nvPr>
+        </p:nvSpPr>
+        <p:spPr/>
+        <p:txBody>
+          <a:bodyPr/>
+          <a:lstStyle/>
+          <a:p>
+            <a:endParaRPr lang="sv-SE"/>
+          </a:p>
+        </p:txBody>
+      </p:sp>
+      <p:pic>
+        <p:nvPicPr>
+          <p:cNvPr id="8" name="Platshållare för innehåll 7" descr="En bild som visar inomhus, bord, flaska, sitter&#10;&#10;Automatiskt genererad beskrivning">
+            <a:extLst>
+              <a:ext uri="{FF2B5EF4-FFF2-40B4-BE49-F238E27FC236}">
+                <a16:creationId xmlns:a16="http://schemas.microsoft.com/office/drawing/2014/main" id="{77C843E7-B3F7-4F02-956A-F4CBF9080498}"/>
+              </a:ext>
+            </a:extLst>
+          </p:cNvPr>
+          <p:cNvPicPr>
+            <a:picLocks noGrp="1" noChangeAspect="1"/>
+          </p:cNvPicPr>
+          <p:nvPr>
+            <p:ph idx="1"/>
+          </p:nvPr>
+        </p:nvPicPr>
+        <p:blipFill>
+          <a:blip r:embed="rId2">
+            <a:extLst>
+              <a:ext uri="{28A0092B-C50C-407E-A947-70E740481C1C}">
+                <a14:useLocalDpi xmlns:a14="http://schemas.microsoft.com/office/drawing/2010/main" val="0"/>
+              </a:ext>
+            </a:extLst>
+          </a:blip>
+          <a:stretch>
+            <a:fillRect/>
+          </a:stretch>
+        </p:blipFill>
+        <p:spPr>
+          <a:xfrm>
+            <a:off x="-281941" y="-126175"/>
+            <a:ext cx="12740642" cy="6449950"/>
+          </a:xfrm>
+        </p:spPr>
+      </p:pic>
+      <p:sp>
+        <p:nvSpPr>
+          <p:cNvPr id="5" name="textruta 4">
+            <a:extLst>
+              <a:ext uri="{FF2B5EF4-FFF2-40B4-BE49-F238E27FC236}">
+                <a16:creationId xmlns:a16="http://schemas.microsoft.com/office/drawing/2014/main" id="{0DC5292B-5C89-4579-9DF7-77925CB0280E}"/>
+              </a:ext>
+            </a:extLst>
+          </p:cNvPr>
+          <p:cNvSpPr txBox="1"/>
+          <p:nvPr/>
+        </p:nvSpPr>
+        <p:spPr>
+          <a:xfrm>
+            <a:off x="496095" y="6444734"/>
+            <a:ext cx="2439579" cy="369332"/>
+          </a:xfrm>
+          <a:prstGeom prst="rect">
+            <a:avLst/>
+          </a:prstGeom>
+          <a:noFill/>
+        </p:spPr>
+        <p:txBody>
+          <a:bodyPr wrap="none" rtlCol="0">
+            <a:spAutoFit/>
+          </a:bodyPr>
+          <a:lstStyle/>
+          <a:p>
+            <a:r>
+              <a:rPr lang="sv-SE" dirty="0">
+                <a:solidFill>
+                  <a:schemeClr val="bg1"/>
+                </a:solidFill>
+              </a:rPr>
+              <a:t>Projekt: Dubblerat flöde</a:t>
+            </a:r>
+          </a:p>
+        </p:txBody>
+      </p:sp>
+      <p:pic>
+        <p:nvPicPr>
+          <p:cNvPr id="6" name="Bildobjekt 5">
+            <a:extLst>
+              <a:ext uri="{FF2B5EF4-FFF2-40B4-BE49-F238E27FC236}">
+                <a16:creationId xmlns:a16="http://schemas.microsoft.com/office/drawing/2014/main" id="{D9BEF862-41A8-48ED-A6E2-B7C23AB53A75}"/>
+              </a:ext>
+            </a:extLst>
+          </p:cNvPr>
+          <p:cNvPicPr>
+            <a:picLocks noChangeAspect="1"/>
+          </p:cNvPicPr>
+          <p:nvPr/>
+        </p:nvPicPr>
+        <p:blipFill rotWithShape="1">
+          <a:blip r:embed="rId3">
+            <a:clrChange>
+              <a:clrFrom>
+                <a:srgbClr val="1A1A1A"/>
+              </a:clrFrom>
+              <a:clrTo>
+                <a:srgbClr val="1A1A1A">
+                  <a:alpha val="0"/>
+                </a:srgbClr>
+              </a:clrTo>
+            </a:clrChange>
+            <a:extLst>
+              <a:ext uri="{BEBA8EAE-BF5A-486C-A8C5-ECC9F3942E4B}">
+                <a14:imgProps xmlns:a14="http://schemas.microsoft.com/office/drawing/2010/main">
+                  <a14:imgLayer r:embed="rId4">
+                    <a14:imgEffect>
+                      <a14:backgroundRemoval t="31143" b="58000" l="82399" r="90507">
+                        <a14:foregroundMark x1="82399" y1="44762" x2="82399" y2="44762"/>
+                        <a14:foregroundMark x1="90473" y1="38857" x2="90473" y2="38857"/>
+                        <a14:foregroundMark x1="90507" y1="50571" x2="90507" y2="50571"/>
+                      </a14:backgroundRemoval>
+                    </a14:imgEffect>
+                  </a14:imgLayer>
+                </a14:imgProps>
+              </a:ext>
+            </a:extLst>
+          </a:blip>
+          <a:srcRect l="81514" t="27904" r="8502" b="38552"/>
+          <a:stretch/>
+        </p:blipFill>
+        <p:spPr>
+          <a:xfrm rot="5400000">
+            <a:off x="238335" y="6456430"/>
+            <a:ext cx="300032" cy="357602"/>
+          </a:xfrm>
+          <a:prstGeom prst="rect">
+            <a:avLst/>
+          </a:prstGeom>
+        </p:spPr>
+      </p:pic>
+    </p:spTree>
+    <p:extLst>
+      <p:ext uri="{BB962C8B-B14F-4D97-AF65-F5344CB8AC3E}">
+        <p14:creationId xmlns:p14="http://schemas.microsoft.com/office/powerpoint/2010/main" val="2623061162"/>
+      </p:ext>
+    </p:extLst>
+  </p:cSld>
+  <p:clrMapOvr>
+    <a:masterClrMapping/>
+  </p:clrMapOvr>
+</p:sld>
+</file>
+
+<file path=ppt/slides/slide11.xml><?xml version="1.0" encoding="utf-8"?>
+<p:sld xmlns:a="http://schemas.openxmlformats.org/drawingml/2006/main" xmlns:r="http://schemas.openxmlformats.org/officeDocument/2006/relationships" xmlns:p="http://schemas.openxmlformats.org/presentationml/2006/main">
+  <p:cSld>
+    <p:bg>
+      <p:bgPr>
+        <a:solidFill>
+          <a:schemeClr val="bg1"/>
+        </a:solidFill>
+        <a:effectLst/>
+      </p:bgPr>
+    </p:bg>
+    <p:spTree>
+      <p:nvGrpSpPr>
+        <p:cNvPr id="1" name=""/>
+        <p:cNvGrpSpPr/>
+        <p:nvPr/>
+      </p:nvGrpSpPr>
+      <p:grpSpPr>
+        <a:xfrm>
+          <a:off x="0" y="0"/>
+          <a:ext cx="0" cy="0"/>
+          <a:chOff x="0" y="0"/>
+          <a:chExt cx="0" cy="0"/>
+        </a:xfrm>
+      </p:grpSpPr>
+      <p:sp>
+        <p:nvSpPr>
+          <p:cNvPr id="13" name="Rectangle 12">
+            <a:extLst>
+              <a:ext uri="{FF2B5EF4-FFF2-40B4-BE49-F238E27FC236}">
+                <a16:creationId xmlns:a16="http://schemas.microsoft.com/office/drawing/2014/main" id="{116A904D-80BE-42BB-A96F-14D33FFE0D88}"/>
+              </a:ext>
+              <a:ext uri="{C183D7F6-B498-43B3-948B-1728B52AA6E4}">
+                <adec:decorative xmlns:adec="http://schemas.microsoft.com/office/drawing/2017/decorative" val="1"/>
+              </a:ext>
+            </a:extLst>
+          </p:cNvPr>
+          <p:cNvSpPr>
+            <a:spLocks noGrp="1" noRot="1" noChangeAspect="1" noMove="1" noResize="1" noEditPoints="1" noAdjustHandles="1" noChangeArrowheads="1" noChangeShapeType="1" noTextEdit="1"/>
+          </p:cNvSpPr>
+          <p:nvPr>
+            <p:extLst>
+              <p:ext uri="{386F3935-93C4-4BCD-93E2-E3B085C9AB24}">
+                <p16:designElem xmlns:p16="http://schemas.microsoft.com/office/powerpoint/2015/main" val="1"/>
+              </p:ext>
+            </p:extLst>
+          </p:nvPr>
+        </p:nvSpPr>
+        <p:spPr>
+          <a:xfrm>
+            <a:off x="1" y="6400800"/>
+            <a:ext cx="12192000" cy="457200"/>
+          </a:xfrm>
+          <a:prstGeom prst="rect">
+            <a:avLst/>
+          </a:prstGeom>
+          <a:solidFill>
+            <a:schemeClr val="accent2"/>
+          </a:solidFill>
+          <a:ln>
+            <a:noFill/>
+          </a:ln>
+        </p:spPr>
+        <p:style>
+          <a:lnRef idx="2">
+            <a:schemeClr val="accent1">
+              <a:shade val="50000"/>
+            </a:schemeClr>
+          </a:lnRef>
+          <a:fillRef idx="1">
+            <a:schemeClr val="accent1"/>
+          </a:fillRef>
+          <a:effectRef idx="0">
+            <a:schemeClr val="accent1"/>
+          </a:effectRef>
+          <a:fontRef idx="minor">
+            <a:schemeClr val="lt1"/>
+          </a:fontRef>
+        </p:style>
+      </p:sp>
+      <p:sp>
+        <p:nvSpPr>
+          <p:cNvPr id="15" name="Rectangle 14">
+            <a:extLst>
+              <a:ext uri="{FF2B5EF4-FFF2-40B4-BE49-F238E27FC236}">
+                <a16:creationId xmlns:a16="http://schemas.microsoft.com/office/drawing/2014/main" id="{3E49CA6A-AA0D-433F-BA6F-E0F8DCBA8BD9}"/>
+              </a:ext>
+              <a:ext uri="{C183D7F6-B498-43B3-948B-1728B52AA6E4}">
+                <adec:decorative xmlns:adec="http://schemas.microsoft.com/office/drawing/2017/decorative" val="1"/>
+              </a:ext>
+            </a:extLst>
+          </p:cNvPr>
+          <p:cNvSpPr>
+            <a:spLocks noGrp="1" noRot="1" noChangeAspect="1" noMove="1" noResize="1" noEditPoints="1" noAdjustHandles="1" noChangeArrowheads="1" noChangeShapeType="1" noTextEdit="1"/>
+          </p:cNvSpPr>
+          <p:nvPr>
+            <p:extLst>
+              <p:ext uri="{386F3935-93C4-4BCD-93E2-E3B085C9AB24}">
+                <p16:designElem xmlns:p16="http://schemas.microsoft.com/office/powerpoint/2015/main" val="1"/>
+              </p:ext>
+            </p:extLst>
+          </p:nvPr>
+        </p:nvSpPr>
+        <p:spPr>
+          <a:xfrm>
+            <a:off x="1" y="6334316"/>
+            <a:ext cx="12192000" cy="66484"/>
+          </a:xfrm>
+          <a:prstGeom prst="rect">
+            <a:avLst/>
+          </a:prstGeom>
+          <a:solidFill>
+            <a:schemeClr val="accent1"/>
+          </a:solidFill>
+          <a:ln>
+            <a:noFill/>
+          </a:ln>
+        </p:spPr>
+        <p:style>
+          <a:lnRef idx="2">
+            <a:schemeClr val="accent1">
+              <a:shade val="50000"/>
+            </a:schemeClr>
+          </a:lnRef>
+          <a:fillRef idx="1">
+            <a:schemeClr val="accent1"/>
+          </a:fillRef>
+          <a:effectRef idx="0">
+            <a:schemeClr val="accent1"/>
+          </a:effectRef>
+          <a:fontRef idx="minor">
+            <a:schemeClr val="lt1"/>
+          </a:fontRef>
+        </p:style>
+      </p:sp>
+      <p:cxnSp>
+        <p:nvCxnSpPr>
+          <p:cNvPr id="17" name="Straight Connector 16">
+            <a:extLst>
+              <a:ext uri="{FF2B5EF4-FFF2-40B4-BE49-F238E27FC236}">
+                <a16:creationId xmlns:a16="http://schemas.microsoft.com/office/drawing/2014/main" id="{17706B1B-4321-47A1-B97B-3364729F7291}"/>
+              </a:ext>
+              <a:ext uri="{C183D7F6-B498-43B3-948B-1728B52AA6E4}">
+                <adec:decorative xmlns:adec="http://schemas.microsoft.com/office/drawing/2017/decorative" val="1"/>
+              </a:ext>
+            </a:extLst>
+          </p:cNvPr>
+          <p:cNvCxnSpPr>
+            <a:cxnSpLocks noGrp="1" noRot="1" noChangeAspect="1" noMove="1" noResize="1" noEditPoints="1" noAdjustHandles="1" noChangeArrowheads="1" noChangeShapeType="1"/>
+          </p:cNvCxnSpPr>
+          <p:nvPr>
+            <p:extLst>
+              <p:ext uri="{386F3935-93C4-4BCD-93E2-E3B085C9AB24}">
+                <p16:designElem xmlns:p16="http://schemas.microsoft.com/office/powerpoint/2015/main" val="1"/>
+              </p:ext>
+            </p:extLst>
+          </p:nvPr>
+        </p:nvCxnSpPr>
+        <p:spPr>
+          <a:xfrm>
+            <a:off x="1207658" y="4343400"/>
+            <a:ext cx="9875520" cy="0"/>
+          </a:xfrm>
+          <a:prstGeom prst="line">
+            <a:avLst/>
+          </a:prstGeom>
+          <a:ln w="6350">
+            <a:solidFill>
+              <a:schemeClr val="tx1">
+                <a:lumMod val="50000"/>
+                <a:lumOff val="50000"/>
+              </a:schemeClr>
+            </a:solidFill>
+          </a:ln>
+        </p:spPr>
+        <p:style>
+          <a:lnRef idx="1">
+            <a:schemeClr val="accent1"/>
+          </a:lnRef>
+          <a:fillRef idx="0">
+            <a:schemeClr val="accent1"/>
+          </a:fillRef>
+          <a:effectRef idx="0">
+            <a:schemeClr val="accent1"/>
+          </a:effectRef>
+          <a:fontRef idx="minor">
+            <a:schemeClr val="tx1"/>
+          </a:fontRef>
+        </p:style>
+      </p:cxnSp>
+      <p:sp useBgFill="1">
+        <p:nvSpPr>
+          <p:cNvPr id="19" name="Rectangle 18">
+            <a:extLst>
+              <a:ext uri="{FF2B5EF4-FFF2-40B4-BE49-F238E27FC236}">
+                <a16:creationId xmlns:a16="http://schemas.microsoft.com/office/drawing/2014/main" id="{B6432BCE-DFD0-492A-825D-B06B192162F1}"/>
+              </a:ext>
+              <a:ext uri="{C183D7F6-B498-43B3-948B-1728B52AA6E4}">
+                <adec:decorative xmlns:adec="http://schemas.microsoft.com/office/drawing/2017/decorative" val="1"/>
+              </a:ext>
+            </a:extLst>
+          </p:cNvPr>
+          <p:cNvSpPr>
+            <a:spLocks noGrp="1" noRot="1" noChangeAspect="1" noMove="1" noResize="1" noEditPoints="1" noAdjustHandles="1" noChangeArrowheads="1" noChangeShapeType="1" noTextEdit="1"/>
+          </p:cNvSpPr>
+          <p:nvPr>
+            <p:extLst>
+              <p:ext uri="{386F3935-93C4-4BCD-93E2-E3B085C9AB24}">
+                <p16:designElem xmlns:p16="http://schemas.microsoft.com/office/powerpoint/2015/main" val="1"/>
+              </p:ext>
+            </p:extLst>
+          </p:nvPr>
+        </p:nvSpPr>
+        <p:spPr>
+          <a:xfrm>
+            <a:off x="0" y="0"/>
+            <a:ext cx="12190459" cy="6858000"/>
+          </a:xfrm>
+          <a:prstGeom prst="rect">
+            <a:avLst/>
+          </a:prstGeom>
+          <a:ln>
+            <a:noFill/>
+          </a:ln>
+        </p:spPr>
+        <p:style>
+          <a:lnRef idx="2">
+            <a:schemeClr val="accent1">
+              <a:shade val="50000"/>
+            </a:schemeClr>
+          </a:lnRef>
+          <a:fillRef idx="1">
+            <a:schemeClr val="accent1"/>
+          </a:fillRef>
+          <a:effectRef idx="0">
+            <a:schemeClr val="accent1"/>
+          </a:effectRef>
+          <a:fontRef idx="minor">
+            <a:schemeClr val="lt1"/>
+          </a:fontRef>
+        </p:style>
+        <p:txBody>
+          <a:bodyPr rtlCol="0" anchor="ctr"/>
+          <a:lstStyle/>
+          <a:p>
+            <a:pPr algn="ctr"/>
+            <a:endParaRPr lang="en-US"/>
+          </a:p>
+        </p:txBody>
+      </p:sp>
+      <p:sp>
+        <p:nvSpPr>
+          <p:cNvPr id="21" name="Rectangle 20">
+            <a:extLst>
+              <a:ext uri="{FF2B5EF4-FFF2-40B4-BE49-F238E27FC236}">
+                <a16:creationId xmlns:a16="http://schemas.microsoft.com/office/drawing/2014/main" id="{19F5B778-C67E-417B-9509-2F509EA61533}"/>
+              </a:ext>
+              <a:ext uri="{C183D7F6-B498-43B3-948B-1728B52AA6E4}">
+                <adec:decorative xmlns:adec="http://schemas.microsoft.com/office/drawing/2017/decorative" val="1"/>
+              </a:ext>
+            </a:extLst>
+          </p:cNvPr>
+          <p:cNvSpPr>
+            <a:spLocks noGrp="1" noRot="1" noChangeAspect="1" noMove="1" noResize="1" noEditPoints="1" noAdjustHandles="1" noChangeArrowheads="1" noChangeShapeType="1" noTextEdit="1"/>
+          </p:cNvSpPr>
+          <p:nvPr>
+            <p:extLst>
+              <p:ext uri="{386F3935-93C4-4BCD-93E2-E3B085C9AB24}">
+                <p16:designElem xmlns:p16="http://schemas.microsoft.com/office/powerpoint/2015/main" val="1"/>
+              </p:ext>
+            </p:extLst>
+          </p:nvPr>
+        </p:nvSpPr>
+        <p:spPr bwMode="white">
+          <a:xfrm>
+            <a:off x="1507" y="4614975"/>
+            <a:ext cx="12188952" cy="2243025"/>
+          </a:xfrm>
+          <a:prstGeom prst="rect">
+            <a:avLst/>
+          </a:prstGeom>
+          <a:solidFill>
+            <a:srgbClr val="806D4C"/>
+          </a:solidFill>
+          <a:ln>
+            <a:noFill/>
+          </a:ln>
+        </p:spPr>
+        <p:style>
+          <a:lnRef idx="2">
+            <a:schemeClr val="accent1">
+              <a:shade val="50000"/>
+            </a:schemeClr>
+          </a:lnRef>
+          <a:fillRef idx="1">
+            <a:schemeClr val="accent1"/>
+          </a:fillRef>
+          <a:effectRef idx="0">
+            <a:schemeClr val="accent1"/>
+          </a:effectRef>
+          <a:fontRef idx="minor">
+            <a:schemeClr val="lt1"/>
+          </a:fontRef>
+        </p:style>
+      </p:sp>
+      <p:sp>
+        <p:nvSpPr>
+          <p:cNvPr id="2" name="Rubrik 1">
+            <a:extLst>
+              <a:ext uri="{FF2B5EF4-FFF2-40B4-BE49-F238E27FC236}">
+                <a16:creationId xmlns:a16="http://schemas.microsoft.com/office/drawing/2014/main" id="{84830902-C6E3-48F0-9F40-6D4ED4046346}"/>
+              </a:ext>
+            </a:extLst>
+          </p:cNvPr>
+          <p:cNvSpPr>
+            <a:spLocks noGrp="1"/>
+          </p:cNvSpPr>
+          <p:nvPr>
+            <p:ph type="title"/>
+          </p:nvPr>
+        </p:nvSpPr>
+        <p:spPr>
+          <a:xfrm>
+            <a:off x="1065197" y="5051474"/>
+            <a:ext cx="10058400" cy="892126"/>
+          </a:xfrm>
+        </p:spPr>
+        <p:txBody>
+          <a:bodyPr vert="horz" lIns="91440" tIns="45720" rIns="91440" bIns="45720" rtlCol="0" anchor="b">
+            <a:normAutofit/>
+          </a:bodyPr>
+          <a:lstStyle/>
+          <a:p>
+            <a:r>
+              <a:rPr lang="en-US" sz="4400" dirty="0" err="1">
+                <a:solidFill>
+                  <a:srgbClr val="FFFFFF"/>
+                </a:solidFill>
+              </a:rPr>
+              <a:t>Från</a:t>
+            </a:r>
+            <a:r>
+              <a:rPr lang="en-US" sz="4400" dirty="0">
+                <a:solidFill>
+                  <a:srgbClr val="FFFFFF"/>
+                </a:solidFill>
+              </a:rPr>
+              <a:t> </a:t>
+            </a:r>
+            <a:r>
+              <a:rPr lang="en-US" sz="4400" dirty="0" err="1">
+                <a:solidFill>
+                  <a:srgbClr val="FFFFFF"/>
+                </a:solidFill>
+              </a:rPr>
+              <a:t>idé</a:t>
+            </a:r>
+            <a:r>
+              <a:rPr lang="en-US" sz="4400" dirty="0">
+                <a:solidFill>
+                  <a:srgbClr val="FFFFFF"/>
+                </a:solidFill>
+              </a:rPr>
+              <a:t> till </a:t>
+            </a:r>
+            <a:r>
+              <a:rPr lang="en-US" sz="4400" dirty="0" err="1">
+                <a:solidFill>
+                  <a:srgbClr val="FFFFFF"/>
+                </a:solidFill>
+              </a:rPr>
+              <a:t>prototyp</a:t>
+            </a:r>
+            <a:r>
+              <a:rPr lang="en-US" sz="4400" dirty="0">
+                <a:solidFill>
+                  <a:srgbClr val="FFFFFF"/>
+                </a:solidFill>
+              </a:rPr>
+              <a:t>!</a:t>
+            </a:r>
+          </a:p>
+        </p:txBody>
+      </p:sp>
+      <p:pic>
+        <p:nvPicPr>
+          <p:cNvPr id="4" name="Bildobjekt 3" descr="En bild som visar inomhus, flaska, bord, diskho&#10;&#10;Automatiskt genererad beskrivning">
+            <a:extLst>
+              <a:ext uri="{FF2B5EF4-FFF2-40B4-BE49-F238E27FC236}">
+                <a16:creationId xmlns:a16="http://schemas.microsoft.com/office/drawing/2014/main" id="{B72AE353-553C-3F40-AF28-1868005A3FA6}"/>
+              </a:ext>
+            </a:extLst>
+          </p:cNvPr>
+          <p:cNvPicPr>
+            <a:picLocks noChangeAspect="1"/>
+          </p:cNvPicPr>
+          <p:nvPr/>
+        </p:nvPicPr>
+        <p:blipFill rotWithShape="1">
+          <a:blip r:embed="rId2">
+            <a:extLst>
+              <a:ext uri="{28A0092B-C50C-407E-A947-70E740481C1C}">
+                <a14:useLocalDpi xmlns:a14="http://schemas.microsoft.com/office/drawing/2010/main" val="0"/>
+              </a:ext>
+            </a:extLst>
+          </a:blip>
+          <a:srcRect l="8444" r="35276" b="-2"/>
+          <a:stretch/>
+        </p:blipFill>
+        <p:spPr>
+          <a:xfrm rot="5400000">
+            <a:off x="754914" y="-754914"/>
+            <a:ext cx="4538910" cy="6048739"/>
+          </a:xfrm>
+          <a:prstGeom prst="rect">
+            <a:avLst/>
+          </a:prstGeom>
+        </p:spPr>
+      </p:pic>
+      <p:pic>
+        <p:nvPicPr>
+          <p:cNvPr id="8" name="Platshållare för innehåll 7" descr="En bild som visar inomhus, bord, flaska, sitter&#10;&#10;Automatiskt genererad beskrivning">
+            <a:extLst>
+              <a:ext uri="{FF2B5EF4-FFF2-40B4-BE49-F238E27FC236}">
+                <a16:creationId xmlns:a16="http://schemas.microsoft.com/office/drawing/2014/main" id="{77C843E7-B3F7-4F02-956A-F4CBF9080498}"/>
+              </a:ext>
+            </a:extLst>
+          </p:cNvPr>
+          <p:cNvPicPr>
+            <a:picLocks noGrp="1" noChangeAspect="1"/>
+          </p:cNvPicPr>
+          <p:nvPr>
+            <p:ph idx="1"/>
+          </p:nvPr>
+        </p:nvPicPr>
+        <p:blipFill rotWithShape="1">
+          <a:blip r:embed="rId3">
+            <a:extLst>
+              <a:ext uri="{28A0092B-C50C-407E-A947-70E740481C1C}">
+                <a14:useLocalDpi xmlns:a14="http://schemas.microsoft.com/office/drawing/2010/main" val="0"/>
+              </a:ext>
+            </a:extLst>
+          </a:blip>
+          <a:srcRect l="16556" r="15713" b="2"/>
+          <a:stretch/>
+        </p:blipFill>
+        <p:spPr>
+          <a:xfrm>
+            <a:off x="6141720" y="1965"/>
+            <a:ext cx="6050280" cy="4533324"/>
+          </a:xfrm>
+          <a:prstGeom prst="rect">
+            <a:avLst/>
+          </a:prstGeom>
+        </p:spPr>
+      </p:pic>
+      <p:sp>
+        <p:nvSpPr>
+          <p:cNvPr id="23" name="Rectangle 22">
+            <a:extLst>
+              <a:ext uri="{FF2B5EF4-FFF2-40B4-BE49-F238E27FC236}">
+                <a16:creationId xmlns:a16="http://schemas.microsoft.com/office/drawing/2014/main" id="{E88F05FB-902F-4AE9-81B6-9036CB580E28}"/>
+              </a:ext>
+              <a:ext uri="{C183D7F6-B498-43B3-948B-1728B52AA6E4}">
+                <adec:decorative xmlns:adec="http://schemas.microsoft.com/office/drawing/2017/decorative" val="1"/>
+              </a:ext>
+            </a:extLst>
+          </p:cNvPr>
+          <p:cNvSpPr>
+            <a:spLocks noGrp="1" noRot="1" noChangeAspect="1" noMove="1" noResize="1" noEditPoints="1" noAdjustHandles="1" noChangeArrowheads="1" noChangeShapeType="1" noTextEdit="1"/>
+          </p:cNvSpPr>
+          <p:nvPr>
+            <p:extLst>
+              <p:ext uri="{386F3935-93C4-4BCD-93E2-E3B085C9AB24}">
+                <p16:designElem xmlns:p16="http://schemas.microsoft.com/office/powerpoint/2015/main" val="1"/>
+              </p:ext>
+            </p:extLst>
+          </p:nvPr>
+        </p:nvSpPr>
+        <p:spPr>
+          <a:xfrm>
+            <a:off x="1507" y="4611354"/>
+            <a:ext cx="12188952" cy="64008"/>
+          </a:xfrm>
+          <a:prstGeom prst="rect">
+            <a:avLst/>
+          </a:prstGeom>
+          <a:solidFill>
+            <a:srgbClr val="A7854A"/>
+          </a:solidFill>
+          <a:ln>
+            <a:noFill/>
+          </a:ln>
+        </p:spPr>
+        <p:style>
+          <a:lnRef idx="2">
+            <a:schemeClr val="accent1">
+              <a:shade val="50000"/>
+            </a:schemeClr>
+          </a:lnRef>
+          <a:fillRef idx="1">
+            <a:schemeClr val="accent1"/>
+          </a:fillRef>
+          <a:effectRef idx="0">
+            <a:schemeClr val="accent1"/>
+          </a:effectRef>
+          <a:fontRef idx="minor">
+            <a:schemeClr val="lt1"/>
+          </a:fontRef>
+        </p:style>
+      </p:sp>
+      <p:pic>
+        <p:nvPicPr>
+          <p:cNvPr id="6" name="Bildobjekt 5">
+            <a:extLst>
+              <a:ext uri="{FF2B5EF4-FFF2-40B4-BE49-F238E27FC236}">
+                <a16:creationId xmlns:a16="http://schemas.microsoft.com/office/drawing/2014/main" id="{D9BEF862-41A8-48ED-A6E2-B7C23AB53A75}"/>
+              </a:ext>
+            </a:extLst>
+          </p:cNvPr>
+          <p:cNvPicPr>
+            <a:picLocks noChangeAspect="1"/>
+          </p:cNvPicPr>
+          <p:nvPr/>
+        </p:nvPicPr>
+        <p:blipFill rotWithShape="1">
+          <a:blip r:embed="rId4">
+            <a:clrChange>
+              <a:clrFrom>
+                <a:srgbClr val="1A1A1A"/>
+              </a:clrFrom>
+              <a:clrTo>
+                <a:srgbClr val="1A1A1A">
+                  <a:alpha val="0"/>
+                </a:srgbClr>
+              </a:clrTo>
+            </a:clrChange>
+            <a:extLst>
+              <a:ext uri="{BEBA8EAE-BF5A-486C-A8C5-ECC9F3942E4B}">
+                <a14:imgProps xmlns:a14="http://schemas.microsoft.com/office/drawing/2010/main">
+                  <a14:imgLayer r:embed="rId5">
+                    <a14:imgEffect>
+                      <a14:backgroundRemoval t="31143" b="58000" l="82399" r="90507">
+                        <a14:foregroundMark x1="82399" y1="44762" x2="82399" y2="44762"/>
+                        <a14:foregroundMark x1="90473" y1="38857" x2="90473" y2="38857"/>
+                        <a14:foregroundMark x1="90507" y1="50571" x2="90507" y2="50571"/>
+                      </a14:backgroundRemoval>
+                    </a14:imgEffect>
+                  </a14:imgLayer>
+                </a14:imgProps>
+              </a:ext>
+            </a:extLst>
+          </a:blip>
+          <a:srcRect l="81514" t="27904" r="8502" b="38552"/>
+          <a:stretch/>
+        </p:blipFill>
+        <p:spPr>
+          <a:xfrm rot="5400000">
+            <a:off x="238335" y="6456430"/>
+            <a:ext cx="300032" cy="357602"/>
+          </a:xfrm>
+          <a:prstGeom prst="rect">
+            <a:avLst/>
+          </a:prstGeom>
+        </p:spPr>
+      </p:pic>
+      <p:sp>
+        <p:nvSpPr>
+          <p:cNvPr id="12" name="textruta 11">
+            <a:extLst>
+              <a:ext uri="{FF2B5EF4-FFF2-40B4-BE49-F238E27FC236}">
+                <a16:creationId xmlns:a16="http://schemas.microsoft.com/office/drawing/2014/main" id="{6D7675E5-8A17-AC47-BFAD-46D2BBD84C4A}"/>
+              </a:ext>
+            </a:extLst>
+          </p:cNvPr>
+          <p:cNvSpPr txBox="1"/>
+          <p:nvPr/>
+        </p:nvSpPr>
+        <p:spPr>
+          <a:xfrm>
+            <a:off x="496095" y="6444734"/>
+            <a:ext cx="2439579" cy="369332"/>
+          </a:xfrm>
+          <a:prstGeom prst="rect">
+            <a:avLst/>
+          </a:prstGeom>
+          <a:noFill/>
+        </p:spPr>
+        <p:txBody>
+          <a:bodyPr wrap="none" rtlCol="0">
+            <a:spAutoFit/>
+          </a:bodyPr>
+          <a:lstStyle/>
+          <a:p>
+            <a:r>
+              <a:rPr lang="sv-SE" dirty="0">
+                <a:solidFill>
+                  <a:schemeClr val="bg1"/>
+                </a:solidFill>
+              </a:rPr>
+              <a:t>Projekt: Dubblerat flöde</a:t>
+            </a:r>
+          </a:p>
+        </p:txBody>
+      </p:sp>
+    </p:spTree>
+    <p:extLst>
+      <p:ext uri="{BB962C8B-B14F-4D97-AF65-F5344CB8AC3E}">
+        <p14:creationId xmlns:p14="http://schemas.microsoft.com/office/powerpoint/2010/main" val="2913192176"/>
+      </p:ext>
+    </p:extLst>
+  </p:cSld>
+  <p:clrMapOvr>
+    <a:masterClrMapping/>
+  </p:clrMapOvr>
+</p:sld>
+</file>
+
+<file path=ppt/slides/slide12.xml><?xml version="1.0" encoding="utf-8"?>
+<p:sld xmlns:a="http://schemas.openxmlformats.org/drawingml/2006/main" xmlns:r="http://schemas.openxmlformats.org/officeDocument/2006/relationships" xmlns:p="http://schemas.openxmlformats.org/presentationml/2006/main">
+  <p:cSld>
     <p:bg>
       <p:bgPr>
         <a:solidFill>
@@ -5899,7 +6703,7 @@
 </p:sld>
 </file>
 
-<file path=ppt/slides/slide11.xml><?xml version="1.0" encoding="utf-8"?>
+<file path=ppt/slides/slide13.xml><?xml version="1.0" encoding="utf-8"?>
 <p:sld xmlns:a="http://schemas.openxmlformats.org/drawingml/2006/main" xmlns:r="http://schemas.openxmlformats.org/officeDocument/2006/relationships" xmlns:p="http://schemas.openxmlformats.org/presentationml/2006/main">
   <p:cSld>
     <p:bg>
@@ -6393,7 +7197,7 @@
 </p:sld>
 </file>
 
-<file path=ppt/slides/slide12.xml><?xml version="1.0" encoding="utf-8"?>
+<file path=ppt/slides/slide14.xml><?xml version="1.0" encoding="utf-8"?>
 <p:sld xmlns:a="http://schemas.openxmlformats.org/drawingml/2006/main" xmlns:r="http://schemas.openxmlformats.org/officeDocument/2006/relationships" xmlns:p="http://schemas.openxmlformats.org/presentationml/2006/main">
   <p:cSld>
     <p:bg>
@@ -8192,6 +8996,1225 @@
 </file>
 
 <file path=ppt/slides/slide4.xml><?xml version="1.0" encoding="utf-8"?>
+<p:sld xmlns:a="http://schemas.openxmlformats.org/drawingml/2006/main" xmlns:r="http://schemas.openxmlformats.org/officeDocument/2006/relationships" xmlns:p="http://schemas.openxmlformats.org/presentationml/2006/main" show="0">
+  <p:cSld>
+    <p:spTree>
+      <p:nvGrpSpPr>
+        <p:cNvPr id="1" name=""/>
+        <p:cNvGrpSpPr/>
+        <p:nvPr/>
+      </p:nvGrpSpPr>
+      <p:grpSpPr>
+        <a:xfrm>
+          <a:off x="0" y="0"/>
+          <a:ext cx="0" cy="0"/>
+          <a:chOff x="0" y="0"/>
+          <a:chExt cx="0" cy="0"/>
+        </a:xfrm>
+      </p:grpSpPr>
+      <p:sp>
+        <p:nvSpPr>
+          <p:cNvPr id="2" name="Rubrik 1">
+            <a:extLst>
+              <a:ext uri="{FF2B5EF4-FFF2-40B4-BE49-F238E27FC236}">
+                <a16:creationId xmlns:a16="http://schemas.microsoft.com/office/drawing/2014/main" id="{F2B1E160-04A1-4B73-908B-ACA4740FA1C6}"/>
+              </a:ext>
+            </a:extLst>
+          </p:cNvPr>
+          <p:cNvSpPr>
+            <a:spLocks noGrp="1"/>
+          </p:cNvSpPr>
+          <p:nvPr>
+            <p:ph type="title"/>
+          </p:nvPr>
+        </p:nvSpPr>
+        <p:spPr/>
+        <p:txBody>
+          <a:bodyPr/>
+          <a:lstStyle/>
+          <a:p>
+            <a:pPr algn="ctr"/>
+            <a:r>
+              <a:rPr lang="sv-SE" dirty="0"/>
+              <a:t>Standardkoppling</a:t>
+            </a:r>
+          </a:p>
+        </p:txBody>
+      </p:sp>
+      <p:grpSp>
+        <p:nvGrpSpPr>
+          <p:cNvPr id="3" name="Grupp 2">
+            <a:extLst>
+              <a:ext uri="{FF2B5EF4-FFF2-40B4-BE49-F238E27FC236}">
+                <a16:creationId xmlns:a16="http://schemas.microsoft.com/office/drawing/2014/main" id="{7D1B2EA5-0018-8147-9866-52BB1127ADD4}"/>
+              </a:ext>
+            </a:extLst>
+          </p:cNvPr>
+          <p:cNvGrpSpPr/>
+          <p:nvPr/>
+        </p:nvGrpSpPr>
+        <p:grpSpPr>
+          <a:xfrm>
+            <a:off x="4348065" y="1950098"/>
+            <a:ext cx="3593551" cy="3253596"/>
+            <a:chOff x="4348065" y="1950098"/>
+            <a:chExt cx="3593551" cy="3253596"/>
+          </a:xfrm>
+        </p:grpSpPr>
+        <p:grpSp>
+          <p:nvGrpSpPr>
+            <p:cNvPr id="34" name="Grupp 33">
+              <a:extLst>
+                <a:ext uri="{FF2B5EF4-FFF2-40B4-BE49-F238E27FC236}">
+                  <a16:creationId xmlns:a16="http://schemas.microsoft.com/office/drawing/2014/main" id="{D09B10BB-E820-4A4F-9C01-B2ED9E0D7B6F}"/>
+                </a:ext>
+              </a:extLst>
+            </p:cNvPr>
+            <p:cNvGrpSpPr/>
+            <p:nvPr/>
+          </p:nvGrpSpPr>
+          <p:grpSpPr>
+            <a:xfrm>
+              <a:off x="5824402" y="3981644"/>
+              <a:ext cx="559706" cy="1222050"/>
+              <a:chOff x="5824402" y="3981644"/>
+              <a:chExt cx="559706" cy="1222050"/>
+            </a:xfrm>
+          </p:grpSpPr>
+          <p:cxnSp>
+            <p:nvCxnSpPr>
+              <p:cNvPr id="13" name="Rak koppling 12">
+                <a:extLst>
+                  <a:ext uri="{FF2B5EF4-FFF2-40B4-BE49-F238E27FC236}">
+                    <a16:creationId xmlns:a16="http://schemas.microsoft.com/office/drawing/2014/main" id="{D6CD4DC6-B61E-4A8E-865A-599A5F174970}"/>
+                  </a:ext>
+                </a:extLst>
+              </p:cNvPr>
+              <p:cNvCxnSpPr/>
+              <p:nvPr/>
+            </p:nvCxnSpPr>
+            <p:spPr>
+              <a:xfrm>
+                <a:off x="6064245" y="3981644"/>
+                <a:ext cx="0" cy="675692"/>
+              </a:xfrm>
+              <a:prstGeom prst="line">
+                <a:avLst/>
+              </a:prstGeom>
+              <a:ln w="28575"/>
+            </p:spPr>
+            <p:style>
+              <a:lnRef idx="1">
+                <a:schemeClr val="accent5"/>
+              </a:lnRef>
+              <a:fillRef idx="0">
+                <a:schemeClr val="accent5"/>
+              </a:fillRef>
+              <a:effectRef idx="0">
+                <a:schemeClr val="accent5"/>
+              </a:effectRef>
+              <a:fontRef idx="minor">
+                <a:schemeClr val="tx1"/>
+              </a:fontRef>
+            </p:style>
+          </p:cxnSp>
+          <p:cxnSp>
+            <p:nvCxnSpPr>
+              <p:cNvPr id="14" name="Rak koppling 13">
+                <a:extLst>
+                  <a:ext uri="{FF2B5EF4-FFF2-40B4-BE49-F238E27FC236}">
+                    <a16:creationId xmlns:a16="http://schemas.microsoft.com/office/drawing/2014/main" id="{AAED9749-F2A1-43EA-96C6-3DA427683F03}"/>
+                  </a:ext>
+                </a:extLst>
+              </p:cNvPr>
+              <p:cNvCxnSpPr/>
+              <p:nvPr/>
+            </p:nvCxnSpPr>
+            <p:spPr>
+              <a:xfrm>
+                <a:off x="6139342" y="3981644"/>
+                <a:ext cx="0" cy="675692"/>
+              </a:xfrm>
+              <a:prstGeom prst="line">
+                <a:avLst/>
+              </a:prstGeom>
+              <a:ln w="28575"/>
+            </p:spPr>
+            <p:style>
+              <a:lnRef idx="1">
+                <a:schemeClr val="accent5"/>
+              </a:lnRef>
+              <a:fillRef idx="0">
+                <a:schemeClr val="accent5"/>
+              </a:fillRef>
+              <a:effectRef idx="0">
+                <a:schemeClr val="accent5"/>
+              </a:effectRef>
+              <a:fontRef idx="minor">
+                <a:schemeClr val="tx1"/>
+              </a:fontRef>
+            </p:style>
+          </p:cxnSp>
+          <p:grpSp>
+            <p:nvGrpSpPr>
+              <p:cNvPr id="27" name="Grupp 26">
+                <a:extLst>
+                  <a:ext uri="{FF2B5EF4-FFF2-40B4-BE49-F238E27FC236}">
+                    <a16:creationId xmlns:a16="http://schemas.microsoft.com/office/drawing/2014/main" id="{D1308710-1ADF-4427-BF8A-72AC9C84EF2F}"/>
+                  </a:ext>
+                </a:extLst>
+              </p:cNvPr>
+              <p:cNvGrpSpPr/>
+              <p:nvPr/>
+            </p:nvGrpSpPr>
+            <p:grpSpPr>
+              <a:xfrm rot="390236">
+                <a:off x="5824402" y="4643988"/>
+                <a:ext cx="559706" cy="559706"/>
+                <a:chOff x="3091541" y="4787900"/>
+                <a:chExt cx="559706" cy="559706"/>
+              </a:xfrm>
+            </p:grpSpPr>
+            <p:grpSp>
+              <p:nvGrpSpPr>
+                <p:cNvPr id="17" name="Grupp 16">
+                  <a:extLst>
+                    <a:ext uri="{FF2B5EF4-FFF2-40B4-BE49-F238E27FC236}">
+                      <a16:creationId xmlns:a16="http://schemas.microsoft.com/office/drawing/2014/main" id="{B8C6E426-1101-4CCB-8407-5837BDCBFF27}"/>
+                    </a:ext>
+                  </a:extLst>
+                </p:cNvPr>
+                <p:cNvGrpSpPr/>
+                <p:nvPr/>
+              </p:nvGrpSpPr>
+              <p:grpSpPr>
+                <a:xfrm>
+                  <a:off x="3091541" y="4787900"/>
+                  <a:ext cx="559706" cy="559706"/>
+                  <a:chOff x="3091541" y="4787900"/>
+                  <a:chExt cx="559706" cy="559706"/>
+                </a:xfrm>
+              </p:grpSpPr>
+              <p:sp>
+                <p:nvSpPr>
+                  <p:cNvPr id="15" name="Båge 14">
+                    <a:extLst>
+                      <a:ext uri="{FF2B5EF4-FFF2-40B4-BE49-F238E27FC236}">
+                        <a16:creationId xmlns:a16="http://schemas.microsoft.com/office/drawing/2014/main" id="{0313E340-D74D-442A-BC4F-AA15781583E6}"/>
+                      </a:ext>
+                    </a:extLst>
+                  </p:cNvPr>
+                  <p:cNvSpPr/>
+                  <p:nvPr/>
+                </p:nvSpPr>
+                <p:spPr>
+                  <a:xfrm>
+                    <a:off x="3091541" y="4787900"/>
+                    <a:ext cx="559706" cy="559706"/>
+                  </a:xfrm>
+                  <a:prstGeom prst="arc">
+                    <a:avLst/>
+                  </a:prstGeom>
+                  <a:ln w="28575"/>
+                </p:spPr>
+                <p:style>
+                  <a:lnRef idx="1">
+                    <a:schemeClr val="accent5"/>
+                  </a:lnRef>
+                  <a:fillRef idx="0">
+                    <a:schemeClr val="accent5"/>
+                  </a:fillRef>
+                  <a:effectRef idx="0">
+                    <a:schemeClr val="accent5"/>
+                  </a:effectRef>
+                  <a:fontRef idx="minor">
+                    <a:schemeClr val="tx1"/>
+                  </a:fontRef>
+                </p:style>
+                <p:txBody>
+                  <a:bodyPr rtlCol="0" anchor="ctr"/>
+                  <a:lstStyle/>
+                  <a:p>
+                    <a:pPr algn="ctr"/>
+                    <a:endParaRPr lang="sv-SE"/>
+                  </a:p>
+                </p:txBody>
+              </p:sp>
+              <p:sp>
+                <p:nvSpPr>
+                  <p:cNvPr id="16" name="Båge 15">
+                    <a:extLst>
+                      <a:ext uri="{FF2B5EF4-FFF2-40B4-BE49-F238E27FC236}">
+                        <a16:creationId xmlns:a16="http://schemas.microsoft.com/office/drawing/2014/main" id="{03A75C83-87A0-49F0-BED8-1F23C4E41F6C}"/>
+                      </a:ext>
+                    </a:extLst>
+                  </p:cNvPr>
+                  <p:cNvSpPr/>
+                  <p:nvPr/>
+                </p:nvSpPr>
+                <p:spPr>
+                  <a:xfrm rot="5400000">
+                    <a:off x="3091541" y="4787900"/>
+                    <a:ext cx="559706" cy="559706"/>
+                  </a:xfrm>
+                  <a:prstGeom prst="arc">
+                    <a:avLst/>
+                  </a:prstGeom>
+                  <a:ln w="28575"/>
+                </p:spPr>
+                <p:style>
+                  <a:lnRef idx="1">
+                    <a:schemeClr val="accent5"/>
+                  </a:lnRef>
+                  <a:fillRef idx="0">
+                    <a:schemeClr val="accent5"/>
+                  </a:fillRef>
+                  <a:effectRef idx="0">
+                    <a:schemeClr val="accent5"/>
+                  </a:effectRef>
+                  <a:fontRef idx="minor">
+                    <a:schemeClr val="tx1"/>
+                  </a:fontRef>
+                </p:style>
+                <p:txBody>
+                  <a:bodyPr rtlCol="0" anchor="ctr"/>
+                  <a:lstStyle/>
+                  <a:p>
+                    <a:pPr algn="ctr"/>
+                    <a:endParaRPr lang="sv-SE"/>
+                  </a:p>
+                </p:txBody>
+              </p:sp>
+            </p:grpSp>
+            <p:grpSp>
+              <p:nvGrpSpPr>
+                <p:cNvPr id="18" name="Grupp 17">
+                  <a:extLst>
+                    <a:ext uri="{FF2B5EF4-FFF2-40B4-BE49-F238E27FC236}">
+                      <a16:creationId xmlns:a16="http://schemas.microsoft.com/office/drawing/2014/main" id="{E19CAC61-4992-4047-B52F-4B899E1F38D3}"/>
+                    </a:ext>
+                  </a:extLst>
+                </p:cNvPr>
+                <p:cNvGrpSpPr/>
+                <p:nvPr/>
+              </p:nvGrpSpPr>
+              <p:grpSpPr>
+                <a:xfrm rot="10036646">
+                  <a:off x="3091541" y="4787900"/>
+                  <a:ext cx="559706" cy="559706"/>
+                  <a:chOff x="3091541" y="4787900"/>
+                  <a:chExt cx="559706" cy="559706"/>
+                </a:xfrm>
+              </p:grpSpPr>
+              <p:sp>
+                <p:nvSpPr>
+                  <p:cNvPr id="19" name="Båge 18">
+                    <a:extLst>
+                      <a:ext uri="{FF2B5EF4-FFF2-40B4-BE49-F238E27FC236}">
+                        <a16:creationId xmlns:a16="http://schemas.microsoft.com/office/drawing/2014/main" id="{A0EE4FC4-970F-4F88-AC1F-98D0C8F69F4A}"/>
+                      </a:ext>
+                    </a:extLst>
+                  </p:cNvPr>
+                  <p:cNvSpPr/>
+                  <p:nvPr/>
+                </p:nvSpPr>
+                <p:spPr>
+                  <a:xfrm>
+                    <a:off x="3091541" y="4787900"/>
+                    <a:ext cx="559706" cy="559706"/>
+                  </a:xfrm>
+                  <a:prstGeom prst="arc">
+                    <a:avLst/>
+                  </a:prstGeom>
+                  <a:ln w="28575"/>
+                </p:spPr>
+                <p:style>
+                  <a:lnRef idx="1">
+                    <a:schemeClr val="accent5"/>
+                  </a:lnRef>
+                  <a:fillRef idx="0">
+                    <a:schemeClr val="accent5"/>
+                  </a:fillRef>
+                  <a:effectRef idx="0">
+                    <a:schemeClr val="accent5"/>
+                  </a:effectRef>
+                  <a:fontRef idx="minor">
+                    <a:schemeClr val="tx1"/>
+                  </a:fontRef>
+                </p:style>
+                <p:txBody>
+                  <a:bodyPr rtlCol="0" anchor="ctr"/>
+                  <a:lstStyle/>
+                  <a:p>
+                    <a:pPr algn="ctr"/>
+                    <a:endParaRPr lang="sv-SE"/>
+                  </a:p>
+                </p:txBody>
+              </p:sp>
+              <p:sp>
+                <p:nvSpPr>
+                  <p:cNvPr id="20" name="Båge 19">
+                    <a:extLst>
+                      <a:ext uri="{FF2B5EF4-FFF2-40B4-BE49-F238E27FC236}">
+                        <a16:creationId xmlns:a16="http://schemas.microsoft.com/office/drawing/2014/main" id="{ECE079AD-FF36-4769-AA10-8CE82CA58C71}"/>
+                      </a:ext>
+                    </a:extLst>
+                  </p:cNvPr>
+                  <p:cNvSpPr/>
+                  <p:nvPr/>
+                </p:nvSpPr>
+                <p:spPr>
+                  <a:xfrm rot="5400000">
+                    <a:off x="3091541" y="4787900"/>
+                    <a:ext cx="559706" cy="559706"/>
+                  </a:xfrm>
+                  <a:prstGeom prst="arc">
+                    <a:avLst/>
+                  </a:prstGeom>
+                  <a:ln w="28575"/>
+                </p:spPr>
+                <p:style>
+                  <a:lnRef idx="1">
+                    <a:schemeClr val="accent5"/>
+                  </a:lnRef>
+                  <a:fillRef idx="0">
+                    <a:schemeClr val="accent5"/>
+                  </a:fillRef>
+                  <a:effectRef idx="0">
+                    <a:schemeClr val="accent5"/>
+                  </a:effectRef>
+                  <a:fontRef idx="minor">
+                    <a:schemeClr val="tx1"/>
+                  </a:fontRef>
+                </p:style>
+                <p:txBody>
+                  <a:bodyPr rtlCol="0" anchor="ctr"/>
+                  <a:lstStyle/>
+                  <a:p>
+                    <a:pPr algn="ctr"/>
+                    <a:endParaRPr lang="sv-SE"/>
+                  </a:p>
+                </p:txBody>
+              </p:sp>
+            </p:grpSp>
+          </p:grpSp>
+          <p:grpSp>
+            <p:nvGrpSpPr>
+              <p:cNvPr id="21" name="Grupp 20">
+                <a:extLst>
+                  <a:ext uri="{FF2B5EF4-FFF2-40B4-BE49-F238E27FC236}">
+                    <a16:creationId xmlns:a16="http://schemas.microsoft.com/office/drawing/2014/main" id="{CD4C16AC-7B15-40E4-BCD3-C3AF9EAB68B3}"/>
+                  </a:ext>
+                </a:extLst>
+              </p:cNvPr>
+              <p:cNvGrpSpPr/>
+              <p:nvPr/>
+            </p:nvGrpSpPr>
+            <p:grpSpPr>
+              <a:xfrm rot="11489042">
+                <a:off x="5888002" y="4709433"/>
+                <a:ext cx="429371" cy="429371"/>
+                <a:chOff x="3091541" y="4787900"/>
+                <a:chExt cx="559706" cy="559706"/>
+              </a:xfrm>
+            </p:grpSpPr>
+            <p:sp>
+              <p:nvSpPr>
+                <p:cNvPr id="22" name="Båge 21">
+                  <a:extLst>
+                    <a:ext uri="{FF2B5EF4-FFF2-40B4-BE49-F238E27FC236}">
+                      <a16:creationId xmlns:a16="http://schemas.microsoft.com/office/drawing/2014/main" id="{95FA8AFE-98E7-48BA-9CCD-CD66068A2A7C}"/>
+                    </a:ext>
+                  </a:extLst>
+                </p:cNvPr>
+                <p:cNvSpPr/>
+                <p:nvPr/>
+              </p:nvSpPr>
+              <p:spPr>
+                <a:xfrm>
+                  <a:off x="3091541" y="4787900"/>
+                  <a:ext cx="559706" cy="559706"/>
+                </a:xfrm>
+                <a:prstGeom prst="arc">
+                  <a:avLst/>
+                </a:prstGeom>
+                <a:ln w="28575"/>
+              </p:spPr>
+              <p:style>
+                <a:lnRef idx="1">
+                  <a:schemeClr val="accent5"/>
+                </a:lnRef>
+                <a:fillRef idx="0">
+                  <a:schemeClr val="accent5"/>
+                </a:fillRef>
+                <a:effectRef idx="0">
+                  <a:schemeClr val="accent5"/>
+                </a:effectRef>
+                <a:fontRef idx="minor">
+                  <a:schemeClr val="tx1"/>
+                </a:fontRef>
+              </p:style>
+              <p:txBody>
+                <a:bodyPr rtlCol="0" anchor="ctr"/>
+                <a:lstStyle/>
+                <a:p>
+                  <a:pPr algn="ctr"/>
+                  <a:endParaRPr lang="sv-SE"/>
+                </a:p>
+              </p:txBody>
+            </p:sp>
+            <p:sp>
+              <p:nvSpPr>
+                <p:cNvPr id="23" name="Båge 22">
+                  <a:extLst>
+                    <a:ext uri="{FF2B5EF4-FFF2-40B4-BE49-F238E27FC236}">
+                      <a16:creationId xmlns:a16="http://schemas.microsoft.com/office/drawing/2014/main" id="{4FAFBDCC-E487-470F-9FAC-B29D881AE0F9}"/>
+                    </a:ext>
+                  </a:extLst>
+                </p:cNvPr>
+                <p:cNvSpPr/>
+                <p:nvPr/>
+              </p:nvSpPr>
+              <p:spPr>
+                <a:xfrm rot="5400000">
+                  <a:off x="3091541" y="4787900"/>
+                  <a:ext cx="559706" cy="559706"/>
+                </a:xfrm>
+                <a:prstGeom prst="arc">
+                  <a:avLst/>
+                </a:prstGeom>
+                <a:ln w="28575"/>
+              </p:spPr>
+              <p:style>
+                <a:lnRef idx="1">
+                  <a:schemeClr val="accent5"/>
+                </a:lnRef>
+                <a:fillRef idx="0">
+                  <a:schemeClr val="accent5"/>
+                </a:fillRef>
+                <a:effectRef idx="0">
+                  <a:schemeClr val="accent5"/>
+                </a:effectRef>
+                <a:fontRef idx="minor">
+                  <a:schemeClr val="tx1"/>
+                </a:fontRef>
+              </p:style>
+              <p:txBody>
+                <a:bodyPr rtlCol="0" anchor="ctr"/>
+                <a:lstStyle/>
+                <a:p>
+                  <a:pPr algn="ctr"/>
+                  <a:endParaRPr lang="sv-SE"/>
+                </a:p>
+              </p:txBody>
+            </p:sp>
+          </p:grpSp>
+          <p:grpSp>
+            <p:nvGrpSpPr>
+              <p:cNvPr id="24" name="Grupp 23">
+                <a:extLst>
+                  <a:ext uri="{FF2B5EF4-FFF2-40B4-BE49-F238E27FC236}">
+                    <a16:creationId xmlns:a16="http://schemas.microsoft.com/office/drawing/2014/main" id="{A42F3242-E12A-4982-B0D4-E837AC10DB09}"/>
+                  </a:ext>
+                </a:extLst>
+              </p:cNvPr>
+              <p:cNvGrpSpPr/>
+              <p:nvPr/>
+            </p:nvGrpSpPr>
+            <p:grpSpPr>
+              <a:xfrm rot="20887317">
+                <a:off x="5891137" y="4708877"/>
+                <a:ext cx="429371" cy="429371"/>
+                <a:chOff x="3091541" y="4787900"/>
+                <a:chExt cx="559706" cy="559706"/>
+              </a:xfrm>
+            </p:grpSpPr>
+            <p:sp>
+              <p:nvSpPr>
+                <p:cNvPr id="25" name="Båge 24">
+                  <a:extLst>
+                    <a:ext uri="{FF2B5EF4-FFF2-40B4-BE49-F238E27FC236}">
+                      <a16:creationId xmlns:a16="http://schemas.microsoft.com/office/drawing/2014/main" id="{B496B6F9-3E22-4434-81F0-A975AB4E47B0}"/>
+                    </a:ext>
+                  </a:extLst>
+                </p:cNvPr>
+                <p:cNvSpPr/>
+                <p:nvPr/>
+              </p:nvSpPr>
+              <p:spPr>
+                <a:xfrm>
+                  <a:off x="3091541" y="4787900"/>
+                  <a:ext cx="559706" cy="559706"/>
+                </a:xfrm>
+                <a:prstGeom prst="arc">
+                  <a:avLst/>
+                </a:prstGeom>
+                <a:ln w="28575"/>
+              </p:spPr>
+              <p:style>
+                <a:lnRef idx="1">
+                  <a:schemeClr val="accent5"/>
+                </a:lnRef>
+                <a:fillRef idx="0">
+                  <a:schemeClr val="accent5"/>
+                </a:fillRef>
+                <a:effectRef idx="0">
+                  <a:schemeClr val="accent5"/>
+                </a:effectRef>
+                <a:fontRef idx="minor">
+                  <a:schemeClr val="tx1"/>
+                </a:fontRef>
+              </p:style>
+              <p:txBody>
+                <a:bodyPr rtlCol="0" anchor="ctr"/>
+                <a:lstStyle/>
+                <a:p>
+                  <a:pPr algn="ctr"/>
+                  <a:endParaRPr lang="sv-SE"/>
+                </a:p>
+              </p:txBody>
+            </p:sp>
+            <p:sp>
+              <p:nvSpPr>
+                <p:cNvPr id="26" name="Båge 25">
+                  <a:extLst>
+                    <a:ext uri="{FF2B5EF4-FFF2-40B4-BE49-F238E27FC236}">
+                      <a16:creationId xmlns:a16="http://schemas.microsoft.com/office/drawing/2014/main" id="{4304D23B-D702-4D54-8800-78FE4EB18DAE}"/>
+                    </a:ext>
+                  </a:extLst>
+                </p:cNvPr>
+                <p:cNvSpPr/>
+                <p:nvPr/>
+              </p:nvSpPr>
+              <p:spPr>
+                <a:xfrm rot="5400000">
+                  <a:off x="3091541" y="4787900"/>
+                  <a:ext cx="559706" cy="559706"/>
+                </a:xfrm>
+                <a:prstGeom prst="arc">
+                  <a:avLst/>
+                </a:prstGeom>
+                <a:ln w="28575"/>
+              </p:spPr>
+              <p:style>
+                <a:lnRef idx="1">
+                  <a:schemeClr val="accent5"/>
+                </a:lnRef>
+                <a:fillRef idx="0">
+                  <a:schemeClr val="accent5"/>
+                </a:fillRef>
+                <a:effectRef idx="0">
+                  <a:schemeClr val="accent5"/>
+                </a:effectRef>
+                <a:fontRef idx="minor">
+                  <a:schemeClr val="tx1"/>
+                </a:fontRef>
+              </p:style>
+              <p:txBody>
+                <a:bodyPr rtlCol="0" anchor="ctr"/>
+                <a:lstStyle/>
+                <a:p>
+                  <a:pPr algn="ctr"/>
+                  <a:endParaRPr lang="sv-SE"/>
+                </a:p>
+              </p:txBody>
+            </p:sp>
+          </p:grpSp>
+          <p:sp>
+            <p:nvSpPr>
+              <p:cNvPr id="30" name="Vänster hakparentes 29">
+                <a:extLst>
+                  <a:ext uri="{FF2B5EF4-FFF2-40B4-BE49-F238E27FC236}">
+                    <a16:creationId xmlns:a16="http://schemas.microsoft.com/office/drawing/2014/main" id="{13FB762B-67A8-4867-8C89-B0DB685C43C3}"/>
+                  </a:ext>
+                </a:extLst>
+              </p:cNvPr>
+              <p:cNvSpPr/>
+              <p:nvPr/>
+            </p:nvSpPr>
+            <p:spPr>
+              <a:xfrm rot="5400000">
+                <a:off x="6039346" y="5081035"/>
+                <a:ext cx="76200" cy="45719"/>
+              </a:xfrm>
+              <a:prstGeom prst="leftBracket">
+                <a:avLst/>
+              </a:prstGeom>
+              <a:ln w="28575"/>
+            </p:spPr>
+            <p:style>
+              <a:lnRef idx="1">
+                <a:schemeClr val="accent5"/>
+              </a:lnRef>
+              <a:fillRef idx="0">
+                <a:schemeClr val="accent5"/>
+              </a:fillRef>
+              <a:effectRef idx="0">
+                <a:schemeClr val="accent5"/>
+              </a:effectRef>
+              <a:fontRef idx="minor">
+                <a:schemeClr val="tx1"/>
+              </a:fontRef>
+            </p:style>
+            <p:txBody>
+              <a:bodyPr rtlCol="0" anchor="ctr"/>
+              <a:lstStyle/>
+              <a:p>
+                <a:pPr algn="ctr"/>
+                <a:endParaRPr lang="sv-SE"/>
+              </a:p>
+            </p:txBody>
+          </p:sp>
+          <p:sp>
+            <p:nvSpPr>
+              <p:cNvPr id="31" name="Vänster hakparentes 30">
+                <a:extLst>
+                  <a:ext uri="{FF2B5EF4-FFF2-40B4-BE49-F238E27FC236}">
+                    <a16:creationId xmlns:a16="http://schemas.microsoft.com/office/drawing/2014/main" id="{EA1D521C-F82B-4A10-AFD5-153F7A9D3207}"/>
+                  </a:ext>
+                </a:extLst>
+              </p:cNvPr>
+              <p:cNvSpPr/>
+              <p:nvPr/>
+            </p:nvSpPr>
+            <p:spPr>
+              <a:xfrm rot="5400000">
+                <a:off x="6092595" y="5081036"/>
+                <a:ext cx="76200" cy="45719"/>
+              </a:xfrm>
+              <a:prstGeom prst="leftBracket">
+                <a:avLst/>
+              </a:prstGeom>
+              <a:ln w="28575"/>
+            </p:spPr>
+            <p:style>
+              <a:lnRef idx="1">
+                <a:schemeClr val="accent5"/>
+              </a:lnRef>
+              <a:fillRef idx="0">
+                <a:schemeClr val="accent5"/>
+              </a:fillRef>
+              <a:effectRef idx="0">
+                <a:schemeClr val="accent5"/>
+              </a:effectRef>
+              <a:fontRef idx="minor">
+                <a:schemeClr val="tx1"/>
+              </a:fontRef>
+            </p:style>
+            <p:txBody>
+              <a:bodyPr rtlCol="0" anchor="ctr"/>
+              <a:lstStyle/>
+              <a:p>
+                <a:pPr algn="ctr"/>
+                <a:endParaRPr lang="sv-SE"/>
+              </a:p>
+            </p:txBody>
+          </p:sp>
+        </p:grpSp>
+        <p:sp>
+          <p:nvSpPr>
+            <p:cNvPr id="7" name="Rektangel 6">
+              <a:extLst>
+                <a:ext uri="{FF2B5EF4-FFF2-40B4-BE49-F238E27FC236}">
+                  <a16:creationId xmlns:a16="http://schemas.microsoft.com/office/drawing/2014/main" id="{994EA262-5504-484A-9A8D-D19AA2A40387}"/>
+                </a:ext>
+              </a:extLst>
+            </p:cNvPr>
+            <p:cNvSpPr/>
+            <p:nvPr/>
+          </p:nvSpPr>
+          <p:spPr>
+            <a:xfrm>
+              <a:off x="6055569" y="2668558"/>
+              <a:ext cx="87086" cy="1315613"/>
+            </a:xfrm>
+            <a:prstGeom prst="rect">
+              <a:avLst/>
+            </a:prstGeom>
+          </p:spPr>
+          <p:style>
+            <a:lnRef idx="2">
+              <a:schemeClr val="accent1">
+                <a:shade val="50000"/>
+              </a:schemeClr>
+            </a:lnRef>
+            <a:fillRef idx="1">
+              <a:schemeClr val="accent1"/>
+            </a:fillRef>
+            <a:effectRef idx="0">
+              <a:schemeClr val="accent1"/>
+            </a:effectRef>
+            <a:fontRef idx="minor">
+              <a:schemeClr val="lt1"/>
+            </a:fontRef>
+          </p:style>
+          <p:txBody>
+            <a:bodyPr rtlCol="0" anchor="ctr"/>
+            <a:lstStyle/>
+            <a:p>
+              <a:pPr algn="ctr"/>
+              <a:endParaRPr lang="sv-SE"/>
+            </a:p>
+          </p:txBody>
+        </p:sp>
+        <p:sp>
+          <p:nvSpPr>
+            <p:cNvPr id="4" name="Rektangel: rundade hörn 3">
+              <a:extLst>
+                <a:ext uri="{FF2B5EF4-FFF2-40B4-BE49-F238E27FC236}">
+                  <a16:creationId xmlns:a16="http://schemas.microsoft.com/office/drawing/2014/main" id="{06788D29-D08A-467A-9A3D-F460B132A39B}"/>
+                </a:ext>
+              </a:extLst>
+            </p:cNvPr>
+            <p:cNvSpPr/>
+            <p:nvPr/>
+          </p:nvSpPr>
+          <p:spPr>
+            <a:xfrm>
+              <a:off x="5426684" y="1950098"/>
+              <a:ext cx="1399592" cy="727788"/>
+            </a:xfrm>
+            <a:prstGeom prst="roundRect">
+              <a:avLst/>
+            </a:prstGeom>
+          </p:spPr>
+          <p:style>
+            <a:lnRef idx="2">
+              <a:schemeClr val="accent1">
+                <a:shade val="50000"/>
+              </a:schemeClr>
+            </a:lnRef>
+            <a:fillRef idx="1">
+              <a:schemeClr val="accent1"/>
+            </a:fillRef>
+            <a:effectRef idx="0">
+              <a:schemeClr val="accent1"/>
+            </a:effectRef>
+            <a:fontRef idx="minor">
+              <a:schemeClr val="lt1"/>
+            </a:fontRef>
+          </p:style>
+          <p:txBody>
+            <a:bodyPr rtlCol="0" anchor="ctr"/>
+            <a:lstStyle/>
+            <a:p>
+              <a:pPr algn="ctr"/>
+              <a:r>
+                <a:rPr lang="sv-SE" dirty="0"/>
+                <a:t>HFNO</a:t>
+              </a:r>
+            </a:p>
+          </p:txBody>
+        </p:sp>
+        <p:grpSp>
+          <p:nvGrpSpPr>
+            <p:cNvPr id="28" name="Grupp 27">
+              <a:extLst>
+                <a:ext uri="{FF2B5EF4-FFF2-40B4-BE49-F238E27FC236}">
+                  <a16:creationId xmlns:a16="http://schemas.microsoft.com/office/drawing/2014/main" id="{C5544CCB-121F-4732-93F4-CB3B8EB63030}"/>
+                </a:ext>
+              </a:extLst>
+            </p:cNvPr>
+            <p:cNvGrpSpPr/>
+            <p:nvPr/>
+          </p:nvGrpSpPr>
+          <p:grpSpPr>
+            <a:xfrm>
+              <a:off x="4348065" y="2000928"/>
+              <a:ext cx="3593551" cy="653341"/>
+              <a:chOff x="4348065" y="2000928"/>
+              <a:chExt cx="3593551" cy="653341"/>
+            </a:xfrm>
+          </p:grpSpPr>
+          <p:sp>
+            <p:nvSpPr>
+              <p:cNvPr id="29" name="Pil: höger 28">
+                <a:extLst>
+                  <a:ext uri="{FF2B5EF4-FFF2-40B4-BE49-F238E27FC236}">
+                    <a16:creationId xmlns:a16="http://schemas.microsoft.com/office/drawing/2014/main" id="{D06BCB4E-88BE-4DEA-BFE4-F18E5907CF25}"/>
+                  </a:ext>
+                </a:extLst>
+              </p:cNvPr>
+              <p:cNvSpPr/>
+              <p:nvPr/>
+            </p:nvSpPr>
+            <p:spPr>
+              <a:xfrm>
+                <a:off x="4926563" y="2239344"/>
+                <a:ext cx="500121" cy="167951"/>
+              </a:xfrm>
+              <a:prstGeom prst="rightArrow">
+                <a:avLst/>
+              </a:prstGeom>
+              <a:solidFill>
+                <a:schemeClr val="bg1"/>
+              </a:solidFill>
+              <a:ln w="28575">
+                <a:solidFill>
+                  <a:schemeClr val="accent1"/>
+                </a:solidFill>
+              </a:ln>
+            </p:spPr>
+            <p:style>
+              <a:lnRef idx="2">
+                <a:schemeClr val="accent1">
+                  <a:shade val="50000"/>
+                </a:schemeClr>
+              </a:lnRef>
+              <a:fillRef idx="1">
+                <a:schemeClr val="accent1"/>
+              </a:fillRef>
+              <a:effectRef idx="0">
+                <a:schemeClr val="accent1"/>
+              </a:effectRef>
+              <a:fontRef idx="minor">
+                <a:schemeClr val="lt1"/>
+              </a:fontRef>
+            </p:style>
+            <p:txBody>
+              <a:bodyPr rtlCol="0" anchor="ctr"/>
+              <a:lstStyle/>
+              <a:p>
+                <a:pPr algn="ctr"/>
+                <a:endParaRPr lang="sv-SE"/>
+              </a:p>
+            </p:txBody>
+          </p:sp>
+          <p:sp>
+            <p:nvSpPr>
+              <p:cNvPr id="32" name="Ellips 31">
+                <a:extLst>
+                  <a:ext uri="{FF2B5EF4-FFF2-40B4-BE49-F238E27FC236}">
+                    <a16:creationId xmlns:a16="http://schemas.microsoft.com/office/drawing/2014/main" id="{E4A6346A-D452-49F9-956D-11B34ED8592A}"/>
+                  </a:ext>
+                </a:extLst>
+              </p:cNvPr>
+              <p:cNvSpPr/>
+              <p:nvPr/>
+            </p:nvSpPr>
+            <p:spPr>
+              <a:xfrm>
+                <a:off x="4348065" y="2001126"/>
+                <a:ext cx="653143" cy="653143"/>
+              </a:xfrm>
+              <a:prstGeom prst="ellipse">
+                <a:avLst/>
+              </a:prstGeom>
+              <a:solidFill>
+                <a:schemeClr val="bg1"/>
+              </a:solidFill>
+              <a:ln w="28575" cap="flat" cmpd="sng" algn="ctr">
+                <a:solidFill>
+                  <a:schemeClr val="accent1"/>
+                </a:solidFill>
+                <a:prstDash val="solid"/>
+                <a:round/>
+                <a:headEnd type="none" w="med" len="med"/>
+                <a:tailEnd type="none" w="med" len="med"/>
+              </a:ln>
+            </p:spPr>
+            <p:style>
+              <a:lnRef idx="0">
+                <a:scrgbClr r="0" g="0" b="0"/>
+              </a:lnRef>
+              <a:fillRef idx="0">
+                <a:scrgbClr r="0" g="0" b="0"/>
+              </a:fillRef>
+              <a:effectRef idx="0">
+                <a:scrgbClr r="0" g="0" b="0"/>
+              </a:effectRef>
+              <a:fontRef idx="minor">
+                <a:schemeClr val="accent1"/>
+              </a:fontRef>
+            </p:style>
+            <p:txBody>
+              <a:bodyPr rtlCol="0" anchor="ctr"/>
+              <a:lstStyle/>
+              <a:p>
+                <a:pPr algn="ctr"/>
+                <a:r>
+                  <a:rPr lang="sv-SE" sz="1200" dirty="0"/>
+                  <a:t>O2</a:t>
+                </a:r>
+                <a:endParaRPr lang="sv-SE" sz="1400" dirty="0"/>
+              </a:p>
+            </p:txBody>
+          </p:sp>
+          <p:sp>
+            <p:nvSpPr>
+              <p:cNvPr id="33" name="Pil: höger 32">
+                <a:extLst>
+                  <a:ext uri="{FF2B5EF4-FFF2-40B4-BE49-F238E27FC236}">
+                    <a16:creationId xmlns:a16="http://schemas.microsoft.com/office/drawing/2014/main" id="{37291E64-FF8A-428F-BAE7-5463F1FD6FAA}"/>
+                  </a:ext>
+                </a:extLst>
+              </p:cNvPr>
+              <p:cNvSpPr/>
+              <p:nvPr/>
+            </p:nvSpPr>
+            <p:spPr>
+              <a:xfrm flipH="1">
+                <a:off x="6826276" y="2248672"/>
+                <a:ext cx="500120" cy="167951"/>
+              </a:xfrm>
+              <a:prstGeom prst="rightArrow">
+                <a:avLst/>
+              </a:prstGeom>
+              <a:solidFill>
+                <a:schemeClr val="bg1"/>
+              </a:solidFill>
+              <a:ln w="28575">
+                <a:solidFill>
+                  <a:schemeClr val="tx2">
+                    <a:lumMod val="60000"/>
+                    <a:lumOff val="40000"/>
+                  </a:schemeClr>
+                </a:solidFill>
+              </a:ln>
+            </p:spPr>
+            <p:style>
+              <a:lnRef idx="2">
+                <a:schemeClr val="accent1">
+                  <a:shade val="50000"/>
+                </a:schemeClr>
+              </a:lnRef>
+              <a:fillRef idx="1">
+                <a:schemeClr val="accent1"/>
+              </a:fillRef>
+              <a:effectRef idx="0">
+                <a:schemeClr val="accent1"/>
+              </a:effectRef>
+              <a:fontRef idx="minor">
+                <a:schemeClr val="lt1"/>
+              </a:fontRef>
+            </p:style>
+            <p:txBody>
+              <a:bodyPr rtlCol="0" anchor="ctr"/>
+              <a:lstStyle/>
+              <a:p>
+                <a:pPr algn="ctr"/>
+                <a:endParaRPr lang="sv-SE"/>
+              </a:p>
+            </p:txBody>
+          </p:sp>
+          <p:sp>
+            <p:nvSpPr>
+              <p:cNvPr id="35" name="Ellips 34">
+                <a:extLst>
+                  <a:ext uri="{FF2B5EF4-FFF2-40B4-BE49-F238E27FC236}">
+                    <a16:creationId xmlns:a16="http://schemas.microsoft.com/office/drawing/2014/main" id="{87E05F20-5795-4817-AF42-094AF0ED51D1}"/>
+                  </a:ext>
+                </a:extLst>
+              </p:cNvPr>
+              <p:cNvSpPr/>
+              <p:nvPr/>
+            </p:nvSpPr>
+            <p:spPr>
+              <a:xfrm flipH="1">
+                <a:off x="7288474" y="2000928"/>
+                <a:ext cx="653142" cy="653143"/>
+              </a:xfrm>
+              <a:prstGeom prst="ellipse">
+                <a:avLst/>
+              </a:prstGeom>
+              <a:solidFill>
+                <a:schemeClr val="bg1"/>
+              </a:solidFill>
+              <a:ln w="28575" cap="flat" cmpd="sng" algn="ctr">
+                <a:solidFill>
+                  <a:schemeClr val="tx2">
+                    <a:lumMod val="60000"/>
+                    <a:lumOff val="40000"/>
+                  </a:schemeClr>
+                </a:solidFill>
+                <a:prstDash val="solid"/>
+                <a:round/>
+                <a:headEnd type="none" w="med" len="med"/>
+                <a:tailEnd type="none" w="med" len="med"/>
+              </a:ln>
+            </p:spPr>
+            <p:style>
+              <a:lnRef idx="0">
+                <a:scrgbClr r="0" g="0" b="0"/>
+              </a:lnRef>
+              <a:fillRef idx="0">
+                <a:scrgbClr r="0" g="0" b="0"/>
+              </a:fillRef>
+              <a:effectRef idx="0">
+                <a:scrgbClr r="0" g="0" b="0"/>
+              </a:effectRef>
+              <a:fontRef idx="minor">
+                <a:schemeClr val="accent1"/>
+              </a:fontRef>
+            </p:style>
+            <p:txBody>
+              <a:bodyPr rtlCol="0" anchor="ctr"/>
+              <a:lstStyle/>
+              <a:p>
+                <a:pPr algn="ctr"/>
+                <a:r>
+                  <a:rPr lang="sv-SE" sz="1200" dirty="0"/>
+                  <a:t>H2O</a:t>
+                </a:r>
+              </a:p>
+            </p:txBody>
+          </p:sp>
+        </p:grpSp>
+        <p:sp>
+          <p:nvSpPr>
+            <p:cNvPr id="36" name="textruta 35">
+              <a:extLst>
+                <a:ext uri="{FF2B5EF4-FFF2-40B4-BE49-F238E27FC236}">
+                  <a16:creationId xmlns:a16="http://schemas.microsoft.com/office/drawing/2014/main" id="{F2F22842-FF16-469F-AA7C-22BB45B36DD4}"/>
+                </a:ext>
+              </a:extLst>
+            </p:cNvPr>
+            <p:cNvSpPr txBox="1"/>
+            <p:nvPr/>
+          </p:nvSpPr>
+          <p:spPr>
+            <a:xfrm>
+              <a:off x="6167534" y="2946585"/>
+              <a:ext cx="774571" cy="461665"/>
+            </a:xfrm>
+            <a:prstGeom prst="rect">
+              <a:avLst/>
+            </a:prstGeom>
+            <a:noFill/>
+          </p:spPr>
+          <p:txBody>
+            <a:bodyPr wrap="none" rtlCol="0">
+              <a:spAutoFit/>
+            </a:bodyPr>
+            <a:lstStyle/>
+            <a:p>
+              <a:r>
+                <a:rPr lang="sv-SE" sz="1200" dirty="0"/>
+                <a:t>30 </a:t>
+              </a:r>
+              <a:r>
+                <a:rPr lang="sv-SE" sz="1200" dirty="0" err="1"/>
+                <a:t>lpm</a:t>
+              </a:r>
+              <a:endParaRPr lang="sv-SE" sz="1200" dirty="0"/>
+            </a:p>
+            <a:p>
+              <a:r>
+                <a:rPr lang="sv-SE" sz="1200" dirty="0"/>
+                <a:t>50% FiO2</a:t>
+              </a:r>
+            </a:p>
+          </p:txBody>
+        </p:sp>
+      </p:grpSp>
+      <p:sp>
+        <p:nvSpPr>
+          <p:cNvPr id="37" name="textruta 36">
+            <a:extLst>
+              <a:ext uri="{FF2B5EF4-FFF2-40B4-BE49-F238E27FC236}">
+                <a16:creationId xmlns:a16="http://schemas.microsoft.com/office/drawing/2014/main" id="{E31974CF-E0B2-4E1F-8A9F-31E818F113C0}"/>
+              </a:ext>
+            </a:extLst>
+          </p:cNvPr>
+          <p:cNvSpPr txBox="1"/>
+          <p:nvPr/>
+        </p:nvSpPr>
+        <p:spPr>
+          <a:xfrm>
+            <a:off x="496095" y="6444734"/>
+            <a:ext cx="2439579" cy="369332"/>
+          </a:xfrm>
+          <a:prstGeom prst="rect">
+            <a:avLst/>
+          </a:prstGeom>
+          <a:noFill/>
+        </p:spPr>
+        <p:txBody>
+          <a:bodyPr wrap="none" rtlCol="0">
+            <a:spAutoFit/>
+          </a:bodyPr>
+          <a:lstStyle/>
+          <a:p>
+            <a:r>
+              <a:rPr lang="sv-SE" dirty="0">
+                <a:solidFill>
+                  <a:schemeClr val="bg1"/>
+                </a:solidFill>
+              </a:rPr>
+              <a:t>Projekt: Dubblerat flöde</a:t>
+            </a:r>
+          </a:p>
+        </p:txBody>
+      </p:sp>
+      <p:pic>
+        <p:nvPicPr>
+          <p:cNvPr id="38" name="Bildobjekt 37">
+            <a:extLst>
+              <a:ext uri="{FF2B5EF4-FFF2-40B4-BE49-F238E27FC236}">
+                <a16:creationId xmlns:a16="http://schemas.microsoft.com/office/drawing/2014/main" id="{476C7FCC-33CF-43B0-85C2-CBF5931759A7}"/>
+              </a:ext>
+            </a:extLst>
+          </p:cNvPr>
+          <p:cNvPicPr>
+            <a:picLocks noChangeAspect="1"/>
+          </p:cNvPicPr>
+          <p:nvPr/>
+        </p:nvPicPr>
+        <p:blipFill rotWithShape="1">
+          <a:blip r:embed="rId2">
+            <a:clrChange>
+              <a:clrFrom>
+                <a:srgbClr val="1A1A1A"/>
+              </a:clrFrom>
+              <a:clrTo>
+                <a:srgbClr val="1A1A1A">
+                  <a:alpha val="0"/>
+                </a:srgbClr>
+              </a:clrTo>
+            </a:clrChange>
+            <a:extLst>
+              <a:ext uri="{BEBA8EAE-BF5A-486C-A8C5-ECC9F3942E4B}">
+                <a14:imgProps xmlns:a14="http://schemas.microsoft.com/office/drawing/2010/main">
+                  <a14:imgLayer r:embed="rId3">
+                    <a14:imgEffect>
+                      <a14:backgroundRemoval t="31143" b="58000" l="82399" r="90507">
+                        <a14:foregroundMark x1="82399" y1="44762" x2="82399" y2="44762"/>
+                        <a14:foregroundMark x1="90473" y1="38857" x2="90473" y2="38857"/>
+                        <a14:foregroundMark x1="90507" y1="50571" x2="90507" y2="50571"/>
+                      </a14:backgroundRemoval>
+                    </a14:imgEffect>
+                  </a14:imgLayer>
+                </a14:imgProps>
+              </a:ext>
+            </a:extLst>
+          </a:blip>
+          <a:srcRect l="81514" t="27904" r="8502" b="38552"/>
+          <a:stretch/>
+        </p:blipFill>
+        <p:spPr>
+          <a:xfrm rot="5400000">
+            <a:off x="238335" y="6456430"/>
+            <a:ext cx="300032" cy="357602"/>
+          </a:xfrm>
+          <a:prstGeom prst="rect">
+            <a:avLst/>
+          </a:prstGeom>
+        </p:spPr>
+      </p:pic>
+    </p:spTree>
+    <p:extLst>
+      <p:ext uri="{BB962C8B-B14F-4D97-AF65-F5344CB8AC3E}">
+        <p14:creationId xmlns:p14="http://schemas.microsoft.com/office/powerpoint/2010/main" val="2998442746"/>
+      </p:ext>
+    </p:extLst>
+  </p:cSld>
+  <p:clrMapOvr>
+    <a:masterClrMapping/>
+  </p:clrMapOvr>
+</p:sld>
+</file>
+
+<file path=ppt/slides/slide5.xml><?xml version="1.0" encoding="utf-8"?>
 <p:sld xmlns:a="http://schemas.openxmlformats.org/drawingml/2006/main" xmlns:r="http://schemas.openxmlformats.org/officeDocument/2006/relationships" xmlns:p="http://schemas.openxmlformats.org/presentationml/2006/main">
   <p:cSld>
     <p:spTree>
@@ -11051,7 +13074,3942 @@
 </p:sld>
 </file>
 
-<file path=ppt/slides/slide5.xml><?xml version="1.0" encoding="utf-8"?>
+<file path=ppt/slides/slide6.xml><?xml version="1.0" encoding="utf-8"?>
+<p:sld xmlns:a="http://schemas.openxmlformats.org/drawingml/2006/main" xmlns:r="http://schemas.openxmlformats.org/officeDocument/2006/relationships" xmlns:p="http://schemas.openxmlformats.org/presentationml/2006/main" show="0">
+  <p:cSld>
+    <p:spTree>
+      <p:nvGrpSpPr>
+        <p:cNvPr id="1" name=""/>
+        <p:cNvGrpSpPr/>
+        <p:nvPr/>
+      </p:nvGrpSpPr>
+      <p:grpSpPr>
+        <a:xfrm>
+          <a:off x="0" y="0"/>
+          <a:ext cx="0" cy="0"/>
+          <a:chOff x="0" y="0"/>
+          <a:chExt cx="0" cy="0"/>
+        </a:xfrm>
+      </p:grpSpPr>
+      <p:sp>
+        <p:nvSpPr>
+          <p:cNvPr id="2" name="Rubrik 1">
+            <a:extLst>
+              <a:ext uri="{FF2B5EF4-FFF2-40B4-BE49-F238E27FC236}">
+                <a16:creationId xmlns:a16="http://schemas.microsoft.com/office/drawing/2014/main" id="{F2B1E160-04A1-4B73-908B-ACA4740FA1C6}"/>
+              </a:ext>
+            </a:extLst>
+          </p:cNvPr>
+          <p:cNvSpPr>
+            <a:spLocks noGrp="1"/>
+          </p:cNvSpPr>
+          <p:nvPr>
+            <p:ph type="title"/>
+          </p:nvPr>
+        </p:nvSpPr>
+        <p:spPr/>
+        <p:txBody>
+          <a:bodyPr/>
+          <a:lstStyle/>
+          <a:p>
+            <a:pPr algn="ctr"/>
+            <a:r>
+              <a:rPr lang="sv-SE" dirty="0"/>
+              <a:t>Delad koppling</a:t>
+            </a:r>
+          </a:p>
+        </p:txBody>
+      </p:sp>
+      <p:sp>
+        <p:nvSpPr>
+          <p:cNvPr id="67" name="textruta 66">
+            <a:extLst>
+              <a:ext uri="{FF2B5EF4-FFF2-40B4-BE49-F238E27FC236}">
+                <a16:creationId xmlns:a16="http://schemas.microsoft.com/office/drawing/2014/main" id="{98656D11-685D-4A64-B0C9-4ABB6EB2CD64}"/>
+              </a:ext>
+            </a:extLst>
+          </p:cNvPr>
+          <p:cNvSpPr txBox="1"/>
+          <p:nvPr/>
+        </p:nvSpPr>
+        <p:spPr>
+          <a:xfrm>
+            <a:off x="496095" y="6444734"/>
+            <a:ext cx="2439579" cy="369332"/>
+          </a:xfrm>
+          <a:prstGeom prst="rect">
+            <a:avLst/>
+          </a:prstGeom>
+          <a:noFill/>
+        </p:spPr>
+        <p:txBody>
+          <a:bodyPr wrap="none" rtlCol="0">
+            <a:spAutoFit/>
+          </a:bodyPr>
+          <a:lstStyle/>
+          <a:p>
+            <a:r>
+              <a:rPr lang="sv-SE" dirty="0">
+                <a:solidFill>
+                  <a:schemeClr val="bg1"/>
+                </a:solidFill>
+              </a:rPr>
+              <a:t>Projekt: Dubblerat flöde</a:t>
+            </a:r>
+          </a:p>
+        </p:txBody>
+      </p:sp>
+      <p:pic>
+        <p:nvPicPr>
+          <p:cNvPr id="68" name="Bildobjekt 67">
+            <a:extLst>
+              <a:ext uri="{FF2B5EF4-FFF2-40B4-BE49-F238E27FC236}">
+                <a16:creationId xmlns:a16="http://schemas.microsoft.com/office/drawing/2014/main" id="{ED304514-31F4-4CFB-AAF4-5E62C3700A8E}"/>
+              </a:ext>
+            </a:extLst>
+          </p:cNvPr>
+          <p:cNvPicPr>
+            <a:picLocks noChangeAspect="1"/>
+          </p:cNvPicPr>
+          <p:nvPr/>
+        </p:nvPicPr>
+        <p:blipFill rotWithShape="1">
+          <a:blip r:embed="rId2">
+            <a:clrChange>
+              <a:clrFrom>
+                <a:srgbClr val="1A1A1A"/>
+              </a:clrFrom>
+              <a:clrTo>
+                <a:srgbClr val="1A1A1A">
+                  <a:alpha val="0"/>
+                </a:srgbClr>
+              </a:clrTo>
+            </a:clrChange>
+            <a:extLst>
+              <a:ext uri="{BEBA8EAE-BF5A-486C-A8C5-ECC9F3942E4B}">
+                <a14:imgProps xmlns:a14="http://schemas.microsoft.com/office/drawing/2010/main">
+                  <a14:imgLayer r:embed="rId3">
+                    <a14:imgEffect>
+                      <a14:backgroundRemoval t="31143" b="58000" l="82399" r="90507">
+                        <a14:foregroundMark x1="82399" y1="44762" x2="82399" y2="44762"/>
+                        <a14:foregroundMark x1="90473" y1="38857" x2="90473" y2="38857"/>
+                        <a14:foregroundMark x1="90507" y1="50571" x2="90507" y2="50571"/>
+                      </a14:backgroundRemoval>
+                    </a14:imgEffect>
+                  </a14:imgLayer>
+                </a14:imgProps>
+              </a:ext>
+            </a:extLst>
+          </a:blip>
+          <a:srcRect l="81514" t="27904" r="8502" b="38552"/>
+          <a:stretch/>
+        </p:blipFill>
+        <p:spPr>
+          <a:xfrm rot="5400000">
+            <a:off x="238335" y="6456430"/>
+            <a:ext cx="300032" cy="357602"/>
+          </a:xfrm>
+          <a:prstGeom prst="rect">
+            <a:avLst/>
+          </a:prstGeom>
+        </p:spPr>
+      </p:pic>
+      <p:grpSp>
+        <p:nvGrpSpPr>
+          <p:cNvPr id="3" name="Grupp 2">
+            <a:extLst>
+              <a:ext uri="{FF2B5EF4-FFF2-40B4-BE49-F238E27FC236}">
+                <a16:creationId xmlns:a16="http://schemas.microsoft.com/office/drawing/2014/main" id="{424E9053-C92A-AF4E-A306-98A759638A7C}"/>
+              </a:ext>
+            </a:extLst>
+          </p:cNvPr>
+          <p:cNvGrpSpPr/>
+          <p:nvPr/>
+        </p:nvGrpSpPr>
+        <p:grpSpPr>
+          <a:xfrm>
+            <a:off x="-34994864" y="-16617529"/>
+            <a:ext cx="36336594" cy="24406606"/>
+            <a:chOff x="3565801" y="1950098"/>
+            <a:chExt cx="5073827" cy="3407994"/>
+          </a:xfrm>
+        </p:grpSpPr>
+        <p:grpSp>
+          <p:nvGrpSpPr>
+            <p:cNvPr id="34" name="Grupp 33">
+              <a:extLst>
+                <a:ext uri="{FF2B5EF4-FFF2-40B4-BE49-F238E27FC236}">
+                  <a16:creationId xmlns:a16="http://schemas.microsoft.com/office/drawing/2014/main" id="{D09B10BB-E820-4A4F-9C01-B2ED9E0D7B6F}"/>
+                </a:ext>
+              </a:extLst>
+            </p:cNvPr>
+            <p:cNvGrpSpPr/>
+            <p:nvPr/>
+          </p:nvGrpSpPr>
+          <p:grpSpPr>
+            <a:xfrm>
+              <a:off x="3565801" y="4136042"/>
+              <a:ext cx="559706" cy="1222050"/>
+              <a:chOff x="5824402" y="3981644"/>
+              <a:chExt cx="559706" cy="1222050"/>
+            </a:xfrm>
+          </p:grpSpPr>
+          <p:cxnSp>
+            <p:nvCxnSpPr>
+              <p:cNvPr id="13" name="Rak koppling 12">
+                <a:extLst>
+                  <a:ext uri="{FF2B5EF4-FFF2-40B4-BE49-F238E27FC236}">
+                    <a16:creationId xmlns:a16="http://schemas.microsoft.com/office/drawing/2014/main" id="{D6CD4DC6-B61E-4A8E-865A-599A5F174970}"/>
+                  </a:ext>
+                </a:extLst>
+              </p:cNvPr>
+              <p:cNvCxnSpPr/>
+              <p:nvPr/>
+            </p:nvCxnSpPr>
+            <p:spPr>
+              <a:xfrm>
+                <a:off x="6064245" y="3981644"/>
+                <a:ext cx="0" cy="675692"/>
+              </a:xfrm>
+              <a:prstGeom prst="line">
+                <a:avLst/>
+              </a:prstGeom>
+              <a:ln w="127000"/>
+            </p:spPr>
+            <p:style>
+              <a:lnRef idx="1">
+                <a:schemeClr val="accent5"/>
+              </a:lnRef>
+              <a:fillRef idx="0">
+                <a:schemeClr val="accent5"/>
+              </a:fillRef>
+              <a:effectRef idx="0">
+                <a:schemeClr val="accent5"/>
+              </a:effectRef>
+              <a:fontRef idx="minor">
+                <a:schemeClr val="tx1"/>
+              </a:fontRef>
+            </p:style>
+          </p:cxnSp>
+          <p:cxnSp>
+            <p:nvCxnSpPr>
+              <p:cNvPr id="14" name="Rak koppling 13">
+                <a:extLst>
+                  <a:ext uri="{FF2B5EF4-FFF2-40B4-BE49-F238E27FC236}">
+                    <a16:creationId xmlns:a16="http://schemas.microsoft.com/office/drawing/2014/main" id="{AAED9749-F2A1-43EA-96C6-3DA427683F03}"/>
+                  </a:ext>
+                </a:extLst>
+              </p:cNvPr>
+              <p:cNvCxnSpPr/>
+              <p:nvPr/>
+            </p:nvCxnSpPr>
+            <p:spPr>
+              <a:xfrm>
+                <a:off x="6139342" y="3981644"/>
+                <a:ext cx="0" cy="675692"/>
+              </a:xfrm>
+              <a:prstGeom prst="line">
+                <a:avLst/>
+              </a:prstGeom>
+              <a:ln w="127000"/>
+            </p:spPr>
+            <p:style>
+              <a:lnRef idx="1">
+                <a:schemeClr val="accent5"/>
+              </a:lnRef>
+              <a:fillRef idx="0">
+                <a:schemeClr val="accent5"/>
+              </a:fillRef>
+              <a:effectRef idx="0">
+                <a:schemeClr val="accent5"/>
+              </a:effectRef>
+              <a:fontRef idx="minor">
+                <a:schemeClr val="tx1"/>
+              </a:fontRef>
+            </p:style>
+          </p:cxnSp>
+          <p:grpSp>
+            <p:nvGrpSpPr>
+              <p:cNvPr id="27" name="Grupp 26">
+                <a:extLst>
+                  <a:ext uri="{FF2B5EF4-FFF2-40B4-BE49-F238E27FC236}">
+                    <a16:creationId xmlns:a16="http://schemas.microsoft.com/office/drawing/2014/main" id="{D1308710-1ADF-4427-BF8A-72AC9C84EF2F}"/>
+                  </a:ext>
+                </a:extLst>
+              </p:cNvPr>
+              <p:cNvGrpSpPr/>
+              <p:nvPr/>
+            </p:nvGrpSpPr>
+            <p:grpSpPr>
+              <a:xfrm rot="390236">
+                <a:off x="5824402" y="4643988"/>
+                <a:ext cx="559706" cy="559706"/>
+                <a:chOff x="3091541" y="4787900"/>
+                <a:chExt cx="559706" cy="559706"/>
+              </a:xfrm>
+            </p:grpSpPr>
+            <p:grpSp>
+              <p:nvGrpSpPr>
+                <p:cNvPr id="17" name="Grupp 16">
+                  <a:extLst>
+                    <a:ext uri="{FF2B5EF4-FFF2-40B4-BE49-F238E27FC236}">
+                      <a16:creationId xmlns:a16="http://schemas.microsoft.com/office/drawing/2014/main" id="{B8C6E426-1101-4CCB-8407-5837BDCBFF27}"/>
+                    </a:ext>
+                  </a:extLst>
+                </p:cNvPr>
+                <p:cNvGrpSpPr/>
+                <p:nvPr/>
+              </p:nvGrpSpPr>
+              <p:grpSpPr>
+                <a:xfrm>
+                  <a:off x="3091541" y="4787900"/>
+                  <a:ext cx="559706" cy="559706"/>
+                  <a:chOff x="3091541" y="4787900"/>
+                  <a:chExt cx="559706" cy="559706"/>
+                </a:xfrm>
+              </p:grpSpPr>
+              <p:sp>
+                <p:nvSpPr>
+                  <p:cNvPr id="15" name="Båge 14">
+                    <a:extLst>
+                      <a:ext uri="{FF2B5EF4-FFF2-40B4-BE49-F238E27FC236}">
+                        <a16:creationId xmlns:a16="http://schemas.microsoft.com/office/drawing/2014/main" id="{0313E340-D74D-442A-BC4F-AA15781583E6}"/>
+                      </a:ext>
+                    </a:extLst>
+                  </p:cNvPr>
+                  <p:cNvSpPr/>
+                  <p:nvPr/>
+                </p:nvSpPr>
+                <p:spPr>
+                  <a:xfrm>
+                    <a:off x="3091541" y="4787900"/>
+                    <a:ext cx="559706" cy="559706"/>
+                  </a:xfrm>
+                  <a:prstGeom prst="arc">
+                    <a:avLst/>
+                  </a:prstGeom>
+                  <a:ln w="127000"/>
+                </p:spPr>
+                <p:style>
+                  <a:lnRef idx="1">
+                    <a:schemeClr val="accent5"/>
+                  </a:lnRef>
+                  <a:fillRef idx="0">
+                    <a:schemeClr val="accent5"/>
+                  </a:fillRef>
+                  <a:effectRef idx="0">
+                    <a:schemeClr val="accent5"/>
+                  </a:effectRef>
+                  <a:fontRef idx="minor">
+                    <a:schemeClr val="tx1"/>
+                  </a:fontRef>
+                </p:style>
+                <p:txBody>
+                  <a:bodyPr rtlCol="0" anchor="ctr"/>
+                  <a:lstStyle/>
+                  <a:p>
+                    <a:pPr algn="ctr"/>
+                    <a:endParaRPr lang="sv-SE"/>
+                  </a:p>
+                </p:txBody>
+              </p:sp>
+              <p:sp>
+                <p:nvSpPr>
+                  <p:cNvPr id="16" name="Båge 15">
+                    <a:extLst>
+                      <a:ext uri="{FF2B5EF4-FFF2-40B4-BE49-F238E27FC236}">
+                        <a16:creationId xmlns:a16="http://schemas.microsoft.com/office/drawing/2014/main" id="{03A75C83-87A0-49F0-BED8-1F23C4E41F6C}"/>
+                      </a:ext>
+                    </a:extLst>
+                  </p:cNvPr>
+                  <p:cNvSpPr/>
+                  <p:nvPr/>
+                </p:nvSpPr>
+                <p:spPr>
+                  <a:xfrm rot="5400000">
+                    <a:off x="3091541" y="4787900"/>
+                    <a:ext cx="559706" cy="559706"/>
+                  </a:xfrm>
+                  <a:prstGeom prst="arc">
+                    <a:avLst/>
+                  </a:prstGeom>
+                  <a:ln w="127000"/>
+                </p:spPr>
+                <p:style>
+                  <a:lnRef idx="1">
+                    <a:schemeClr val="accent5"/>
+                  </a:lnRef>
+                  <a:fillRef idx="0">
+                    <a:schemeClr val="accent5"/>
+                  </a:fillRef>
+                  <a:effectRef idx="0">
+                    <a:schemeClr val="accent5"/>
+                  </a:effectRef>
+                  <a:fontRef idx="minor">
+                    <a:schemeClr val="tx1"/>
+                  </a:fontRef>
+                </p:style>
+                <p:txBody>
+                  <a:bodyPr rtlCol="0" anchor="ctr"/>
+                  <a:lstStyle/>
+                  <a:p>
+                    <a:pPr algn="ctr"/>
+                    <a:endParaRPr lang="sv-SE"/>
+                  </a:p>
+                </p:txBody>
+              </p:sp>
+            </p:grpSp>
+            <p:grpSp>
+              <p:nvGrpSpPr>
+                <p:cNvPr id="18" name="Grupp 17">
+                  <a:extLst>
+                    <a:ext uri="{FF2B5EF4-FFF2-40B4-BE49-F238E27FC236}">
+                      <a16:creationId xmlns:a16="http://schemas.microsoft.com/office/drawing/2014/main" id="{E19CAC61-4992-4047-B52F-4B899E1F38D3}"/>
+                    </a:ext>
+                  </a:extLst>
+                </p:cNvPr>
+                <p:cNvGrpSpPr/>
+                <p:nvPr/>
+              </p:nvGrpSpPr>
+              <p:grpSpPr>
+                <a:xfrm rot="10036646">
+                  <a:off x="3091541" y="4787900"/>
+                  <a:ext cx="559706" cy="559706"/>
+                  <a:chOff x="3091541" y="4787900"/>
+                  <a:chExt cx="559706" cy="559706"/>
+                </a:xfrm>
+              </p:grpSpPr>
+              <p:sp>
+                <p:nvSpPr>
+                  <p:cNvPr id="19" name="Båge 18">
+                    <a:extLst>
+                      <a:ext uri="{FF2B5EF4-FFF2-40B4-BE49-F238E27FC236}">
+                        <a16:creationId xmlns:a16="http://schemas.microsoft.com/office/drawing/2014/main" id="{A0EE4FC4-970F-4F88-AC1F-98D0C8F69F4A}"/>
+                      </a:ext>
+                    </a:extLst>
+                  </p:cNvPr>
+                  <p:cNvSpPr/>
+                  <p:nvPr/>
+                </p:nvSpPr>
+                <p:spPr>
+                  <a:xfrm>
+                    <a:off x="3091541" y="4787900"/>
+                    <a:ext cx="559706" cy="559706"/>
+                  </a:xfrm>
+                  <a:prstGeom prst="arc">
+                    <a:avLst/>
+                  </a:prstGeom>
+                  <a:ln w="127000"/>
+                </p:spPr>
+                <p:style>
+                  <a:lnRef idx="1">
+                    <a:schemeClr val="accent5"/>
+                  </a:lnRef>
+                  <a:fillRef idx="0">
+                    <a:schemeClr val="accent5"/>
+                  </a:fillRef>
+                  <a:effectRef idx="0">
+                    <a:schemeClr val="accent5"/>
+                  </a:effectRef>
+                  <a:fontRef idx="minor">
+                    <a:schemeClr val="tx1"/>
+                  </a:fontRef>
+                </p:style>
+                <p:txBody>
+                  <a:bodyPr rtlCol="0" anchor="ctr"/>
+                  <a:lstStyle/>
+                  <a:p>
+                    <a:pPr algn="ctr"/>
+                    <a:endParaRPr lang="sv-SE"/>
+                  </a:p>
+                </p:txBody>
+              </p:sp>
+              <p:sp>
+                <p:nvSpPr>
+                  <p:cNvPr id="20" name="Båge 19">
+                    <a:extLst>
+                      <a:ext uri="{FF2B5EF4-FFF2-40B4-BE49-F238E27FC236}">
+                        <a16:creationId xmlns:a16="http://schemas.microsoft.com/office/drawing/2014/main" id="{ECE079AD-FF36-4769-AA10-8CE82CA58C71}"/>
+                      </a:ext>
+                    </a:extLst>
+                  </p:cNvPr>
+                  <p:cNvSpPr/>
+                  <p:nvPr/>
+                </p:nvSpPr>
+                <p:spPr>
+                  <a:xfrm rot="5400000">
+                    <a:off x="3091541" y="4787900"/>
+                    <a:ext cx="559706" cy="559706"/>
+                  </a:xfrm>
+                  <a:prstGeom prst="arc">
+                    <a:avLst/>
+                  </a:prstGeom>
+                  <a:ln w="127000"/>
+                </p:spPr>
+                <p:style>
+                  <a:lnRef idx="1">
+                    <a:schemeClr val="accent5"/>
+                  </a:lnRef>
+                  <a:fillRef idx="0">
+                    <a:schemeClr val="accent5"/>
+                  </a:fillRef>
+                  <a:effectRef idx="0">
+                    <a:schemeClr val="accent5"/>
+                  </a:effectRef>
+                  <a:fontRef idx="minor">
+                    <a:schemeClr val="tx1"/>
+                  </a:fontRef>
+                </p:style>
+                <p:txBody>
+                  <a:bodyPr rtlCol="0" anchor="ctr"/>
+                  <a:lstStyle/>
+                  <a:p>
+                    <a:pPr algn="ctr"/>
+                    <a:endParaRPr lang="sv-SE"/>
+                  </a:p>
+                </p:txBody>
+              </p:sp>
+            </p:grpSp>
+          </p:grpSp>
+          <p:grpSp>
+            <p:nvGrpSpPr>
+              <p:cNvPr id="21" name="Grupp 20">
+                <a:extLst>
+                  <a:ext uri="{FF2B5EF4-FFF2-40B4-BE49-F238E27FC236}">
+                    <a16:creationId xmlns:a16="http://schemas.microsoft.com/office/drawing/2014/main" id="{CD4C16AC-7B15-40E4-BCD3-C3AF9EAB68B3}"/>
+                  </a:ext>
+                </a:extLst>
+              </p:cNvPr>
+              <p:cNvGrpSpPr/>
+              <p:nvPr/>
+            </p:nvGrpSpPr>
+            <p:grpSpPr>
+              <a:xfrm rot="11489042">
+                <a:off x="5888002" y="4709433"/>
+                <a:ext cx="429371" cy="429371"/>
+                <a:chOff x="3091541" y="4787900"/>
+                <a:chExt cx="559706" cy="559706"/>
+              </a:xfrm>
+            </p:grpSpPr>
+            <p:sp>
+              <p:nvSpPr>
+                <p:cNvPr id="22" name="Båge 21">
+                  <a:extLst>
+                    <a:ext uri="{FF2B5EF4-FFF2-40B4-BE49-F238E27FC236}">
+                      <a16:creationId xmlns:a16="http://schemas.microsoft.com/office/drawing/2014/main" id="{95FA8AFE-98E7-48BA-9CCD-CD66068A2A7C}"/>
+                    </a:ext>
+                  </a:extLst>
+                </p:cNvPr>
+                <p:cNvSpPr/>
+                <p:nvPr/>
+              </p:nvSpPr>
+              <p:spPr>
+                <a:xfrm>
+                  <a:off x="3091541" y="4787900"/>
+                  <a:ext cx="559706" cy="559706"/>
+                </a:xfrm>
+                <a:prstGeom prst="arc">
+                  <a:avLst/>
+                </a:prstGeom>
+                <a:ln w="127000"/>
+              </p:spPr>
+              <p:style>
+                <a:lnRef idx="1">
+                  <a:schemeClr val="accent5"/>
+                </a:lnRef>
+                <a:fillRef idx="0">
+                  <a:schemeClr val="accent5"/>
+                </a:fillRef>
+                <a:effectRef idx="0">
+                  <a:schemeClr val="accent5"/>
+                </a:effectRef>
+                <a:fontRef idx="minor">
+                  <a:schemeClr val="tx1"/>
+                </a:fontRef>
+              </p:style>
+              <p:txBody>
+                <a:bodyPr rtlCol="0" anchor="ctr"/>
+                <a:lstStyle/>
+                <a:p>
+                  <a:pPr algn="ctr"/>
+                  <a:endParaRPr lang="sv-SE"/>
+                </a:p>
+              </p:txBody>
+            </p:sp>
+            <p:sp>
+              <p:nvSpPr>
+                <p:cNvPr id="23" name="Båge 22">
+                  <a:extLst>
+                    <a:ext uri="{FF2B5EF4-FFF2-40B4-BE49-F238E27FC236}">
+                      <a16:creationId xmlns:a16="http://schemas.microsoft.com/office/drawing/2014/main" id="{4FAFBDCC-E487-470F-9FAC-B29D881AE0F9}"/>
+                    </a:ext>
+                  </a:extLst>
+                </p:cNvPr>
+                <p:cNvSpPr/>
+                <p:nvPr/>
+              </p:nvSpPr>
+              <p:spPr>
+                <a:xfrm rot="5400000">
+                  <a:off x="3091541" y="4787900"/>
+                  <a:ext cx="559706" cy="559706"/>
+                </a:xfrm>
+                <a:prstGeom prst="arc">
+                  <a:avLst/>
+                </a:prstGeom>
+                <a:ln w="127000"/>
+              </p:spPr>
+              <p:style>
+                <a:lnRef idx="1">
+                  <a:schemeClr val="accent5"/>
+                </a:lnRef>
+                <a:fillRef idx="0">
+                  <a:schemeClr val="accent5"/>
+                </a:fillRef>
+                <a:effectRef idx="0">
+                  <a:schemeClr val="accent5"/>
+                </a:effectRef>
+                <a:fontRef idx="minor">
+                  <a:schemeClr val="tx1"/>
+                </a:fontRef>
+              </p:style>
+              <p:txBody>
+                <a:bodyPr rtlCol="0" anchor="ctr"/>
+                <a:lstStyle/>
+                <a:p>
+                  <a:pPr algn="ctr"/>
+                  <a:endParaRPr lang="sv-SE"/>
+                </a:p>
+              </p:txBody>
+            </p:sp>
+          </p:grpSp>
+          <p:grpSp>
+            <p:nvGrpSpPr>
+              <p:cNvPr id="24" name="Grupp 23">
+                <a:extLst>
+                  <a:ext uri="{FF2B5EF4-FFF2-40B4-BE49-F238E27FC236}">
+                    <a16:creationId xmlns:a16="http://schemas.microsoft.com/office/drawing/2014/main" id="{A42F3242-E12A-4982-B0D4-E837AC10DB09}"/>
+                  </a:ext>
+                </a:extLst>
+              </p:cNvPr>
+              <p:cNvGrpSpPr/>
+              <p:nvPr/>
+            </p:nvGrpSpPr>
+            <p:grpSpPr>
+              <a:xfrm rot="20887317">
+                <a:off x="5891137" y="4708877"/>
+                <a:ext cx="429371" cy="429371"/>
+                <a:chOff x="3091541" y="4787900"/>
+                <a:chExt cx="559706" cy="559706"/>
+              </a:xfrm>
+            </p:grpSpPr>
+            <p:sp>
+              <p:nvSpPr>
+                <p:cNvPr id="25" name="Båge 24">
+                  <a:extLst>
+                    <a:ext uri="{FF2B5EF4-FFF2-40B4-BE49-F238E27FC236}">
+                      <a16:creationId xmlns:a16="http://schemas.microsoft.com/office/drawing/2014/main" id="{B496B6F9-3E22-4434-81F0-A975AB4E47B0}"/>
+                    </a:ext>
+                  </a:extLst>
+                </p:cNvPr>
+                <p:cNvSpPr/>
+                <p:nvPr/>
+              </p:nvSpPr>
+              <p:spPr>
+                <a:xfrm>
+                  <a:off x="3091541" y="4787900"/>
+                  <a:ext cx="559706" cy="559706"/>
+                </a:xfrm>
+                <a:prstGeom prst="arc">
+                  <a:avLst/>
+                </a:prstGeom>
+                <a:ln w="127000"/>
+              </p:spPr>
+              <p:style>
+                <a:lnRef idx="1">
+                  <a:schemeClr val="accent5"/>
+                </a:lnRef>
+                <a:fillRef idx="0">
+                  <a:schemeClr val="accent5"/>
+                </a:fillRef>
+                <a:effectRef idx="0">
+                  <a:schemeClr val="accent5"/>
+                </a:effectRef>
+                <a:fontRef idx="minor">
+                  <a:schemeClr val="tx1"/>
+                </a:fontRef>
+              </p:style>
+              <p:txBody>
+                <a:bodyPr rtlCol="0" anchor="ctr"/>
+                <a:lstStyle/>
+                <a:p>
+                  <a:pPr algn="ctr"/>
+                  <a:endParaRPr lang="sv-SE"/>
+                </a:p>
+              </p:txBody>
+            </p:sp>
+            <p:sp>
+              <p:nvSpPr>
+                <p:cNvPr id="26" name="Båge 25">
+                  <a:extLst>
+                    <a:ext uri="{FF2B5EF4-FFF2-40B4-BE49-F238E27FC236}">
+                      <a16:creationId xmlns:a16="http://schemas.microsoft.com/office/drawing/2014/main" id="{4304D23B-D702-4D54-8800-78FE4EB18DAE}"/>
+                    </a:ext>
+                  </a:extLst>
+                </p:cNvPr>
+                <p:cNvSpPr/>
+                <p:nvPr/>
+              </p:nvSpPr>
+              <p:spPr>
+                <a:xfrm rot="5400000">
+                  <a:off x="3091541" y="4787900"/>
+                  <a:ext cx="559706" cy="559706"/>
+                </a:xfrm>
+                <a:prstGeom prst="arc">
+                  <a:avLst/>
+                </a:prstGeom>
+                <a:ln w="127000"/>
+              </p:spPr>
+              <p:style>
+                <a:lnRef idx="1">
+                  <a:schemeClr val="accent5"/>
+                </a:lnRef>
+                <a:fillRef idx="0">
+                  <a:schemeClr val="accent5"/>
+                </a:fillRef>
+                <a:effectRef idx="0">
+                  <a:schemeClr val="accent5"/>
+                </a:effectRef>
+                <a:fontRef idx="minor">
+                  <a:schemeClr val="tx1"/>
+                </a:fontRef>
+              </p:style>
+              <p:txBody>
+                <a:bodyPr rtlCol="0" anchor="ctr"/>
+                <a:lstStyle/>
+                <a:p>
+                  <a:pPr algn="ctr"/>
+                  <a:endParaRPr lang="sv-SE"/>
+                </a:p>
+              </p:txBody>
+            </p:sp>
+          </p:grpSp>
+          <p:sp>
+            <p:nvSpPr>
+              <p:cNvPr id="30" name="Vänster hakparentes 29">
+                <a:extLst>
+                  <a:ext uri="{FF2B5EF4-FFF2-40B4-BE49-F238E27FC236}">
+                    <a16:creationId xmlns:a16="http://schemas.microsoft.com/office/drawing/2014/main" id="{13FB762B-67A8-4867-8C89-B0DB685C43C3}"/>
+                  </a:ext>
+                </a:extLst>
+              </p:cNvPr>
+              <p:cNvSpPr/>
+              <p:nvPr/>
+            </p:nvSpPr>
+            <p:spPr>
+              <a:xfrm rot="5400000">
+                <a:off x="6039346" y="5081035"/>
+                <a:ext cx="76200" cy="45719"/>
+              </a:xfrm>
+              <a:prstGeom prst="leftBracket">
+                <a:avLst/>
+              </a:prstGeom>
+              <a:ln w="127000"/>
+            </p:spPr>
+            <p:style>
+              <a:lnRef idx="1">
+                <a:schemeClr val="accent5"/>
+              </a:lnRef>
+              <a:fillRef idx="0">
+                <a:schemeClr val="accent5"/>
+              </a:fillRef>
+              <a:effectRef idx="0">
+                <a:schemeClr val="accent5"/>
+              </a:effectRef>
+              <a:fontRef idx="minor">
+                <a:schemeClr val="tx1"/>
+              </a:fontRef>
+            </p:style>
+            <p:txBody>
+              <a:bodyPr rtlCol="0" anchor="ctr"/>
+              <a:lstStyle/>
+              <a:p>
+                <a:pPr algn="ctr"/>
+                <a:endParaRPr lang="sv-SE"/>
+              </a:p>
+            </p:txBody>
+          </p:sp>
+          <p:sp>
+            <p:nvSpPr>
+              <p:cNvPr id="31" name="Vänster hakparentes 30">
+                <a:extLst>
+                  <a:ext uri="{FF2B5EF4-FFF2-40B4-BE49-F238E27FC236}">
+                    <a16:creationId xmlns:a16="http://schemas.microsoft.com/office/drawing/2014/main" id="{EA1D521C-F82B-4A10-AFD5-153F7A9D3207}"/>
+                  </a:ext>
+                </a:extLst>
+              </p:cNvPr>
+              <p:cNvSpPr/>
+              <p:nvPr/>
+            </p:nvSpPr>
+            <p:spPr>
+              <a:xfrm rot="5400000">
+                <a:off x="6092595" y="5081036"/>
+                <a:ext cx="76200" cy="45719"/>
+              </a:xfrm>
+              <a:prstGeom prst="leftBracket">
+                <a:avLst/>
+              </a:prstGeom>
+              <a:ln w="127000"/>
+            </p:spPr>
+            <p:style>
+              <a:lnRef idx="1">
+                <a:schemeClr val="accent5"/>
+              </a:lnRef>
+              <a:fillRef idx="0">
+                <a:schemeClr val="accent5"/>
+              </a:fillRef>
+              <a:effectRef idx="0">
+                <a:schemeClr val="accent5"/>
+              </a:effectRef>
+              <a:fontRef idx="minor">
+                <a:schemeClr val="tx1"/>
+              </a:fontRef>
+            </p:style>
+            <p:txBody>
+              <a:bodyPr rtlCol="0" anchor="ctr"/>
+              <a:lstStyle/>
+              <a:p>
+                <a:pPr algn="ctr"/>
+                <a:endParaRPr lang="sv-SE"/>
+              </a:p>
+            </p:txBody>
+          </p:sp>
+        </p:grpSp>
+        <p:grpSp>
+          <p:nvGrpSpPr>
+            <p:cNvPr id="28" name="Grupp 27">
+              <a:extLst>
+                <a:ext uri="{FF2B5EF4-FFF2-40B4-BE49-F238E27FC236}">
+                  <a16:creationId xmlns:a16="http://schemas.microsoft.com/office/drawing/2014/main" id="{16AC38A8-47D4-4E95-9F1B-09D00F6BA24E}"/>
+                </a:ext>
+              </a:extLst>
+            </p:cNvPr>
+            <p:cNvGrpSpPr/>
+            <p:nvPr/>
+          </p:nvGrpSpPr>
+          <p:grpSpPr>
+            <a:xfrm>
+              <a:off x="8079922" y="4134044"/>
+              <a:ext cx="559706" cy="1222050"/>
+              <a:chOff x="5824402" y="3981644"/>
+              <a:chExt cx="559706" cy="1222050"/>
+            </a:xfrm>
+          </p:grpSpPr>
+          <p:cxnSp>
+            <p:nvCxnSpPr>
+              <p:cNvPr id="29" name="Rak koppling 28">
+                <a:extLst>
+                  <a:ext uri="{FF2B5EF4-FFF2-40B4-BE49-F238E27FC236}">
+                    <a16:creationId xmlns:a16="http://schemas.microsoft.com/office/drawing/2014/main" id="{BAAE074F-066D-4E37-92FA-0D19D18E4E38}"/>
+                  </a:ext>
+                </a:extLst>
+              </p:cNvPr>
+              <p:cNvCxnSpPr/>
+              <p:nvPr/>
+            </p:nvCxnSpPr>
+            <p:spPr>
+              <a:xfrm>
+                <a:off x="6064245" y="3981644"/>
+                <a:ext cx="0" cy="675692"/>
+              </a:xfrm>
+              <a:prstGeom prst="line">
+                <a:avLst/>
+              </a:prstGeom>
+              <a:ln w="127000"/>
+            </p:spPr>
+            <p:style>
+              <a:lnRef idx="1">
+                <a:schemeClr val="accent5"/>
+              </a:lnRef>
+              <a:fillRef idx="0">
+                <a:schemeClr val="accent5"/>
+              </a:fillRef>
+              <a:effectRef idx="0">
+                <a:schemeClr val="accent5"/>
+              </a:effectRef>
+              <a:fontRef idx="minor">
+                <a:schemeClr val="tx1"/>
+              </a:fontRef>
+            </p:style>
+          </p:cxnSp>
+          <p:cxnSp>
+            <p:nvCxnSpPr>
+              <p:cNvPr id="32" name="Rak koppling 31">
+                <a:extLst>
+                  <a:ext uri="{FF2B5EF4-FFF2-40B4-BE49-F238E27FC236}">
+                    <a16:creationId xmlns:a16="http://schemas.microsoft.com/office/drawing/2014/main" id="{35A897DE-8D2D-4482-852D-C22BD5200972}"/>
+                  </a:ext>
+                </a:extLst>
+              </p:cNvPr>
+              <p:cNvCxnSpPr/>
+              <p:nvPr/>
+            </p:nvCxnSpPr>
+            <p:spPr>
+              <a:xfrm>
+                <a:off x="6139342" y="3981644"/>
+                <a:ext cx="0" cy="675692"/>
+              </a:xfrm>
+              <a:prstGeom prst="line">
+                <a:avLst/>
+              </a:prstGeom>
+              <a:ln w="127000"/>
+            </p:spPr>
+            <p:style>
+              <a:lnRef idx="1">
+                <a:schemeClr val="accent5"/>
+              </a:lnRef>
+              <a:fillRef idx="0">
+                <a:schemeClr val="accent5"/>
+              </a:fillRef>
+              <a:effectRef idx="0">
+                <a:schemeClr val="accent5"/>
+              </a:effectRef>
+              <a:fontRef idx="minor">
+                <a:schemeClr val="tx1"/>
+              </a:fontRef>
+            </p:style>
+          </p:cxnSp>
+          <p:grpSp>
+            <p:nvGrpSpPr>
+              <p:cNvPr id="33" name="Grupp 32">
+                <a:extLst>
+                  <a:ext uri="{FF2B5EF4-FFF2-40B4-BE49-F238E27FC236}">
+                    <a16:creationId xmlns:a16="http://schemas.microsoft.com/office/drawing/2014/main" id="{C8D13B21-3ED5-4635-8A84-9F085F26CC4F}"/>
+                  </a:ext>
+                </a:extLst>
+              </p:cNvPr>
+              <p:cNvGrpSpPr/>
+              <p:nvPr/>
+            </p:nvGrpSpPr>
+            <p:grpSpPr>
+              <a:xfrm rot="390236">
+                <a:off x="5824402" y="4643988"/>
+                <a:ext cx="559706" cy="559706"/>
+                <a:chOff x="3091541" y="4787900"/>
+                <a:chExt cx="559706" cy="559706"/>
+              </a:xfrm>
+            </p:grpSpPr>
+            <p:grpSp>
+              <p:nvGrpSpPr>
+                <p:cNvPr id="43" name="Grupp 42">
+                  <a:extLst>
+                    <a:ext uri="{FF2B5EF4-FFF2-40B4-BE49-F238E27FC236}">
+                      <a16:creationId xmlns:a16="http://schemas.microsoft.com/office/drawing/2014/main" id="{39F3BFDD-EFE7-4873-8762-E3D39FB481C5}"/>
+                    </a:ext>
+                  </a:extLst>
+                </p:cNvPr>
+                <p:cNvGrpSpPr/>
+                <p:nvPr/>
+              </p:nvGrpSpPr>
+              <p:grpSpPr>
+                <a:xfrm>
+                  <a:off x="3091541" y="4787900"/>
+                  <a:ext cx="559706" cy="559706"/>
+                  <a:chOff x="3091541" y="4787900"/>
+                  <a:chExt cx="559706" cy="559706"/>
+                </a:xfrm>
+              </p:grpSpPr>
+              <p:sp>
+                <p:nvSpPr>
+                  <p:cNvPr id="47" name="Båge 46">
+                    <a:extLst>
+                      <a:ext uri="{FF2B5EF4-FFF2-40B4-BE49-F238E27FC236}">
+                        <a16:creationId xmlns:a16="http://schemas.microsoft.com/office/drawing/2014/main" id="{5ED01721-1C10-47BC-8B63-584AD79C7354}"/>
+                      </a:ext>
+                    </a:extLst>
+                  </p:cNvPr>
+                  <p:cNvSpPr/>
+                  <p:nvPr/>
+                </p:nvSpPr>
+                <p:spPr>
+                  <a:xfrm>
+                    <a:off x="3091541" y="4787900"/>
+                    <a:ext cx="559706" cy="559706"/>
+                  </a:xfrm>
+                  <a:prstGeom prst="arc">
+                    <a:avLst/>
+                  </a:prstGeom>
+                  <a:ln w="127000"/>
+                </p:spPr>
+                <p:style>
+                  <a:lnRef idx="1">
+                    <a:schemeClr val="accent5"/>
+                  </a:lnRef>
+                  <a:fillRef idx="0">
+                    <a:schemeClr val="accent5"/>
+                  </a:fillRef>
+                  <a:effectRef idx="0">
+                    <a:schemeClr val="accent5"/>
+                  </a:effectRef>
+                  <a:fontRef idx="minor">
+                    <a:schemeClr val="tx1"/>
+                  </a:fontRef>
+                </p:style>
+                <p:txBody>
+                  <a:bodyPr rtlCol="0" anchor="ctr"/>
+                  <a:lstStyle/>
+                  <a:p>
+                    <a:pPr algn="ctr"/>
+                    <a:endParaRPr lang="sv-SE"/>
+                  </a:p>
+                </p:txBody>
+              </p:sp>
+              <p:sp>
+                <p:nvSpPr>
+                  <p:cNvPr id="48" name="Båge 47">
+                    <a:extLst>
+                      <a:ext uri="{FF2B5EF4-FFF2-40B4-BE49-F238E27FC236}">
+                        <a16:creationId xmlns:a16="http://schemas.microsoft.com/office/drawing/2014/main" id="{013F7241-F713-4F59-87E3-FFD869695901}"/>
+                      </a:ext>
+                    </a:extLst>
+                  </p:cNvPr>
+                  <p:cNvSpPr/>
+                  <p:nvPr/>
+                </p:nvSpPr>
+                <p:spPr>
+                  <a:xfrm rot="5400000">
+                    <a:off x="3091541" y="4787900"/>
+                    <a:ext cx="559706" cy="559706"/>
+                  </a:xfrm>
+                  <a:prstGeom prst="arc">
+                    <a:avLst/>
+                  </a:prstGeom>
+                  <a:ln w="127000"/>
+                </p:spPr>
+                <p:style>
+                  <a:lnRef idx="1">
+                    <a:schemeClr val="accent5"/>
+                  </a:lnRef>
+                  <a:fillRef idx="0">
+                    <a:schemeClr val="accent5"/>
+                  </a:fillRef>
+                  <a:effectRef idx="0">
+                    <a:schemeClr val="accent5"/>
+                  </a:effectRef>
+                  <a:fontRef idx="minor">
+                    <a:schemeClr val="tx1"/>
+                  </a:fontRef>
+                </p:style>
+                <p:txBody>
+                  <a:bodyPr rtlCol="0" anchor="ctr"/>
+                  <a:lstStyle/>
+                  <a:p>
+                    <a:pPr algn="ctr"/>
+                    <a:endParaRPr lang="sv-SE"/>
+                  </a:p>
+                </p:txBody>
+              </p:sp>
+            </p:grpSp>
+            <p:grpSp>
+              <p:nvGrpSpPr>
+                <p:cNvPr id="44" name="Grupp 43">
+                  <a:extLst>
+                    <a:ext uri="{FF2B5EF4-FFF2-40B4-BE49-F238E27FC236}">
+                      <a16:creationId xmlns:a16="http://schemas.microsoft.com/office/drawing/2014/main" id="{EFCA92A1-989F-4124-BA42-19FBBD5DA608}"/>
+                    </a:ext>
+                  </a:extLst>
+                </p:cNvPr>
+                <p:cNvGrpSpPr/>
+                <p:nvPr/>
+              </p:nvGrpSpPr>
+              <p:grpSpPr>
+                <a:xfrm rot="10036646">
+                  <a:off x="3091541" y="4787900"/>
+                  <a:ext cx="559706" cy="559706"/>
+                  <a:chOff x="3091541" y="4787900"/>
+                  <a:chExt cx="559706" cy="559706"/>
+                </a:xfrm>
+              </p:grpSpPr>
+              <p:sp>
+                <p:nvSpPr>
+                  <p:cNvPr id="45" name="Båge 44">
+                    <a:extLst>
+                      <a:ext uri="{FF2B5EF4-FFF2-40B4-BE49-F238E27FC236}">
+                        <a16:creationId xmlns:a16="http://schemas.microsoft.com/office/drawing/2014/main" id="{EF526F00-A7E7-4AB1-9989-E2215FB321EC}"/>
+                      </a:ext>
+                    </a:extLst>
+                  </p:cNvPr>
+                  <p:cNvSpPr/>
+                  <p:nvPr/>
+                </p:nvSpPr>
+                <p:spPr>
+                  <a:xfrm>
+                    <a:off x="3091541" y="4787900"/>
+                    <a:ext cx="559706" cy="559706"/>
+                  </a:xfrm>
+                  <a:prstGeom prst="arc">
+                    <a:avLst/>
+                  </a:prstGeom>
+                  <a:ln w="127000"/>
+                </p:spPr>
+                <p:style>
+                  <a:lnRef idx="1">
+                    <a:schemeClr val="accent5"/>
+                  </a:lnRef>
+                  <a:fillRef idx="0">
+                    <a:schemeClr val="accent5"/>
+                  </a:fillRef>
+                  <a:effectRef idx="0">
+                    <a:schemeClr val="accent5"/>
+                  </a:effectRef>
+                  <a:fontRef idx="minor">
+                    <a:schemeClr val="tx1"/>
+                  </a:fontRef>
+                </p:style>
+                <p:txBody>
+                  <a:bodyPr rtlCol="0" anchor="ctr"/>
+                  <a:lstStyle/>
+                  <a:p>
+                    <a:pPr algn="ctr"/>
+                    <a:endParaRPr lang="sv-SE"/>
+                  </a:p>
+                </p:txBody>
+              </p:sp>
+              <p:sp>
+                <p:nvSpPr>
+                  <p:cNvPr id="46" name="Båge 45">
+                    <a:extLst>
+                      <a:ext uri="{FF2B5EF4-FFF2-40B4-BE49-F238E27FC236}">
+                        <a16:creationId xmlns:a16="http://schemas.microsoft.com/office/drawing/2014/main" id="{8C77E5B5-9149-446A-8497-FEF8F92F24E5}"/>
+                      </a:ext>
+                    </a:extLst>
+                  </p:cNvPr>
+                  <p:cNvSpPr/>
+                  <p:nvPr/>
+                </p:nvSpPr>
+                <p:spPr>
+                  <a:xfrm rot="5400000">
+                    <a:off x="3091541" y="4787900"/>
+                    <a:ext cx="559706" cy="559706"/>
+                  </a:xfrm>
+                  <a:prstGeom prst="arc">
+                    <a:avLst/>
+                  </a:prstGeom>
+                  <a:ln w="127000"/>
+                </p:spPr>
+                <p:style>
+                  <a:lnRef idx="1">
+                    <a:schemeClr val="accent5"/>
+                  </a:lnRef>
+                  <a:fillRef idx="0">
+                    <a:schemeClr val="accent5"/>
+                  </a:fillRef>
+                  <a:effectRef idx="0">
+                    <a:schemeClr val="accent5"/>
+                  </a:effectRef>
+                  <a:fontRef idx="minor">
+                    <a:schemeClr val="tx1"/>
+                  </a:fontRef>
+                </p:style>
+                <p:txBody>
+                  <a:bodyPr rtlCol="0" anchor="ctr"/>
+                  <a:lstStyle/>
+                  <a:p>
+                    <a:pPr algn="ctr"/>
+                    <a:endParaRPr lang="sv-SE"/>
+                  </a:p>
+                </p:txBody>
+              </p:sp>
+            </p:grpSp>
+          </p:grpSp>
+          <p:grpSp>
+            <p:nvGrpSpPr>
+              <p:cNvPr id="35" name="Grupp 34">
+                <a:extLst>
+                  <a:ext uri="{FF2B5EF4-FFF2-40B4-BE49-F238E27FC236}">
+                    <a16:creationId xmlns:a16="http://schemas.microsoft.com/office/drawing/2014/main" id="{9F0FBE41-E1D9-474B-96D5-96B86154730D}"/>
+                  </a:ext>
+                </a:extLst>
+              </p:cNvPr>
+              <p:cNvGrpSpPr/>
+              <p:nvPr/>
+            </p:nvGrpSpPr>
+            <p:grpSpPr>
+              <a:xfrm rot="11489042">
+                <a:off x="5888002" y="4709433"/>
+                <a:ext cx="429371" cy="429371"/>
+                <a:chOff x="3091541" y="4787900"/>
+                <a:chExt cx="559706" cy="559706"/>
+              </a:xfrm>
+            </p:grpSpPr>
+            <p:sp>
+              <p:nvSpPr>
+                <p:cNvPr id="41" name="Båge 40">
+                  <a:extLst>
+                    <a:ext uri="{FF2B5EF4-FFF2-40B4-BE49-F238E27FC236}">
+                      <a16:creationId xmlns:a16="http://schemas.microsoft.com/office/drawing/2014/main" id="{98407776-174C-460E-91B0-0A678F66B1DE}"/>
+                    </a:ext>
+                  </a:extLst>
+                </p:cNvPr>
+                <p:cNvSpPr/>
+                <p:nvPr/>
+              </p:nvSpPr>
+              <p:spPr>
+                <a:xfrm>
+                  <a:off x="3091541" y="4787900"/>
+                  <a:ext cx="559706" cy="559706"/>
+                </a:xfrm>
+                <a:prstGeom prst="arc">
+                  <a:avLst/>
+                </a:prstGeom>
+                <a:ln w="127000"/>
+              </p:spPr>
+              <p:style>
+                <a:lnRef idx="1">
+                  <a:schemeClr val="accent5"/>
+                </a:lnRef>
+                <a:fillRef idx="0">
+                  <a:schemeClr val="accent5"/>
+                </a:fillRef>
+                <a:effectRef idx="0">
+                  <a:schemeClr val="accent5"/>
+                </a:effectRef>
+                <a:fontRef idx="minor">
+                  <a:schemeClr val="tx1"/>
+                </a:fontRef>
+              </p:style>
+              <p:txBody>
+                <a:bodyPr rtlCol="0" anchor="ctr"/>
+                <a:lstStyle/>
+                <a:p>
+                  <a:pPr algn="ctr"/>
+                  <a:endParaRPr lang="sv-SE"/>
+                </a:p>
+              </p:txBody>
+            </p:sp>
+            <p:sp>
+              <p:nvSpPr>
+                <p:cNvPr id="42" name="Båge 41">
+                  <a:extLst>
+                    <a:ext uri="{FF2B5EF4-FFF2-40B4-BE49-F238E27FC236}">
+                      <a16:creationId xmlns:a16="http://schemas.microsoft.com/office/drawing/2014/main" id="{1A1EA834-9A74-4046-BF6D-10E71598EEDE}"/>
+                    </a:ext>
+                  </a:extLst>
+                </p:cNvPr>
+                <p:cNvSpPr/>
+                <p:nvPr/>
+              </p:nvSpPr>
+              <p:spPr>
+                <a:xfrm rot="5400000">
+                  <a:off x="3091541" y="4787900"/>
+                  <a:ext cx="559706" cy="559706"/>
+                </a:xfrm>
+                <a:prstGeom prst="arc">
+                  <a:avLst/>
+                </a:prstGeom>
+                <a:ln w="127000"/>
+              </p:spPr>
+              <p:style>
+                <a:lnRef idx="1">
+                  <a:schemeClr val="accent5"/>
+                </a:lnRef>
+                <a:fillRef idx="0">
+                  <a:schemeClr val="accent5"/>
+                </a:fillRef>
+                <a:effectRef idx="0">
+                  <a:schemeClr val="accent5"/>
+                </a:effectRef>
+                <a:fontRef idx="minor">
+                  <a:schemeClr val="tx1"/>
+                </a:fontRef>
+              </p:style>
+              <p:txBody>
+                <a:bodyPr rtlCol="0" anchor="ctr"/>
+                <a:lstStyle/>
+                <a:p>
+                  <a:pPr algn="ctr"/>
+                  <a:endParaRPr lang="sv-SE"/>
+                </a:p>
+              </p:txBody>
+            </p:sp>
+          </p:grpSp>
+          <p:grpSp>
+            <p:nvGrpSpPr>
+              <p:cNvPr id="36" name="Grupp 35">
+                <a:extLst>
+                  <a:ext uri="{FF2B5EF4-FFF2-40B4-BE49-F238E27FC236}">
+                    <a16:creationId xmlns:a16="http://schemas.microsoft.com/office/drawing/2014/main" id="{4CDCF62C-40F3-42B4-A4BF-B0B69C307C25}"/>
+                  </a:ext>
+                </a:extLst>
+              </p:cNvPr>
+              <p:cNvGrpSpPr/>
+              <p:nvPr/>
+            </p:nvGrpSpPr>
+            <p:grpSpPr>
+              <a:xfrm rot="20887317">
+                <a:off x="5891137" y="4708877"/>
+                <a:ext cx="429371" cy="429371"/>
+                <a:chOff x="3091541" y="4787900"/>
+                <a:chExt cx="559706" cy="559706"/>
+              </a:xfrm>
+            </p:grpSpPr>
+            <p:sp>
+              <p:nvSpPr>
+                <p:cNvPr id="39" name="Båge 38">
+                  <a:extLst>
+                    <a:ext uri="{FF2B5EF4-FFF2-40B4-BE49-F238E27FC236}">
+                      <a16:creationId xmlns:a16="http://schemas.microsoft.com/office/drawing/2014/main" id="{377E27E9-73AA-4872-B369-CFBEE060B17C}"/>
+                    </a:ext>
+                  </a:extLst>
+                </p:cNvPr>
+                <p:cNvSpPr/>
+                <p:nvPr/>
+              </p:nvSpPr>
+              <p:spPr>
+                <a:xfrm>
+                  <a:off x="3091541" y="4787900"/>
+                  <a:ext cx="559706" cy="559706"/>
+                </a:xfrm>
+                <a:prstGeom prst="arc">
+                  <a:avLst/>
+                </a:prstGeom>
+                <a:ln w="127000"/>
+              </p:spPr>
+              <p:style>
+                <a:lnRef idx="1">
+                  <a:schemeClr val="accent5"/>
+                </a:lnRef>
+                <a:fillRef idx="0">
+                  <a:schemeClr val="accent5"/>
+                </a:fillRef>
+                <a:effectRef idx="0">
+                  <a:schemeClr val="accent5"/>
+                </a:effectRef>
+                <a:fontRef idx="minor">
+                  <a:schemeClr val="tx1"/>
+                </a:fontRef>
+              </p:style>
+              <p:txBody>
+                <a:bodyPr rtlCol="0" anchor="ctr"/>
+                <a:lstStyle/>
+                <a:p>
+                  <a:pPr algn="ctr"/>
+                  <a:endParaRPr lang="sv-SE"/>
+                </a:p>
+              </p:txBody>
+            </p:sp>
+            <p:sp>
+              <p:nvSpPr>
+                <p:cNvPr id="40" name="Båge 39">
+                  <a:extLst>
+                    <a:ext uri="{FF2B5EF4-FFF2-40B4-BE49-F238E27FC236}">
+                      <a16:creationId xmlns:a16="http://schemas.microsoft.com/office/drawing/2014/main" id="{7E90E2EA-2026-4607-BC90-A8DFD3680D11}"/>
+                    </a:ext>
+                  </a:extLst>
+                </p:cNvPr>
+                <p:cNvSpPr/>
+                <p:nvPr/>
+              </p:nvSpPr>
+              <p:spPr>
+                <a:xfrm rot="5400000">
+                  <a:off x="3091541" y="4787900"/>
+                  <a:ext cx="559706" cy="559706"/>
+                </a:xfrm>
+                <a:prstGeom prst="arc">
+                  <a:avLst/>
+                </a:prstGeom>
+                <a:ln w="127000"/>
+              </p:spPr>
+              <p:style>
+                <a:lnRef idx="1">
+                  <a:schemeClr val="accent5"/>
+                </a:lnRef>
+                <a:fillRef idx="0">
+                  <a:schemeClr val="accent5"/>
+                </a:fillRef>
+                <a:effectRef idx="0">
+                  <a:schemeClr val="accent5"/>
+                </a:effectRef>
+                <a:fontRef idx="minor">
+                  <a:schemeClr val="tx1"/>
+                </a:fontRef>
+              </p:style>
+              <p:txBody>
+                <a:bodyPr rtlCol="0" anchor="ctr"/>
+                <a:lstStyle/>
+                <a:p>
+                  <a:pPr algn="ctr"/>
+                  <a:endParaRPr lang="sv-SE"/>
+                </a:p>
+              </p:txBody>
+            </p:sp>
+          </p:grpSp>
+          <p:sp>
+            <p:nvSpPr>
+              <p:cNvPr id="37" name="Vänster hakparentes 36">
+                <a:extLst>
+                  <a:ext uri="{FF2B5EF4-FFF2-40B4-BE49-F238E27FC236}">
+                    <a16:creationId xmlns:a16="http://schemas.microsoft.com/office/drawing/2014/main" id="{F90D0E03-C817-4125-A888-7978A154E12A}"/>
+                  </a:ext>
+                </a:extLst>
+              </p:cNvPr>
+              <p:cNvSpPr/>
+              <p:nvPr/>
+            </p:nvSpPr>
+            <p:spPr>
+              <a:xfrm rot="5400000">
+                <a:off x="6039346" y="5081035"/>
+                <a:ext cx="76200" cy="45719"/>
+              </a:xfrm>
+              <a:prstGeom prst="leftBracket">
+                <a:avLst/>
+              </a:prstGeom>
+              <a:ln w="127000"/>
+            </p:spPr>
+            <p:style>
+              <a:lnRef idx="1">
+                <a:schemeClr val="accent5"/>
+              </a:lnRef>
+              <a:fillRef idx="0">
+                <a:schemeClr val="accent5"/>
+              </a:fillRef>
+              <a:effectRef idx="0">
+                <a:schemeClr val="accent5"/>
+              </a:effectRef>
+              <a:fontRef idx="minor">
+                <a:schemeClr val="tx1"/>
+              </a:fontRef>
+            </p:style>
+            <p:txBody>
+              <a:bodyPr rtlCol="0" anchor="ctr"/>
+              <a:lstStyle/>
+              <a:p>
+                <a:pPr algn="ctr"/>
+                <a:endParaRPr lang="sv-SE"/>
+              </a:p>
+            </p:txBody>
+          </p:sp>
+          <p:sp>
+            <p:nvSpPr>
+              <p:cNvPr id="38" name="Vänster hakparentes 37">
+                <a:extLst>
+                  <a:ext uri="{FF2B5EF4-FFF2-40B4-BE49-F238E27FC236}">
+                    <a16:creationId xmlns:a16="http://schemas.microsoft.com/office/drawing/2014/main" id="{57CAF0F2-188D-4181-AF21-50398278D6CD}"/>
+                  </a:ext>
+                </a:extLst>
+              </p:cNvPr>
+              <p:cNvSpPr/>
+              <p:nvPr/>
+            </p:nvSpPr>
+            <p:spPr>
+              <a:xfrm rot="5400000">
+                <a:off x="6092595" y="5081036"/>
+                <a:ext cx="76200" cy="45719"/>
+              </a:xfrm>
+              <a:prstGeom prst="leftBracket">
+                <a:avLst/>
+              </a:prstGeom>
+              <a:ln w="127000"/>
+            </p:spPr>
+            <p:style>
+              <a:lnRef idx="1">
+                <a:schemeClr val="accent5"/>
+              </a:lnRef>
+              <a:fillRef idx="0">
+                <a:schemeClr val="accent5"/>
+              </a:fillRef>
+              <a:effectRef idx="0">
+                <a:schemeClr val="accent5"/>
+              </a:effectRef>
+              <a:fontRef idx="minor">
+                <a:schemeClr val="tx1"/>
+              </a:fontRef>
+            </p:style>
+            <p:txBody>
+              <a:bodyPr rtlCol="0" anchor="ctr"/>
+              <a:lstStyle/>
+              <a:p>
+                <a:pPr algn="ctr"/>
+                <a:endParaRPr lang="sv-SE"/>
+              </a:p>
+            </p:txBody>
+          </p:sp>
+        </p:grpSp>
+        <p:sp>
+          <p:nvSpPr>
+            <p:cNvPr id="54" name="Rektangel 53">
+              <a:extLst>
+                <a:ext uri="{FF2B5EF4-FFF2-40B4-BE49-F238E27FC236}">
+                  <a16:creationId xmlns:a16="http://schemas.microsoft.com/office/drawing/2014/main" id="{E7059B87-0943-48A5-8BE3-1B93928DFB4A}"/>
+                </a:ext>
+              </a:extLst>
+            </p:cNvPr>
+            <p:cNvSpPr/>
+            <p:nvPr/>
+          </p:nvSpPr>
+          <p:spPr>
+            <a:xfrm>
+              <a:off x="6314804" y="4057650"/>
+              <a:ext cx="2094271" cy="93279"/>
+            </a:xfrm>
+            <a:prstGeom prst="rect">
+              <a:avLst/>
+            </a:prstGeom>
+            <a:ln w="101600"/>
+          </p:spPr>
+          <p:style>
+            <a:lnRef idx="1">
+              <a:schemeClr val="dk1"/>
+            </a:lnRef>
+            <a:fillRef idx="2">
+              <a:schemeClr val="dk1"/>
+            </a:fillRef>
+            <a:effectRef idx="1">
+              <a:schemeClr val="dk1"/>
+            </a:effectRef>
+            <a:fontRef idx="minor">
+              <a:schemeClr val="dk1"/>
+            </a:fontRef>
+          </p:style>
+          <p:txBody>
+            <a:bodyPr rtlCol="0" anchor="ctr"/>
+            <a:lstStyle/>
+            <a:p>
+              <a:pPr algn="ctr"/>
+              <a:endParaRPr lang="sv-SE"/>
+            </a:p>
+          </p:txBody>
+        </p:sp>
+        <p:sp>
+          <p:nvSpPr>
+            <p:cNvPr id="7" name="Rektangel 6">
+              <a:extLst>
+                <a:ext uri="{FF2B5EF4-FFF2-40B4-BE49-F238E27FC236}">
+                  <a16:creationId xmlns:a16="http://schemas.microsoft.com/office/drawing/2014/main" id="{994EA262-5504-484A-9A8D-D19AA2A40387}"/>
+                </a:ext>
+              </a:extLst>
+            </p:cNvPr>
+            <p:cNvSpPr/>
+            <p:nvPr/>
+          </p:nvSpPr>
+          <p:spPr>
+            <a:xfrm>
+              <a:off x="6055569" y="2668558"/>
+              <a:ext cx="87086" cy="1315613"/>
+            </a:xfrm>
+            <a:prstGeom prst="rect">
+              <a:avLst/>
+            </a:prstGeom>
+            <a:ln w="127000"/>
+          </p:spPr>
+          <p:style>
+            <a:lnRef idx="2">
+              <a:schemeClr val="accent1">
+                <a:shade val="50000"/>
+              </a:schemeClr>
+            </a:lnRef>
+            <a:fillRef idx="1">
+              <a:schemeClr val="accent1"/>
+            </a:fillRef>
+            <a:effectRef idx="0">
+              <a:schemeClr val="accent1"/>
+            </a:effectRef>
+            <a:fontRef idx="minor">
+              <a:schemeClr val="lt1"/>
+            </a:fontRef>
+          </p:style>
+          <p:txBody>
+            <a:bodyPr rtlCol="0" anchor="ctr"/>
+            <a:lstStyle/>
+            <a:p>
+              <a:pPr algn="ctr"/>
+              <a:endParaRPr lang="sv-SE"/>
+            </a:p>
+          </p:txBody>
+        </p:sp>
+        <p:sp>
+          <p:nvSpPr>
+            <p:cNvPr id="4" name="Rektangel: rundade hörn 3">
+              <a:extLst>
+                <a:ext uri="{FF2B5EF4-FFF2-40B4-BE49-F238E27FC236}">
+                  <a16:creationId xmlns:a16="http://schemas.microsoft.com/office/drawing/2014/main" id="{06788D29-D08A-467A-9A3D-F460B132A39B}"/>
+                </a:ext>
+              </a:extLst>
+            </p:cNvPr>
+            <p:cNvSpPr/>
+            <p:nvPr/>
+          </p:nvSpPr>
+          <p:spPr>
+            <a:xfrm>
+              <a:off x="5426684" y="1950098"/>
+              <a:ext cx="1399592" cy="727788"/>
+            </a:xfrm>
+            <a:prstGeom prst="roundRect">
+              <a:avLst/>
+            </a:prstGeom>
+            <a:ln w="127000"/>
+          </p:spPr>
+          <p:style>
+            <a:lnRef idx="2">
+              <a:schemeClr val="accent1">
+                <a:shade val="50000"/>
+              </a:schemeClr>
+            </a:lnRef>
+            <a:fillRef idx="1">
+              <a:schemeClr val="accent1"/>
+            </a:fillRef>
+            <a:effectRef idx="0">
+              <a:schemeClr val="accent1"/>
+            </a:effectRef>
+            <a:fontRef idx="minor">
+              <a:schemeClr val="lt1"/>
+            </a:fontRef>
+          </p:style>
+          <p:txBody>
+            <a:bodyPr rtlCol="0" anchor="ctr"/>
+            <a:lstStyle/>
+            <a:p>
+              <a:pPr algn="ctr"/>
+              <a:r>
+                <a:rPr lang="sv-SE" sz="16600" dirty="0"/>
+                <a:t>HFNO</a:t>
+              </a:r>
+            </a:p>
+          </p:txBody>
+        </p:sp>
+        <p:grpSp>
+          <p:nvGrpSpPr>
+            <p:cNvPr id="49" name="Grupp 48">
+              <a:extLst>
+                <a:ext uri="{FF2B5EF4-FFF2-40B4-BE49-F238E27FC236}">
+                  <a16:creationId xmlns:a16="http://schemas.microsoft.com/office/drawing/2014/main" id="{55C6E54F-DEBE-4497-BCF5-5E201E8ADB87}"/>
+                </a:ext>
+              </a:extLst>
+            </p:cNvPr>
+            <p:cNvGrpSpPr/>
+            <p:nvPr/>
+          </p:nvGrpSpPr>
+          <p:grpSpPr>
+            <a:xfrm>
+              <a:off x="4348065" y="2000928"/>
+              <a:ext cx="3593551" cy="653341"/>
+              <a:chOff x="4348065" y="2000928"/>
+              <a:chExt cx="3593551" cy="653341"/>
+            </a:xfrm>
+          </p:grpSpPr>
+          <p:sp>
+            <p:nvSpPr>
+              <p:cNvPr id="50" name="Pil: höger 49">
+                <a:extLst>
+                  <a:ext uri="{FF2B5EF4-FFF2-40B4-BE49-F238E27FC236}">
+                    <a16:creationId xmlns:a16="http://schemas.microsoft.com/office/drawing/2014/main" id="{AB4E6837-F2F3-4EE8-B0DF-469E468DE2C6}"/>
+                  </a:ext>
+                </a:extLst>
+              </p:cNvPr>
+              <p:cNvSpPr/>
+              <p:nvPr/>
+            </p:nvSpPr>
+            <p:spPr>
+              <a:xfrm>
+                <a:off x="4926563" y="2239344"/>
+                <a:ext cx="500121" cy="167951"/>
+              </a:xfrm>
+              <a:prstGeom prst="rightArrow">
+                <a:avLst/>
+              </a:prstGeom>
+              <a:solidFill>
+                <a:schemeClr val="bg1"/>
+              </a:solidFill>
+              <a:ln w="203200">
+                <a:solidFill>
+                  <a:schemeClr val="accent1"/>
+                </a:solidFill>
+              </a:ln>
+            </p:spPr>
+            <p:style>
+              <a:lnRef idx="2">
+                <a:schemeClr val="accent1">
+                  <a:shade val="50000"/>
+                </a:schemeClr>
+              </a:lnRef>
+              <a:fillRef idx="1">
+                <a:schemeClr val="accent1"/>
+              </a:fillRef>
+              <a:effectRef idx="0">
+                <a:schemeClr val="accent1"/>
+              </a:effectRef>
+              <a:fontRef idx="minor">
+                <a:schemeClr val="lt1"/>
+              </a:fontRef>
+            </p:style>
+            <p:txBody>
+              <a:bodyPr rtlCol="0" anchor="ctr"/>
+              <a:lstStyle/>
+              <a:p>
+                <a:pPr algn="ctr"/>
+                <a:endParaRPr lang="sv-SE"/>
+              </a:p>
+            </p:txBody>
+          </p:sp>
+          <p:sp>
+            <p:nvSpPr>
+              <p:cNvPr id="51" name="Ellips 50">
+                <a:extLst>
+                  <a:ext uri="{FF2B5EF4-FFF2-40B4-BE49-F238E27FC236}">
+                    <a16:creationId xmlns:a16="http://schemas.microsoft.com/office/drawing/2014/main" id="{A229D6DF-86E5-4EA5-93B7-B0CD8758E3CD}"/>
+                  </a:ext>
+                </a:extLst>
+              </p:cNvPr>
+              <p:cNvSpPr/>
+              <p:nvPr/>
+            </p:nvSpPr>
+            <p:spPr>
+              <a:xfrm>
+                <a:off x="4348065" y="2001126"/>
+                <a:ext cx="653143" cy="653143"/>
+              </a:xfrm>
+              <a:prstGeom prst="ellipse">
+                <a:avLst/>
+              </a:prstGeom>
+              <a:solidFill>
+                <a:schemeClr val="bg1"/>
+              </a:solidFill>
+              <a:ln w="203200" cap="flat" cmpd="sng" algn="ctr">
+                <a:solidFill>
+                  <a:schemeClr val="accent1"/>
+                </a:solidFill>
+                <a:prstDash val="solid"/>
+                <a:round/>
+                <a:headEnd type="none" w="med" len="med"/>
+                <a:tailEnd type="none" w="med" len="med"/>
+              </a:ln>
+            </p:spPr>
+            <p:style>
+              <a:lnRef idx="0">
+                <a:scrgbClr r="0" g="0" b="0"/>
+              </a:lnRef>
+              <a:fillRef idx="0">
+                <a:scrgbClr r="0" g="0" b="0"/>
+              </a:fillRef>
+              <a:effectRef idx="0">
+                <a:scrgbClr r="0" g="0" b="0"/>
+              </a:effectRef>
+              <a:fontRef idx="minor">
+                <a:schemeClr val="accent1"/>
+              </a:fontRef>
+            </p:style>
+            <p:txBody>
+              <a:bodyPr rtlCol="0" anchor="ctr"/>
+              <a:lstStyle/>
+              <a:p>
+                <a:pPr algn="ctr"/>
+                <a:r>
+                  <a:rPr lang="sv-SE" sz="11500" dirty="0"/>
+                  <a:t>O2</a:t>
+                </a:r>
+                <a:endParaRPr lang="sv-SE" sz="13800" dirty="0"/>
+              </a:p>
+            </p:txBody>
+          </p:sp>
+          <p:sp>
+            <p:nvSpPr>
+              <p:cNvPr id="52" name="Pil: höger 51">
+                <a:extLst>
+                  <a:ext uri="{FF2B5EF4-FFF2-40B4-BE49-F238E27FC236}">
+                    <a16:creationId xmlns:a16="http://schemas.microsoft.com/office/drawing/2014/main" id="{1332EA10-5075-4183-B5CB-AAEE58511FB4}"/>
+                  </a:ext>
+                </a:extLst>
+              </p:cNvPr>
+              <p:cNvSpPr/>
+              <p:nvPr/>
+            </p:nvSpPr>
+            <p:spPr>
+              <a:xfrm flipH="1">
+                <a:off x="6826276" y="2248672"/>
+                <a:ext cx="500120" cy="167951"/>
+              </a:xfrm>
+              <a:prstGeom prst="rightArrow">
+                <a:avLst/>
+              </a:prstGeom>
+              <a:solidFill>
+                <a:schemeClr val="bg1"/>
+              </a:solidFill>
+              <a:ln w="203200">
+                <a:solidFill>
+                  <a:schemeClr val="tx2">
+                    <a:lumMod val="60000"/>
+                    <a:lumOff val="40000"/>
+                  </a:schemeClr>
+                </a:solidFill>
+              </a:ln>
+            </p:spPr>
+            <p:style>
+              <a:lnRef idx="2">
+                <a:schemeClr val="accent1">
+                  <a:shade val="50000"/>
+                </a:schemeClr>
+              </a:lnRef>
+              <a:fillRef idx="1">
+                <a:schemeClr val="accent1"/>
+              </a:fillRef>
+              <a:effectRef idx="0">
+                <a:schemeClr val="accent1"/>
+              </a:effectRef>
+              <a:fontRef idx="minor">
+                <a:schemeClr val="lt1"/>
+              </a:fontRef>
+            </p:style>
+            <p:txBody>
+              <a:bodyPr rtlCol="0" anchor="ctr"/>
+              <a:lstStyle/>
+              <a:p>
+                <a:pPr algn="ctr"/>
+                <a:endParaRPr lang="sv-SE"/>
+              </a:p>
+            </p:txBody>
+          </p:sp>
+          <p:sp>
+            <p:nvSpPr>
+              <p:cNvPr id="53" name="Ellips 52">
+                <a:extLst>
+                  <a:ext uri="{FF2B5EF4-FFF2-40B4-BE49-F238E27FC236}">
+                    <a16:creationId xmlns:a16="http://schemas.microsoft.com/office/drawing/2014/main" id="{18EB9E7E-C3C5-41AE-AE03-B973AB720CAD}"/>
+                  </a:ext>
+                </a:extLst>
+              </p:cNvPr>
+              <p:cNvSpPr/>
+              <p:nvPr/>
+            </p:nvSpPr>
+            <p:spPr>
+              <a:xfrm flipH="1">
+                <a:off x="7288474" y="2000928"/>
+                <a:ext cx="653142" cy="653143"/>
+              </a:xfrm>
+              <a:prstGeom prst="ellipse">
+                <a:avLst/>
+              </a:prstGeom>
+              <a:solidFill>
+                <a:schemeClr val="bg1"/>
+              </a:solidFill>
+              <a:ln w="203200" cap="flat" cmpd="sng" algn="ctr">
+                <a:solidFill>
+                  <a:schemeClr val="tx2">
+                    <a:lumMod val="60000"/>
+                    <a:lumOff val="40000"/>
+                  </a:schemeClr>
+                </a:solidFill>
+                <a:prstDash val="solid"/>
+                <a:round/>
+                <a:headEnd type="none" w="med" len="med"/>
+                <a:tailEnd type="none" w="med" len="med"/>
+              </a:ln>
+            </p:spPr>
+            <p:style>
+              <a:lnRef idx="0">
+                <a:scrgbClr r="0" g="0" b="0"/>
+              </a:lnRef>
+              <a:fillRef idx="0">
+                <a:scrgbClr r="0" g="0" b="0"/>
+              </a:fillRef>
+              <a:effectRef idx="0">
+                <a:scrgbClr r="0" g="0" b="0"/>
+              </a:effectRef>
+              <a:fontRef idx="minor">
+                <a:schemeClr val="accent1"/>
+              </a:fontRef>
+            </p:style>
+            <p:txBody>
+              <a:bodyPr rtlCol="0" anchor="ctr"/>
+              <a:lstStyle/>
+              <a:p>
+                <a:pPr algn="ctr"/>
+                <a:r>
+                  <a:rPr lang="sv-SE" sz="11500" dirty="0"/>
+                  <a:t>H2O</a:t>
+                </a:r>
+              </a:p>
+            </p:txBody>
+          </p:sp>
+        </p:grpSp>
+        <p:sp>
+          <p:nvSpPr>
+            <p:cNvPr id="9" name="Rektangel 8">
+              <a:extLst>
+                <a:ext uri="{FF2B5EF4-FFF2-40B4-BE49-F238E27FC236}">
+                  <a16:creationId xmlns:a16="http://schemas.microsoft.com/office/drawing/2014/main" id="{666EC2D1-AD0D-4BE7-A34B-2141F9FE9134}"/>
+                </a:ext>
+              </a:extLst>
+            </p:cNvPr>
+            <p:cNvSpPr/>
+            <p:nvPr/>
+          </p:nvSpPr>
+          <p:spPr>
+            <a:xfrm>
+              <a:off x="3795985" y="4057650"/>
+              <a:ext cx="2094271" cy="93279"/>
+            </a:xfrm>
+            <a:prstGeom prst="rect">
+              <a:avLst/>
+            </a:prstGeom>
+            <a:ln w="101600"/>
+          </p:spPr>
+          <p:style>
+            <a:lnRef idx="1">
+              <a:schemeClr val="dk1"/>
+            </a:lnRef>
+            <a:fillRef idx="2">
+              <a:schemeClr val="dk1"/>
+            </a:fillRef>
+            <a:effectRef idx="1">
+              <a:schemeClr val="dk1"/>
+            </a:effectRef>
+            <a:fontRef idx="minor">
+              <a:schemeClr val="dk1"/>
+            </a:fontRef>
+          </p:style>
+          <p:txBody>
+            <a:bodyPr rtlCol="0" anchor="ctr"/>
+            <a:lstStyle/>
+            <a:p>
+              <a:pPr algn="ctr"/>
+              <a:endParaRPr lang="sv-SE"/>
+            </a:p>
+          </p:txBody>
+        </p:sp>
+        <p:sp>
+          <p:nvSpPr>
+            <p:cNvPr id="58" name="Rektangel 57">
+              <a:extLst>
+                <a:ext uri="{FF2B5EF4-FFF2-40B4-BE49-F238E27FC236}">
+                  <a16:creationId xmlns:a16="http://schemas.microsoft.com/office/drawing/2014/main" id="{1F24F367-4B30-43A1-88F0-8B7D47AB39E9}"/>
+                </a:ext>
+              </a:extLst>
+            </p:cNvPr>
+            <p:cNvSpPr/>
+            <p:nvPr/>
+          </p:nvSpPr>
+          <p:spPr>
+            <a:xfrm>
+              <a:off x="3795153" y="4133034"/>
+              <a:ext cx="99801" cy="45719"/>
+            </a:xfrm>
+            <a:prstGeom prst="rect">
+              <a:avLst/>
+            </a:prstGeom>
+            <a:solidFill>
+              <a:srgbClr val="EB9F15"/>
+            </a:solidFill>
+            <a:ln w="127000">
+              <a:solidFill>
+                <a:srgbClr val="FFC000"/>
+              </a:solidFill>
+            </a:ln>
+          </p:spPr>
+          <p:style>
+            <a:lnRef idx="2">
+              <a:schemeClr val="accent1">
+                <a:shade val="50000"/>
+              </a:schemeClr>
+            </a:lnRef>
+            <a:fillRef idx="1">
+              <a:schemeClr val="accent1"/>
+            </a:fillRef>
+            <a:effectRef idx="0">
+              <a:schemeClr val="accent1"/>
+            </a:effectRef>
+            <a:fontRef idx="minor">
+              <a:schemeClr val="lt1"/>
+            </a:fontRef>
+          </p:style>
+          <p:txBody>
+            <a:bodyPr rtlCol="0" anchor="ctr"/>
+            <a:lstStyle/>
+            <a:p>
+              <a:pPr algn="ctr"/>
+              <a:endParaRPr lang="sv-SE"/>
+            </a:p>
+          </p:txBody>
+        </p:sp>
+        <p:sp>
+          <p:nvSpPr>
+            <p:cNvPr id="69" name="Rektangel 68">
+              <a:extLst>
+                <a:ext uri="{FF2B5EF4-FFF2-40B4-BE49-F238E27FC236}">
+                  <a16:creationId xmlns:a16="http://schemas.microsoft.com/office/drawing/2014/main" id="{3AC40FA4-7DF9-4038-8E34-731FF3421952}"/>
+                </a:ext>
+              </a:extLst>
+            </p:cNvPr>
+            <p:cNvSpPr/>
+            <p:nvPr/>
+          </p:nvSpPr>
+          <p:spPr>
+            <a:xfrm>
+              <a:off x="3944127" y="4021495"/>
+              <a:ext cx="1770765" cy="166758"/>
+            </a:xfrm>
+            <a:prstGeom prst="rect">
+              <a:avLst/>
+            </a:prstGeom>
+            <a:solidFill>
+              <a:schemeClr val="bg1">
+                <a:alpha val="50000"/>
+              </a:schemeClr>
+            </a:solidFill>
+            <a:ln w="127000"/>
+          </p:spPr>
+          <p:style>
+            <a:lnRef idx="2">
+              <a:schemeClr val="accent1">
+                <a:shade val="50000"/>
+              </a:schemeClr>
+            </a:lnRef>
+            <a:fillRef idx="1">
+              <a:schemeClr val="accent1"/>
+            </a:fillRef>
+            <a:effectRef idx="0">
+              <a:schemeClr val="accent1"/>
+            </a:effectRef>
+            <a:fontRef idx="minor">
+              <a:schemeClr val="lt1"/>
+            </a:fontRef>
+          </p:style>
+          <p:txBody>
+            <a:bodyPr rtlCol="0" anchor="ctr"/>
+            <a:lstStyle/>
+            <a:p>
+              <a:pPr algn="ctr"/>
+              <a:endParaRPr lang="sv-SE"/>
+            </a:p>
+          </p:txBody>
+        </p:sp>
+        <p:sp>
+          <p:nvSpPr>
+            <p:cNvPr id="70" name="Rektangel 69">
+              <a:extLst>
+                <a:ext uri="{FF2B5EF4-FFF2-40B4-BE49-F238E27FC236}">
+                  <a16:creationId xmlns:a16="http://schemas.microsoft.com/office/drawing/2014/main" id="{2EE993D4-76A6-4187-9F86-1EA5CE2726F4}"/>
+                </a:ext>
+              </a:extLst>
+            </p:cNvPr>
+            <p:cNvSpPr/>
+            <p:nvPr/>
+          </p:nvSpPr>
+          <p:spPr>
+            <a:xfrm>
+              <a:off x="6470139" y="4022376"/>
+              <a:ext cx="1770765" cy="166758"/>
+            </a:xfrm>
+            <a:prstGeom prst="rect">
+              <a:avLst/>
+            </a:prstGeom>
+            <a:solidFill>
+              <a:schemeClr val="bg1">
+                <a:alpha val="50000"/>
+              </a:schemeClr>
+            </a:solidFill>
+            <a:ln w="127000"/>
+          </p:spPr>
+          <p:style>
+            <a:lnRef idx="2">
+              <a:schemeClr val="accent1">
+                <a:shade val="50000"/>
+              </a:schemeClr>
+            </a:lnRef>
+            <a:fillRef idx="1">
+              <a:schemeClr val="accent1"/>
+            </a:fillRef>
+            <a:effectRef idx="0">
+              <a:schemeClr val="accent1"/>
+            </a:effectRef>
+            <a:fontRef idx="minor">
+              <a:schemeClr val="lt1"/>
+            </a:fontRef>
+          </p:style>
+          <p:txBody>
+            <a:bodyPr rtlCol="0" anchor="ctr"/>
+            <a:lstStyle/>
+            <a:p>
+              <a:pPr algn="ctr"/>
+              <a:endParaRPr lang="sv-SE"/>
+            </a:p>
+          </p:txBody>
+        </p:sp>
+        <p:sp>
+          <p:nvSpPr>
+            <p:cNvPr id="62" name="Rektangel 61">
+              <a:extLst>
+                <a:ext uri="{FF2B5EF4-FFF2-40B4-BE49-F238E27FC236}">
+                  <a16:creationId xmlns:a16="http://schemas.microsoft.com/office/drawing/2014/main" id="{41253189-866D-48CC-84BA-0C806578328C}"/>
+                </a:ext>
+              </a:extLst>
+            </p:cNvPr>
+            <p:cNvSpPr/>
+            <p:nvPr/>
+          </p:nvSpPr>
+          <p:spPr>
+            <a:xfrm>
+              <a:off x="8305925" y="4143340"/>
+              <a:ext cx="99801" cy="45719"/>
+            </a:xfrm>
+            <a:prstGeom prst="rect">
+              <a:avLst/>
+            </a:prstGeom>
+            <a:solidFill>
+              <a:srgbClr val="EB9F15"/>
+            </a:solidFill>
+            <a:ln w="127000">
+              <a:solidFill>
+                <a:srgbClr val="FFC000"/>
+              </a:solidFill>
+            </a:ln>
+          </p:spPr>
+          <p:style>
+            <a:lnRef idx="2">
+              <a:schemeClr val="accent1">
+                <a:shade val="50000"/>
+              </a:schemeClr>
+            </a:lnRef>
+            <a:fillRef idx="1">
+              <a:schemeClr val="accent1"/>
+            </a:fillRef>
+            <a:effectRef idx="0">
+              <a:schemeClr val="accent1"/>
+            </a:effectRef>
+            <a:fontRef idx="minor">
+              <a:schemeClr val="lt1"/>
+            </a:fontRef>
+          </p:style>
+          <p:txBody>
+            <a:bodyPr rtlCol="0" anchor="ctr"/>
+            <a:lstStyle/>
+            <a:p>
+              <a:pPr algn="ctr"/>
+              <a:endParaRPr lang="sv-SE"/>
+            </a:p>
+          </p:txBody>
+        </p:sp>
+        <p:grpSp>
+          <p:nvGrpSpPr>
+            <p:cNvPr id="11" name="Grupp 10">
+              <a:extLst>
+                <a:ext uri="{FF2B5EF4-FFF2-40B4-BE49-F238E27FC236}">
+                  <a16:creationId xmlns:a16="http://schemas.microsoft.com/office/drawing/2014/main" id="{2EE23CF3-056A-4A22-88DE-07AA565CBE98}"/>
+                </a:ext>
+              </a:extLst>
+            </p:cNvPr>
+            <p:cNvGrpSpPr/>
+            <p:nvPr/>
+          </p:nvGrpSpPr>
+          <p:grpSpPr>
+            <a:xfrm>
+              <a:off x="5805294" y="4227289"/>
+              <a:ext cx="150872" cy="332448"/>
+              <a:chOff x="2589451" y="2581359"/>
+              <a:chExt cx="283222" cy="679731"/>
+            </a:xfrm>
+          </p:grpSpPr>
+          <p:sp>
+            <p:nvSpPr>
+              <p:cNvPr id="6" name="Rektangel: rundade hörn 5">
+                <a:extLst>
+                  <a:ext uri="{FF2B5EF4-FFF2-40B4-BE49-F238E27FC236}">
+                    <a16:creationId xmlns:a16="http://schemas.microsoft.com/office/drawing/2014/main" id="{B1D885E0-8230-48E3-92F9-AA051634BF7B}"/>
+                  </a:ext>
+                </a:extLst>
+              </p:cNvPr>
+              <p:cNvSpPr/>
+              <p:nvPr/>
+            </p:nvSpPr>
+            <p:spPr>
+              <a:xfrm>
+                <a:off x="2589451" y="2677886"/>
+                <a:ext cx="283222" cy="583204"/>
+              </a:xfrm>
+              <a:prstGeom prst="roundRect">
+                <a:avLst/>
+              </a:prstGeom>
+              <a:ln w="127000"/>
+            </p:spPr>
+            <p:style>
+              <a:lnRef idx="2">
+                <a:schemeClr val="accent1">
+                  <a:shade val="50000"/>
+                </a:schemeClr>
+              </a:lnRef>
+              <a:fillRef idx="1">
+                <a:schemeClr val="accent1"/>
+              </a:fillRef>
+              <a:effectRef idx="0">
+                <a:schemeClr val="accent1"/>
+              </a:effectRef>
+              <a:fontRef idx="minor">
+                <a:schemeClr val="lt1"/>
+              </a:fontRef>
+            </p:style>
+            <p:txBody>
+              <a:bodyPr rtlCol="0" anchor="ctr"/>
+              <a:lstStyle/>
+              <a:p>
+                <a:pPr algn="ctr"/>
+                <a:endParaRPr lang="sv-SE"/>
+              </a:p>
+            </p:txBody>
+          </p:sp>
+          <p:sp>
+            <p:nvSpPr>
+              <p:cNvPr id="10" name="Rektangel 9">
+                <a:extLst>
+                  <a:ext uri="{FF2B5EF4-FFF2-40B4-BE49-F238E27FC236}">
+                    <a16:creationId xmlns:a16="http://schemas.microsoft.com/office/drawing/2014/main" id="{15E11440-7218-4B98-BDEF-91DE004027DD}"/>
+                  </a:ext>
+                </a:extLst>
+              </p:cNvPr>
+              <p:cNvSpPr/>
+              <p:nvPr/>
+            </p:nvSpPr>
+            <p:spPr>
+              <a:xfrm>
+                <a:off x="2685122" y="2581359"/>
+                <a:ext cx="89012" cy="96527"/>
+              </a:xfrm>
+              <a:prstGeom prst="rect">
+                <a:avLst/>
+              </a:prstGeom>
+              <a:ln w="127000"/>
+            </p:spPr>
+            <p:style>
+              <a:lnRef idx="2">
+                <a:schemeClr val="accent1">
+                  <a:shade val="50000"/>
+                </a:schemeClr>
+              </a:lnRef>
+              <a:fillRef idx="1">
+                <a:schemeClr val="accent1"/>
+              </a:fillRef>
+              <a:effectRef idx="0">
+                <a:schemeClr val="accent1"/>
+              </a:effectRef>
+              <a:fontRef idx="minor">
+                <a:schemeClr val="lt1"/>
+              </a:fontRef>
+            </p:style>
+            <p:txBody>
+              <a:bodyPr rtlCol="0" anchor="ctr"/>
+              <a:lstStyle/>
+              <a:p>
+                <a:pPr algn="ctr"/>
+                <a:endParaRPr lang="sv-SE"/>
+              </a:p>
+            </p:txBody>
+          </p:sp>
+        </p:grpSp>
+        <p:grpSp>
+          <p:nvGrpSpPr>
+            <p:cNvPr id="63" name="Grupp 62">
+              <a:extLst>
+                <a:ext uri="{FF2B5EF4-FFF2-40B4-BE49-F238E27FC236}">
+                  <a16:creationId xmlns:a16="http://schemas.microsoft.com/office/drawing/2014/main" id="{9BFDF786-537C-49DD-BAD6-4A2BF9F6DA26}"/>
+                </a:ext>
+              </a:extLst>
+            </p:cNvPr>
+            <p:cNvGrpSpPr/>
+            <p:nvPr/>
+          </p:nvGrpSpPr>
+          <p:grpSpPr>
+            <a:xfrm>
+              <a:off x="6233923" y="4236809"/>
+              <a:ext cx="150872" cy="332448"/>
+              <a:chOff x="2589451" y="2581359"/>
+              <a:chExt cx="283222" cy="679731"/>
+            </a:xfrm>
+          </p:grpSpPr>
+          <p:sp>
+            <p:nvSpPr>
+              <p:cNvPr id="64" name="Rektangel: rundade hörn 63">
+                <a:extLst>
+                  <a:ext uri="{FF2B5EF4-FFF2-40B4-BE49-F238E27FC236}">
+                    <a16:creationId xmlns:a16="http://schemas.microsoft.com/office/drawing/2014/main" id="{A8923E2B-3643-4CBE-8D85-789613F887E6}"/>
+                  </a:ext>
+                </a:extLst>
+              </p:cNvPr>
+              <p:cNvSpPr/>
+              <p:nvPr/>
+            </p:nvSpPr>
+            <p:spPr>
+              <a:xfrm>
+                <a:off x="2589451" y="2677886"/>
+                <a:ext cx="283222" cy="583204"/>
+              </a:xfrm>
+              <a:prstGeom prst="roundRect">
+                <a:avLst/>
+              </a:prstGeom>
+              <a:ln w="127000"/>
+            </p:spPr>
+            <p:style>
+              <a:lnRef idx="2">
+                <a:schemeClr val="accent1">
+                  <a:shade val="50000"/>
+                </a:schemeClr>
+              </a:lnRef>
+              <a:fillRef idx="1">
+                <a:schemeClr val="accent1"/>
+              </a:fillRef>
+              <a:effectRef idx="0">
+                <a:schemeClr val="accent1"/>
+              </a:effectRef>
+              <a:fontRef idx="minor">
+                <a:schemeClr val="lt1"/>
+              </a:fontRef>
+            </p:style>
+            <p:txBody>
+              <a:bodyPr rtlCol="0" anchor="ctr"/>
+              <a:lstStyle/>
+              <a:p>
+                <a:pPr algn="ctr"/>
+                <a:endParaRPr lang="sv-SE"/>
+              </a:p>
+            </p:txBody>
+          </p:sp>
+          <p:sp>
+            <p:nvSpPr>
+              <p:cNvPr id="65" name="Rektangel 64">
+                <a:extLst>
+                  <a:ext uri="{FF2B5EF4-FFF2-40B4-BE49-F238E27FC236}">
+                    <a16:creationId xmlns:a16="http://schemas.microsoft.com/office/drawing/2014/main" id="{CD95A2F0-B1C8-43EA-90BC-384567000962}"/>
+                  </a:ext>
+                </a:extLst>
+              </p:cNvPr>
+              <p:cNvSpPr/>
+              <p:nvPr/>
+            </p:nvSpPr>
+            <p:spPr>
+              <a:xfrm>
+                <a:off x="2685122" y="2581359"/>
+                <a:ext cx="89012" cy="96527"/>
+              </a:xfrm>
+              <a:prstGeom prst="rect">
+                <a:avLst/>
+              </a:prstGeom>
+              <a:ln w="127000"/>
+            </p:spPr>
+            <p:style>
+              <a:lnRef idx="2">
+                <a:schemeClr val="accent1">
+                  <a:shade val="50000"/>
+                </a:schemeClr>
+              </a:lnRef>
+              <a:fillRef idx="1">
+                <a:schemeClr val="accent1"/>
+              </a:fillRef>
+              <a:effectRef idx="0">
+                <a:schemeClr val="accent1"/>
+              </a:effectRef>
+              <a:fontRef idx="minor">
+                <a:schemeClr val="lt1"/>
+              </a:fontRef>
+            </p:style>
+            <p:txBody>
+              <a:bodyPr rtlCol="0" anchor="ctr"/>
+              <a:lstStyle/>
+              <a:p>
+                <a:pPr algn="ctr"/>
+                <a:endParaRPr lang="sv-SE"/>
+              </a:p>
+            </p:txBody>
+          </p:sp>
+        </p:grpSp>
+        <p:sp>
+          <p:nvSpPr>
+            <p:cNvPr id="71" name="textruta 70">
+              <a:extLst>
+                <a:ext uri="{FF2B5EF4-FFF2-40B4-BE49-F238E27FC236}">
+                  <a16:creationId xmlns:a16="http://schemas.microsoft.com/office/drawing/2014/main" id="{9179A672-0495-46CC-A351-541CC135F528}"/>
+                </a:ext>
+              </a:extLst>
+            </p:cNvPr>
+            <p:cNvSpPr txBox="1"/>
+            <p:nvPr/>
+          </p:nvSpPr>
+          <p:spPr>
+            <a:xfrm>
+              <a:off x="6222254" y="2946585"/>
+              <a:ext cx="571940" cy="356702"/>
+            </a:xfrm>
+            <a:prstGeom prst="rect">
+              <a:avLst/>
+            </a:prstGeom>
+            <a:noFill/>
+          </p:spPr>
+          <p:txBody>
+            <a:bodyPr wrap="none" rtlCol="0">
+              <a:spAutoFit/>
+            </a:bodyPr>
+            <a:lstStyle/>
+            <a:p>
+              <a:r>
+                <a:rPr lang="sv-SE" sz="8000" dirty="0"/>
+                <a:t>60 </a:t>
+              </a:r>
+              <a:r>
+                <a:rPr lang="sv-SE" sz="8000" dirty="0" err="1"/>
+                <a:t>lpm</a:t>
+              </a:r>
+              <a:endParaRPr lang="sv-SE" sz="8000" dirty="0"/>
+            </a:p>
+            <a:p>
+              <a:r>
+                <a:rPr lang="sv-SE" sz="8000" dirty="0"/>
+                <a:t>50% FiO2</a:t>
+              </a:r>
+            </a:p>
+          </p:txBody>
+        </p:sp>
+        <p:sp>
+          <p:nvSpPr>
+            <p:cNvPr id="72" name="textruta 71">
+              <a:extLst>
+                <a:ext uri="{FF2B5EF4-FFF2-40B4-BE49-F238E27FC236}">
+                  <a16:creationId xmlns:a16="http://schemas.microsoft.com/office/drawing/2014/main" id="{453DA916-CE6F-4774-9F54-C0DDC355BF91}"/>
+                </a:ext>
+              </a:extLst>
+            </p:cNvPr>
+            <p:cNvSpPr txBox="1"/>
+            <p:nvPr/>
+          </p:nvSpPr>
+          <p:spPr>
+            <a:xfrm>
+              <a:off x="4113435" y="4233473"/>
+              <a:ext cx="571940" cy="356702"/>
+            </a:xfrm>
+            <a:prstGeom prst="rect">
+              <a:avLst/>
+            </a:prstGeom>
+            <a:noFill/>
+          </p:spPr>
+          <p:txBody>
+            <a:bodyPr wrap="none" rtlCol="0">
+              <a:spAutoFit/>
+            </a:bodyPr>
+            <a:lstStyle/>
+            <a:p>
+              <a:r>
+                <a:rPr lang="sv-SE" sz="8000" dirty="0"/>
+                <a:t>30 </a:t>
+              </a:r>
+              <a:r>
+                <a:rPr lang="sv-SE" sz="8000" dirty="0" err="1"/>
+                <a:t>lpm</a:t>
+              </a:r>
+              <a:endParaRPr lang="sv-SE" sz="8000" dirty="0"/>
+            </a:p>
+            <a:p>
+              <a:r>
+                <a:rPr lang="sv-SE" sz="8000" dirty="0"/>
+                <a:t>50% FiO2</a:t>
+              </a:r>
+            </a:p>
+          </p:txBody>
+        </p:sp>
+        <p:sp>
+          <p:nvSpPr>
+            <p:cNvPr id="73" name="textruta 72">
+              <a:extLst>
+                <a:ext uri="{FF2B5EF4-FFF2-40B4-BE49-F238E27FC236}">
+                  <a16:creationId xmlns:a16="http://schemas.microsoft.com/office/drawing/2014/main" id="{DC5A6049-D24C-48E9-AC3F-BB0860CB3669}"/>
+                </a:ext>
+              </a:extLst>
+            </p:cNvPr>
+            <p:cNvSpPr txBox="1"/>
+            <p:nvPr/>
+          </p:nvSpPr>
+          <p:spPr>
+            <a:xfrm>
+              <a:off x="6862836" y="4233473"/>
+              <a:ext cx="571940" cy="356702"/>
+            </a:xfrm>
+            <a:prstGeom prst="rect">
+              <a:avLst/>
+            </a:prstGeom>
+            <a:noFill/>
+          </p:spPr>
+          <p:txBody>
+            <a:bodyPr wrap="none" rtlCol="0">
+              <a:spAutoFit/>
+            </a:bodyPr>
+            <a:lstStyle/>
+            <a:p>
+              <a:r>
+                <a:rPr lang="sv-SE" sz="8000" dirty="0"/>
+                <a:t>30 </a:t>
+              </a:r>
+              <a:r>
+                <a:rPr lang="sv-SE" sz="8000" dirty="0" err="1"/>
+                <a:t>lpm</a:t>
+              </a:r>
+              <a:endParaRPr lang="sv-SE" sz="8000" dirty="0"/>
+            </a:p>
+            <a:p>
+              <a:r>
+                <a:rPr lang="sv-SE" sz="8000" dirty="0"/>
+                <a:t>50% FiO2</a:t>
+              </a:r>
+            </a:p>
+          </p:txBody>
+        </p:sp>
+        <p:grpSp>
+          <p:nvGrpSpPr>
+            <p:cNvPr id="66" name="Grupp 65">
+              <a:extLst>
+                <a:ext uri="{FF2B5EF4-FFF2-40B4-BE49-F238E27FC236}">
+                  <a16:creationId xmlns:a16="http://schemas.microsoft.com/office/drawing/2014/main" id="{3A6AA26F-8738-1142-AC25-820E82581B47}"/>
+                </a:ext>
+              </a:extLst>
+            </p:cNvPr>
+            <p:cNvGrpSpPr/>
+            <p:nvPr/>
+          </p:nvGrpSpPr>
+          <p:grpSpPr>
+            <a:xfrm>
+              <a:off x="5670087" y="3976619"/>
+              <a:ext cx="859676" cy="261896"/>
+              <a:chOff x="702154" y="2338406"/>
+              <a:chExt cx="5712834" cy="1740386"/>
+            </a:xfrm>
+          </p:grpSpPr>
+          <p:sp>
+            <p:nvSpPr>
+              <p:cNvPr id="74" name="Rektangel 73">
+                <a:extLst>
+                  <a:ext uri="{FF2B5EF4-FFF2-40B4-BE49-F238E27FC236}">
+                    <a16:creationId xmlns:a16="http://schemas.microsoft.com/office/drawing/2014/main" id="{C0E8BB0D-E6B0-9349-966F-7010BFF64E44}"/>
+                  </a:ext>
+                </a:extLst>
+              </p:cNvPr>
+              <p:cNvSpPr/>
+              <p:nvPr/>
+            </p:nvSpPr>
+            <p:spPr>
+              <a:xfrm>
+                <a:off x="1180979" y="2725951"/>
+                <a:ext cx="4765616" cy="935976"/>
+              </a:xfrm>
+              <a:prstGeom prst="rect">
+                <a:avLst/>
+              </a:prstGeom>
+              <a:solidFill>
+                <a:schemeClr val="accent2">
+                  <a:lumMod val="75000"/>
+                </a:schemeClr>
+              </a:solidFill>
+              <a:ln w="76200">
+                <a:solidFill>
+                  <a:schemeClr val="accent2">
+                    <a:lumMod val="50000"/>
+                  </a:schemeClr>
+                </a:solidFill>
+              </a:ln>
+            </p:spPr>
+            <p:style>
+              <a:lnRef idx="0">
+                <a:scrgbClr r="0" g="0" b="0"/>
+              </a:lnRef>
+              <a:fillRef idx="0">
+                <a:scrgbClr r="0" g="0" b="0"/>
+              </a:fillRef>
+              <a:effectRef idx="0">
+                <a:scrgbClr r="0" g="0" b="0"/>
+              </a:effectRef>
+              <a:fontRef idx="minor">
+                <a:schemeClr val="lt1"/>
+              </a:fontRef>
+            </p:style>
+            <p:txBody>
+              <a:bodyPr rtlCol="0" anchor="ctr"/>
+              <a:lstStyle/>
+              <a:p>
+                <a:pPr algn="ctr"/>
+                <a:endParaRPr lang="sv-SE"/>
+              </a:p>
+            </p:txBody>
+          </p:sp>
+          <p:sp>
+            <p:nvSpPr>
+              <p:cNvPr id="75" name="Rektangel 74">
+                <a:extLst>
+                  <a:ext uri="{FF2B5EF4-FFF2-40B4-BE49-F238E27FC236}">
+                    <a16:creationId xmlns:a16="http://schemas.microsoft.com/office/drawing/2014/main" id="{245910EA-B93C-4C47-8324-A5F94C180EE7}"/>
+                  </a:ext>
+                </a:extLst>
+              </p:cNvPr>
+              <p:cNvSpPr/>
+              <p:nvPr/>
+            </p:nvSpPr>
+            <p:spPr>
+              <a:xfrm>
+                <a:off x="3066009" y="2338406"/>
+                <a:ext cx="1007603" cy="383809"/>
+              </a:xfrm>
+              <a:prstGeom prst="rect">
+                <a:avLst/>
+              </a:prstGeom>
+              <a:solidFill>
+                <a:schemeClr val="accent2">
+                  <a:lumMod val="75000"/>
+                </a:schemeClr>
+              </a:solidFill>
+              <a:ln w="76200">
+                <a:solidFill>
+                  <a:schemeClr val="accent2">
+                    <a:lumMod val="50000"/>
+                  </a:schemeClr>
+                </a:solidFill>
+              </a:ln>
+            </p:spPr>
+            <p:style>
+              <a:lnRef idx="0">
+                <a:scrgbClr r="0" g="0" b="0"/>
+              </a:lnRef>
+              <a:fillRef idx="0">
+                <a:scrgbClr r="0" g="0" b="0"/>
+              </a:fillRef>
+              <a:effectRef idx="0">
+                <a:scrgbClr r="0" g="0" b="0"/>
+              </a:effectRef>
+              <a:fontRef idx="minor">
+                <a:schemeClr val="lt1"/>
+              </a:fontRef>
+            </p:style>
+            <p:txBody>
+              <a:bodyPr rtlCol="0" anchor="ctr"/>
+              <a:lstStyle/>
+              <a:p>
+                <a:pPr algn="ctr"/>
+                <a:r>
+                  <a:rPr lang="sv-SE" sz="3600" dirty="0"/>
+                  <a:t>A</a:t>
+                </a:r>
+              </a:p>
+            </p:txBody>
+          </p:sp>
+          <p:sp>
+            <p:nvSpPr>
+              <p:cNvPr id="76" name="Rektangel 75">
+                <a:extLst>
+                  <a:ext uri="{FF2B5EF4-FFF2-40B4-BE49-F238E27FC236}">
+                    <a16:creationId xmlns:a16="http://schemas.microsoft.com/office/drawing/2014/main" id="{B929C5DD-10E2-0F42-80D4-3BB875A80AA9}"/>
+                  </a:ext>
+                </a:extLst>
+              </p:cNvPr>
+              <p:cNvSpPr/>
+              <p:nvPr/>
+            </p:nvSpPr>
+            <p:spPr>
+              <a:xfrm>
+                <a:off x="5933928" y="2572294"/>
+                <a:ext cx="481060" cy="1235948"/>
+              </a:xfrm>
+              <a:prstGeom prst="rect">
+                <a:avLst/>
+              </a:prstGeom>
+              <a:solidFill>
+                <a:schemeClr val="accent2">
+                  <a:lumMod val="75000"/>
+                </a:schemeClr>
+              </a:solidFill>
+              <a:ln w="76200">
+                <a:solidFill>
+                  <a:schemeClr val="accent2">
+                    <a:lumMod val="50000"/>
+                  </a:schemeClr>
+                </a:solidFill>
+              </a:ln>
+            </p:spPr>
+            <p:style>
+              <a:lnRef idx="0">
+                <a:scrgbClr r="0" g="0" b="0"/>
+              </a:lnRef>
+              <a:fillRef idx="0">
+                <a:scrgbClr r="0" g="0" b="0"/>
+              </a:fillRef>
+              <a:effectRef idx="0">
+                <a:scrgbClr r="0" g="0" b="0"/>
+              </a:effectRef>
+              <a:fontRef idx="minor">
+                <a:schemeClr val="lt1"/>
+              </a:fontRef>
+            </p:style>
+            <p:txBody>
+              <a:bodyPr rtlCol="0" anchor="ctr"/>
+              <a:lstStyle/>
+              <a:p>
+                <a:pPr algn="ctr"/>
+                <a:r>
+                  <a:rPr lang="sv-SE" sz="3600" dirty="0"/>
+                  <a:t>C</a:t>
+                </a:r>
+              </a:p>
+            </p:txBody>
+          </p:sp>
+          <p:sp>
+            <p:nvSpPr>
+              <p:cNvPr id="77" name="Rektangel 76">
+                <a:extLst>
+                  <a:ext uri="{FF2B5EF4-FFF2-40B4-BE49-F238E27FC236}">
+                    <a16:creationId xmlns:a16="http://schemas.microsoft.com/office/drawing/2014/main" id="{33D18293-0C8C-7642-834E-DFA1A248771B}"/>
+                  </a:ext>
+                </a:extLst>
+              </p:cNvPr>
+              <p:cNvSpPr/>
+              <p:nvPr/>
+            </p:nvSpPr>
+            <p:spPr>
+              <a:xfrm>
+                <a:off x="702154" y="2572294"/>
+                <a:ext cx="481060" cy="1235948"/>
+              </a:xfrm>
+              <a:prstGeom prst="rect">
+                <a:avLst/>
+              </a:prstGeom>
+              <a:solidFill>
+                <a:schemeClr val="accent2">
+                  <a:lumMod val="75000"/>
+                </a:schemeClr>
+              </a:solidFill>
+              <a:ln w="76200">
+                <a:solidFill>
+                  <a:schemeClr val="accent2">
+                    <a:lumMod val="50000"/>
+                  </a:schemeClr>
+                </a:solidFill>
+              </a:ln>
+            </p:spPr>
+            <p:style>
+              <a:lnRef idx="0">
+                <a:scrgbClr r="0" g="0" b="0"/>
+              </a:lnRef>
+              <a:fillRef idx="0">
+                <a:scrgbClr r="0" g="0" b="0"/>
+              </a:fillRef>
+              <a:effectRef idx="0">
+                <a:scrgbClr r="0" g="0" b="0"/>
+              </a:effectRef>
+              <a:fontRef idx="minor">
+                <a:schemeClr val="lt1"/>
+              </a:fontRef>
+            </p:style>
+            <p:txBody>
+              <a:bodyPr rtlCol="0" anchor="ctr"/>
+              <a:lstStyle/>
+              <a:p>
+                <a:pPr algn="ctr"/>
+                <a:r>
+                  <a:rPr lang="sv-SE" sz="3600" dirty="0"/>
+                  <a:t>B</a:t>
+                </a:r>
+              </a:p>
+            </p:txBody>
+          </p:sp>
+          <p:sp>
+            <p:nvSpPr>
+              <p:cNvPr id="78" name="Rektangel 77">
+                <a:extLst>
+                  <a:ext uri="{FF2B5EF4-FFF2-40B4-BE49-F238E27FC236}">
+                    <a16:creationId xmlns:a16="http://schemas.microsoft.com/office/drawing/2014/main" id="{8711A060-F3F4-5343-9F6A-E93BB652E9D7}"/>
+                  </a:ext>
+                </a:extLst>
+              </p:cNvPr>
+              <p:cNvSpPr/>
+              <p:nvPr/>
+            </p:nvSpPr>
+            <p:spPr>
+              <a:xfrm>
+                <a:off x="1606075" y="3668199"/>
+                <a:ext cx="1007380" cy="410593"/>
+              </a:xfrm>
+              <a:prstGeom prst="rect">
+                <a:avLst/>
+              </a:prstGeom>
+              <a:solidFill>
+                <a:schemeClr val="accent2">
+                  <a:lumMod val="75000"/>
+                </a:schemeClr>
+              </a:solidFill>
+              <a:ln w="76200">
+                <a:solidFill>
+                  <a:schemeClr val="accent2">
+                    <a:lumMod val="50000"/>
+                  </a:schemeClr>
+                </a:solidFill>
+              </a:ln>
+            </p:spPr>
+            <p:style>
+              <a:lnRef idx="0">
+                <a:scrgbClr r="0" g="0" b="0"/>
+              </a:lnRef>
+              <a:fillRef idx="0">
+                <a:scrgbClr r="0" g="0" b="0"/>
+              </a:fillRef>
+              <a:effectRef idx="0">
+                <a:scrgbClr r="0" g="0" b="0"/>
+              </a:effectRef>
+              <a:fontRef idx="minor">
+                <a:schemeClr val="lt1"/>
+              </a:fontRef>
+            </p:style>
+            <p:txBody>
+              <a:bodyPr rtlCol="0" anchor="ctr"/>
+              <a:lstStyle/>
+              <a:p>
+                <a:pPr algn="ctr"/>
+                <a:r>
+                  <a:rPr lang="sv-SE" sz="3600" dirty="0"/>
+                  <a:t>D</a:t>
+                </a:r>
+              </a:p>
+            </p:txBody>
+          </p:sp>
+          <p:sp>
+            <p:nvSpPr>
+              <p:cNvPr id="79" name="Rektangel 78">
+                <a:extLst>
+                  <a:ext uri="{FF2B5EF4-FFF2-40B4-BE49-F238E27FC236}">
+                    <a16:creationId xmlns:a16="http://schemas.microsoft.com/office/drawing/2014/main" id="{4B57588D-0F64-384A-B00F-1B87CF445274}"/>
+                  </a:ext>
+                </a:extLst>
+              </p:cNvPr>
+              <p:cNvSpPr/>
+              <p:nvPr/>
+            </p:nvSpPr>
+            <p:spPr>
+              <a:xfrm>
+                <a:off x="4441244" y="3661925"/>
+                <a:ext cx="1007380" cy="410593"/>
+              </a:xfrm>
+              <a:prstGeom prst="rect">
+                <a:avLst/>
+              </a:prstGeom>
+              <a:solidFill>
+                <a:schemeClr val="accent2">
+                  <a:lumMod val="75000"/>
+                </a:schemeClr>
+              </a:solidFill>
+              <a:ln w="76200">
+                <a:solidFill>
+                  <a:schemeClr val="accent2">
+                    <a:lumMod val="50000"/>
+                  </a:schemeClr>
+                </a:solidFill>
+              </a:ln>
+            </p:spPr>
+            <p:style>
+              <a:lnRef idx="0">
+                <a:scrgbClr r="0" g="0" b="0"/>
+              </a:lnRef>
+              <a:fillRef idx="0">
+                <a:scrgbClr r="0" g="0" b="0"/>
+              </a:fillRef>
+              <a:effectRef idx="0">
+                <a:scrgbClr r="0" g="0" b="0"/>
+              </a:effectRef>
+              <a:fontRef idx="minor">
+                <a:schemeClr val="lt1"/>
+              </a:fontRef>
+            </p:style>
+            <p:txBody>
+              <a:bodyPr rtlCol="0" anchor="ctr"/>
+              <a:lstStyle/>
+              <a:p>
+                <a:pPr algn="ctr"/>
+                <a:r>
+                  <a:rPr lang="sv-SE" sz="3600" dirty="0"/>
+                  <a:t>E</a:t>
+                </a:r>
+              </a:p>
+            </p:txBody>
+          </p:sp>
+        </p:grpSp>
+      </p:grpSp>
+      <p:grpSp>
+        <p:nvGrpSpPr>
+          <p:cNvPr id="80" name="Grupp 79">
+            <a:extLst>
+              <a:ext uri="{FF2B5EF4-FFF2-40B4-BE49-F238E27FC236}">
+                <a16:creationId xmlns:a16="http://schemas.microsoft.com/office/drawing/2014/main" id="{CE2B642C-17EE-784D-84D5-8BD892BCCF94}"/>
+              </a:ext>
+            </a:extLst>
+          </p:cNvPr>
+          <p:cNvGrpSpPr/>
+          <p:nvPr/>
+        </p:nvGrpSpPr>
+        <p:grpSpPr>
+          <a:xfrm>
+            <a:off x="9128951" y="-18742636"/>
+            <a:ext cx="26402019" cy="23904350"/>
+            <a:chOff x="4348065" y="1950098"/>
+            <a:chExt cx="3593551" cy="3253596"/>
+          </a:xfrm>
+        </p:grpSpPr>
+        <p:grpSp>
+          <p:nvGrpSpPr>
+            <p:cNvPr id="81" name="Grupp 80">
+              <a:extLst>
+                <a:ext uri="{FF2B5EF4-FFF2-40B4-BE49-F238E27FC236}">
+                  <a16:creationId xmlns:a16="http://schemas.microsoft.com/office/drawing/2014/main" id="{6B7301F5-F711-2147-A4D9-6032AE0A2273}"/>
+                </a:ext>
+              </a:extLst>
+            </p:cNvPr>
+            <p:cNvGrpSpPr/>
+            <p:nvPr/>
+          </p:nvGrpSpPr>
+          <p:grpSpPr>
+            <a:xfrm>
+              <a:off x="5824402" y="3981644"/>
+              <a:ext cx="559706" cy="1222050"/>
+              <a:chOff x="5824402" y="3981644"/>
+              <a:chExt cx="559706" cy="1222050"/>
+            </a:xfrm>
+          </p:grpSpPr>
+          <p:cxnSp>
+            <p:nvCxnSpPr>
+              <p:cNvPr id="90" name="Rak koppling 12">
+                <a:extLst>
+                  <a:ext uri="{FF2B5EF4-FFF2-40B4-BE49-F238E27FC236}">
+                    <a16:creationId xmlns:a16="http://schemas.microsoft.com/office/drawing/2014/main" id="{39B42AE8-D732-8E47-9BF0-EB918FBFF051}"/>
+                  </a:ext>
+                </a:extLst>
+              </p:cNvPr>
+              <p:cNvCxnSpPr/>
+              <p:nvPr/>
+            </p:nvCxnSpPr>
+            <p:spPr>
+              <a:xfrm>
+                <a:off x="6064245" y="3981644"/>
+                <a:ext cx="0" cy="675692"/>
+              </a:xfrm>
+              <a:prstGeom prst="line">
+                <a:avLst/>
+              </a:prstGeom>
+              <a:ln w="127000"/>
+            </p:spPr>
+            <p:style>
+              <a:lnRef idx="1">
+                <a:schemeClr val="accent5"/>
+              </a:lnRef>
+              <a:fillRef idx="0">
+                <a:schemeClr val="accent5"/>
+              </a:fillRef>
+              <a:effectRef idx="0">
+                <a:schemeClr val="accent5"/>
+              </a:effectRef>
+              <a:fontRef idx="minor">
+                <a:schemeClr val="tx1"/>
+              </a:fontRef>
+            </p:style>
+          </p:cxnSp>
+          <p:cxnSp>
+            <p:nvCxnSpPr>
+              <p:cNvPr id="91" name="Rak koppling 13">
+                <a:extLst>
+                  <a:ext uri="{FF2B5EF4-FFF2-40B4-BE49-F238E27FC236}">
+                    <a16:creationId xmlns:a16="http://schemas.microsoft.com/office/drawing/2014/main" id="{5E4582B0-3C01-C442-A397-C162CB84CC04}"/>
+                  </a:ext>
+                </a:extLst>
+              </p:cNvPr>
+              <p:cNvCxnSpPr/>
+              <p:nvPr/>
+            </p:nvCxnSpPr>
+            <p:spPr>
+              <a:xfrm>
+                <a:off x="6139342" y="3981644"/>
+                <a:ext cx="0" cy="675692"/>
+              </a:xfrm>
+              <a:prstGeom prst="line">
+                <a:avLst/>
+              </a:prstGeom>
+              <a:ln w="127000"/>
+            </p:spPr>
+            <p:style>
+              <a:lnRef idx="1">
+                <a:schemeClr val="accent5"/>
+              </a:lnRef>
+              <a:fillRef idx="0">
+                <a:schemeClr val="accent5"/>
+              </a:fillRef>
+              <a:effectRef idx="0">
+                <a:schemeClr val="accent5"/>
+              </a:effectRef>
+              <a:fontRef idx="minor">
+                <a:schemeClr val="tx1"/>
+              </a:fontRef>
+            </p:style>
+          </p:cxnSp>
+          <p:grpSp>
+            <p:nvGrpSpPr>
+              <p:cNvPr id="92" name="Grupp 91">
+                <a:extLst>
+                  <a:ext uri="{FF2B5EF4-FFF2-40B4-BE49-F238E27FC236}">
+                    <a16:creationId xmlns:a16="http://schemas.microsoft.com/office/drawing/2014/main" id="{670D3106-9B62-A442-B95D-FBA387DBC99F}"/>
+                  </a:ext>
+                </a:extLst>
+              </p:cNvPr>
+              <p:cNvGrpSpPr/>
+              <p:nvPr/>
+            </p:nvGrpSpPr>
+            <p:grpSpPr>
+              <a:xfrm rot="390236">
+                <a:off x="5824402" y="4643988"/>
+                <a:ext cx="559706" cy="559706"/>
+                <a:chOff x="3091541" y="4787900"/>
+                <a:chExt cx="559706" cy="559706"/>
+              </a:xfrm>
+            </p:grpSpPr>
+            <p:grpSp>
+              <p:nvGrpSpPr>
+                <p:cNvPr id="101" name="Grupp 100">
+                  <a:extLst>
+                    <a:ext uri="{FF2B5EF4-FFF2-40B4-BE49-F238E27FC236}">
+                      <a16:creationId xmlns:a16="http://schemas.microsoft.com/office/drawing/2014/main" id="{14C22662-24CA-514E-AC0D-91BEEAA47C99}"/>
+                    </a:ext>
+                  </a:extLst>
+                </p:cNvPr>
+                <p:cNvGrpSpPr/>
+                <p:nvPr/>
+              </p:nvGrpSpPr>
+              <p:grpSpPr>
+                <a:xfrm>
+                  <a:off x="3091541" y="4787900"/>
+                  <a:ext cx="559706" cy="559706"/>
+                  <a:chOff x="3091541" y="4787900"/>
+                  <a:chExt cx="559706" cy="559706"/>
+                </a:xfrm>
+              </p:grpSpPr>
+              <p:sp>
+                <p:nvSpPr>
+                  <p:cNvPr id="105" name="Båge 104">
+                    <a:extLst>
+                      <a:ext uri="{FF2B5EF4-FFF2-40B4-BE49-F238E27FC236}">
+                        <a16:creationId xmlns:a16="http://schemas.microsoft.com/office/drawing/2014/main" id="{E446C6B3-5DFD-2C47-9174-5D76FCFF3413}"/>
+                      </a:ext>
+                    </a:extLst>
+                  </p:cNvPr>
+                  <p:cNvSpPr/>
+                  <p:nvPr/>
+                </p:nvSpPr>
+                <p:spPr>
+                  <a:xfrm>
+                    <a:off x="3091541" y="4787900"/>
+                    <a:ext cx="559706" cy="559706"/>
+                  </a:xfrm>
+                  <a:prstGeom prst="arc">
+                    <a:avLst/>
+                  </a:prstGeom>
+                  <a:ln w="127000"/>
+                </p:spPr>
+                <p:style>
+                  <a:lnRef idx="1">
+                    <a:schemeClr val="accent5"/>
+                  </a:lnRef>
+                  <a:fillRef idx="0">
+                    <a:schemeClr val="accent5"/>
+                  </a:fillRef>
+                  <a:effectRef idx="0">
+                    <a:schemeClr val="accent5"/>
+                  </a:effectRef>
+                  <a:fontRef idx="minor">
+                    <a:schemeClr val="tx1"/>
+                  </a:fontRef>
+                </p:style>
+                <p:txBody>
+                  <a:bodyPr rtlCol="0" anchor="ctr"/>
+                  <a:lstStyle/>
+                  <a:p>
+                    <a:pPr algn="ctr"/>
+                    <a:endParaRPr lang="sv-SE"/>
+                  </a:p>
+                </p:txBody>
+              </p:sp>
+              <p:sp>
+                <p:nvSpPr>
+                  <p:cNvPr id="106" name="Båge 105">
+                    <a:extLst>
+                      <a:ext uri="{FF2B5EF4-FFF2-40B4-BE49-F238E27FC236}">
+                        <a16:creationId xmlns:a16="http://schemas.microsoft.com/office/drawing/2014/main" id="{E1929948-B426-474B-911C-3FEB6F1DF185}"/>
+                      </a:ext>
+                    </a:extLst>
+                  </p:cNvPr>
+                  <p:cNvSpPr/>
+                  <p:nvPr/>
+                </p:nvSpPr>
+                <p:spPr>
+                  <a:xfrm rot="5400000">
+                    <a:off x="3091541" y="4787900"/>
+                    <a:ext cx="559706" cy="559706"/>
+                  </a:xfrm>
+                  <a:prstGeom prst="arc">
+                    <a:avLst/>
+                  </a:prstGeom>
+                  <a:ln w="127000"/>
+                </p:spPr>
+                <p:style>
+                  <a:lnRef idx="1">
+                    <a:schemeClr val="accent5"/>
+                  </a:lnRef>
+                  <a:fillRef idx="0">
+                    <a:schemeClr val="accent5"/>
+                  </a:fillRef>
+                  <a:effectRef idx="0">
+                    <a:schemeClr val="accent5"/>
+                  </a:effectRef>
+                  <a:fontRef idx="minor">
+                    <a:schemeClr val="tx1"/>
+                  </a:fontRef>
+                </p:style>
+                <p:txBody>
+                  <a:bodyPr rtlCol="0" anchor="ctr"/>
+                  <a:lstStyle/>
+                  <a:p>
+                    <a:pPr algn="ctr"/>
+                    <a:endParaRPr lang="sv-SE"/>
+                  </a:p>
+                </p:txBody>
+              </p:sp>
+            </p:grpSp>
+            <p:grpSp>
+              <p:nvGrpSpPr>
+                <p:cNvPr id="102" name="Grupp 101">
+                  <a:extLst>
+                    <a:ext uri="{FF2B5EF4-FFF2-40B4-BE49-F238E27FC236}">
+                      <a16:creationId xmlns:a16="http://schemas.microsoft.com/office/drawing/2014/main" id="{DB6298B4-AECE-F746-8930-7F53CB8A47DE}"/>
+                    </a:ext>
+                  </a:extLst>
+                </p:cNvPr>
+                <p:cNvGrpSpPr/>
+                <p:nvPr/>
+              </p:nvGrpSpPr>
+              <p:grpSpPr>
+                <a:xfrm rot="10036646">
+                  <a:off x="3091541" y="4787900"/>
+                  <a:ext cx="559706" cy="559706"/>
+                  <a:chOff x="3091541" y="4787900"/>
+                  <a:chExt cx="559706" cy="559706"/>
+                </a:xfrm>
+              </p:grpSpPr>
+              <p:sp>
+                <p:nvSpPr>
+                  <p:cNvPr id="103" name="Båge 102">
+                    <a:extLst>
+                      <a:ext uri="{FF2B5EF4-FFF2-40B4-BE49-F238E27FC236}">
+                        <a16:creationId xmlns:a16="http://schemas.microsoft.com/office/drawing/2014/main" id="{16542B26-CFBE-BC40-9961-8D00E38B307D}"/>
+                      </a:ext>
+                    </a:extLst>
+                  </p:cNvPr>
+                  <p:cNvSpPr/>
+                  <p:nvPr/>
+                </p:nvSpPr>
+                <p:spPr>
+                  <a:xfrm>
+                    <a:off x="3091541" y="4787900"/>
+                    <a:ext cx="559706" cy="559706"/>
+                  </a:xfrm>
+                  <a:prstGeom prst="arc">
+                    <a:avLst/>
+                  </a:prstGeom>
+                  <a:ln w="127000"/>
+                </p:spPr>
+                <p:style>
+                  <a:lnRef idx="1">
+                    <a:schemeClr val="accent5"/>
+                  </a:lnRef>
+                  <a:fillRef idx="0">
+                    <a:schemeClr val="accent5"/>
+                  </a:fillRef>
+                  <a:effectRef idx="0">
+                    <a:schemeClr val="accent5"/>
+                  </a:effectRef>
+                  <a:fontRef idx="minor">
+                    <a:schemeClr val="tx1"/>
+                  </a:fontRef>
+                </p:style>
+                <p:txBody>
+                  <a:bodyPr rtlCol="0" anchor="ctr"/>
+                  <a:lstStyle/>
+                  <a:p>
+                    <a:pPr algn="ctr"/>
+                    <a:endParaRPr lang="sv-SE"/>
+                  </a:p>
+                </p:txBody>
+              </p:sp>
+              <p:sp>
+                <p:nvSpPr>
+                  <p:cNvPr id="104" name="Båge 103">
+                    <a:extLst>
+                      <a:ext uri="{FF2B5EF4-FFF2-40B4-BE49-F238E27FC236}">
+                        <a16:creationId xmlns:a16="http://schemas.microsoft.com/office/drawing/2014/main" id="{FCD651CE-AA5D-3D46-8696-F3620BDCF566}"/>
+                      </a:ext>
+                    </a:extLst>
+                  </p:cNvPr>
+                  <p:cNvSpPr/>
+                  <p:nvPr/>
+                </p:nvSpPr>
+                <p:spPr>
+                  <a:xfrm rot="5400000">
+                    <a:off x="3091541" y="4787900"/>
+                    <a:ext cx="559706" cy="559706"/>
+                  </a:xfrm>
+                  <a:prstGeom prst="arc">
+                    <a:avLst/>
+                  </a:prstGeom>
+                  <a:ln w="127000"/>
+                </p:spPr>
+                <p:style>
+                  <a:lnRef idx="1">
+                    <a:schemeClr val="accent5"/>
+                  </a:lnRef>
+                  <a:fillRef idx="0">
+                    <a:schemeClr val="accent5"/>
+                  </a:fillRef>
+                  <a:effectRef idx="0">
+                    <a:schemeClr val="accent5"/>
+                  </a:effectRef>
+                  <a:fontRef idx="minor">
+                    <a:schemeClr val="tx1"/>
+                  </a:fontRef>
+                </p:style>
+                <p:txBody>
+                  <a:bodyPr rtlCol="0" anchor="ctr"/>
+                  <a:lstStyle/>
+                  <a:p>
+                    <a:pPr algn="ctr"/>
+                    <a:endParaRPr lang="sv-SE"/>
+                  </a:p>
+                </p:txBody>
+              </p:sp>
+            </p:grpSp>
+          </p:grpSp>
+          <p:grpSp>
+            <p:nvGrpSpPr>
+              <p:cNvPr id="93" name="Grupp 92">
+                <a:extLst>
+                  <a:ext uri="{FF2B5EF4-FFF2-40B4-BE49-F238E27FC236}">
+                    <a16:creationId xmlns:a16="http://schemas.microsoft.com/office/drawing/2014/main" id="{90DD2837-091A-5046-8C2F-2CD8A06A8595}"/>
+                  </a:ext>
+                </a:extLst>
+              </p:cNvPr>
+              <p:cNvGrpSpPr/>
+              <p:nvPr/>
+            </p:nvGrpSpPr>
+            <p:grpSpPr>
+              <a:xfrm rot="11489042">
+                <a:off x="5888002" y="4709433"/>
+                <a:ext cx="429371" cy="429371"/>
+                <a:chOff x="3091541" y="4787900"/>
+                <a:chExt cx="559706" cy="559706"/>
+              </a:xfrm>
+            </p:grpSpPr>
+            <p:sp>
+              <p:nvSpPr>
+                <p:cNvPr id="99" name="Båge 98">
+                  <a:extLst>
+                    <a:ext uri="{FF2B5EF4-FFF2-40B4-BE49-F238E27FC236}">
+                      <a16:creationId xmlns:a16="http://schemas.microsoft.com/office/drawing/2014/main" id="{616DD37D-5D1B-044A-B442-731200E6B203}"/>
+                    </a:ext>
+                  </a:extLst>
+                </p:cNvPr>
+                <p:cNvSpPr/>
+                <p:nvPr/>
+              </p:nvSpPr>
+              <p:spPr>
+                <a:xfrm>
+                  <a:off x="3091541" y="4787900"/>
+                  <a:ext cx="559706" cy="559706"/>
+                </a:xfrm>
+                <a:prstGeom prst="arc">
+                  <a:avLst/>
+                </a:prstGeom>
+                <a:ln w="127000"/>
+              </p:spPr>
+              <p:style>
+                <a:lnRef idx="1">
+                  <a:schemeClr val="accent5"/>
+                </a:lnRef>
+                <a:fillRef idx="0">
+                  <a:schemeClr val="accent5"/>
+                </a:fillRef>
+                <a:effectRef idx="0">
+                  <a:schemeClr val="accent5"/>
+                </a:effectRef>
+                <a:fontRef idx="minor">
+                  <a:schemeClr val="tx1"/>
+                </a:fontRef>
+              </p:style>
+              <p:txBody>
+                <a:bodyPr rtlCol="0" anchor="ctr"/>
+                <a:lstStyle/>
+                <a:p>
+                  <a:pPr algn="ctr"/>
+                  <a:endParaRPr lang="sv-SE"/>
+                </a:p>
+              </p:txBody>
+            </p:sp>
+            <p:sp>
+              <p:nvSpPr>
+                <p:cNvPr id="100" name="Båge 99">
+                  <a:extLst>
+                    <a:ext uri="{FF2B5EF4-FFF2-40B4-BE49-F238E27FC236}">
+                      <a16:creationId xmlns:a16="http://schemas.microsoft.com/office/drawing/2014/main" id="{C2D0B2C4-D19F-8543-87D1-1826E4F8094C}"/>
+                    </a:ext>
+                  </a:extLst>
+                </p:cNvPr>
+                <p:cNvSpPr/>
+                <p:nvPr/>
+              </p:nvSpPr>
+              <p:spPr>
+                <a:xfrm rot="5400000">
+                  <a:off x="3091541" y="4787900"/>
+                  <a:ext cx="559706" cy="559706"/>
+                </a:xfrm>
+                <a:prstGeom prst="arc">
+                  <a:avLst/>
+                </a:prstGeom>
+                <a:ln w="127000"/>
+              </p:spPr>
+              <p:style>
+                <a:lnRef idx="1">
+                  <a:schemeClr val="accent5"/>
+                </a:lnRef>
+                <a:fillRef idx="0">
+                  <a:schemeClr val="accent5"/>
+                </a:fillRef>
+                <a:effectRef idx="0">
+                  <a:schemeClr val="accent5"/>
+                </a:effectRef>
+                <a:fontRef idx="minor">
+                  <a:schemeClr val="tx1"/>
+                </a:fontRef>
+              </p:style>
+              <p:txBody>
+                <a:bodyPr rtlCol="0" anchor="ctr"/>
+                <a:lstStyle/>
+                <a:p>
+                  <a:pPr algn="ctr"/>
+                  <a:endParaRPr lang="sv-SE"/>
+                </a:p>
+              </p:txBody>
+            </p:sp>
+          </p:grpSp>
+          <p:grpSp>
+            <p:nvGrpSpPr>
+              <p:cNvPr id="94" name="Grupp 93">
+                <a:extLst>
+                  <a:ext uri="{FF2B5EF4-FFF2-40B4-BE49-F238E27FC236}">
+                    <a16:creationId xmlns:a16="http://schemas.microsoft.com/office/drawing/2014/main" id="{220BEBC4-DCC2-9C49-9200-210F8BA5035C}"/>
+                  </a:ext>
+                </a:extLst>
+              </p:cNvPr>
+              <p:cNvGrpSpPr/>
+              <p:nvPr/>
+            </p:nvGrpSpPr>
+            <p:grpSpPr>
+              <a:xfrm rot="20887317">
+                <a:off x="5891137" y="4708877"/>
+                <a:ext cx="429371" cy="429371"/>
+                <a:chOff x="3091541" y="4787900"/>
+                <a:chExt cx="559706" cy="559706"/>
+              </a:xfrm>
+            </p:grpSpPr>
+            <p:sp>
+              <p:nvSpPr>
+                <p:cNvPr id="97" name="Båge 96">
+                  <a:extLst>
+                    <a:ext uri="{FF2B5EF4-FFF2-40B4-BE49-F238E27FC236}">
+                      <a16:creationId xmlns:a16="http://schemas.microsoft.com/office/drawing/2014/main" id="{426D0930-0184-1946-9FC8-0FD35A11B5D6}"/>
+                    </a:ext>
+                  </a:extLst>
+                </p:cNvPr>
+                <p:cNvSpPr/>
+                <p:nvPr/>
+              </p:nvSpPr>
+              <p:spPr>
+                <a:xfrm>
+                  <a:off x="3091541" y="4787900"/>
+                  <a:ext cx="559706" cy="559706"/>
+                </a:xfrm>
+                <a:prstGeom prst="arc">
+                  <a:avLst/>
+                </a:prstGeom>
+                <a:ln w="127000"/>
+              </p:spPr>
+              <p:style>
+                <a:lnRef idx="1">
+                  <a:schemeClr val="accent5"/>
+                </a:lnRef>
+                <a:fillRef idx="0">
+                  <a:schemeClr val="accent5"/>
+                </a:fillRef>
+                <a:effectRef idx="0">
+                  <a:schemeClr val="accent5"/>
+                </a:effectRef>
+                <a:fontRef idx="minor">
+                  <a:schemeClr val="tx1"/>
+                </a:fontRef>
+              </p:style>
+              <p:txBody>
+                <a:bodyPr rtlCol="0" anchor="ctr"/>
+                <a:lstStyle/>
+                <a:p>
+                  <a:pPr algn="ctr"/>
+                  <a:endParaRPr lang="sv-SE"/>
+                </a:p>
+              </p:txBody>
+            </p:sp>
+            <p:sp>
+              <p:nvSpPr>
+                <p:cNvPr id="98" name="Båge 97">
+                  <a:extLst>
+                    <a:ext uri="{FF2B5EF4-FFF2-40B4-BE49-F238E27FC236}">
+                      <a16:creationId xmlns:a16="http://schemas.microsoft.com/office/drawing/2014/main" id="{E7F8B5BB-3A90-C94B-B72E-A4A3E5ABD086}"/>
+                    </a:ext>
+                  </a:extLst>
+                </p:cNvPr>
+                <p:cNvSpPr/>
+                <p:nvPr/>
+              </p:nvSpPr>
+              <p:spPr>
+                <a:xfrm rot="5400000">
+                  <a:off x="3091541" y="4787900"/>
+                  <a:ext cx="559706" cy="559706"/>
+                </a:xfrm>
+                <a:prstGeom prst="arc">
+                  <a:avLst/>
+                </a:prstGeom>
+                <a:ln w="127000"/>
+              </p:spPr>
+              <p:style>
+                <a:lnRef idx="1">
+                  <a:schemeClr val="accent5"/>
+                </a:lnRef>
+                <a:fillRef idx="0">
+                  <a:schemeClr val="accent5"/>
+                </a:fillRef>
+                <a:effectRef idx="0">
+                  <a:schemeClr val="accent5"/>
+                </a:effectRef>
+                <a:fontRef idx="minor">
+                  <a:schemeClr val="tx1"/>
+                </a:fontRef>
+              </p:style>
+              <p:txBody>
+                <a:bodyPr rtlCol="0" anchor="ctr"/>
+                <a:lstStyle/>
+                <a:p>
+                  <a:pPr algn="ctr"/>
+                  <a:endParaRPr lang="sv-SE"/>
+                </a:p>
+              </p:txBody>
+            </p:sp>
+          </p:grpSp>
+          <p:sp>
+            <p:nvSpPr>
+              <p:cNvPr id="95" name="Vänster hakparentes 94">
+                <a:extLst>
+                  <a:ext uri="{FF2B5EF4-FFF2-40B4-BE49-F238E27FC236}">
+                    <a16:creationId xmlns:a16="http://schemas.microsoft.com/office/drawing/2014/main" id="{AA91BA9D-56FC-3442-947C-83AFEAB44E56}"/>
+                  </a:ext>
+                </a:extLst>
+              </p:cNvPr>
+              <p:cNvSpPr/>
+              <p:nvPr/>
+            </p:nvSpPr>
+            <p:spPr>
+              <a:xfrm rot="5400000">
+                <a:off x="6039346" y="5081035"/>
+                <a:ext cx="76200" cy="45719"/>
+              </a:xfrm>
+              <a:prstGeom prst="leftBracket">
+                <a:avLst/>
+              </a:prstGeom>
+              <a:ln w="127000"/>
+            </p:spPr>
+            <p:style>
+              <a:lnRef idx="1">
+                <a:schemeClr val="accent5"/>
+              </a:lnRef>
+              <a:fillRef idx="0">
+                <a:schemeClr val="accent5"/>
+              </a:fillRef>
+              <a:effectRef idx="0">
+                <a:schemeClr val="accent5"/>
+              </a:effectRef>
+              <a:fontRef idx="minor">
+                <a:schemeClr val="tx1"/>
+              </a:fontRef>
+            </p:style>
+            <p:txBody>
+              <a:bodyPr rtlCol="0" anchor="ctr"/>
+              <a:lstStyle/>
+              <a:p>
+                <a:pPr algn="ctr"/>
+                <a:endParaRPr lang="sv-SE"/>
+              </a:p>
+            </p:txBody>
+          </p:sp>
+          <p:sp>
+            <p:nvSpPr>
+              <p:cNvPr id="96" name="Vänster hakparentes 95">
+                <a:extLst>
+                  <a:ext uri="{FF2B5EF4-FFF2-40B4-BE49-F238E27FC236}">
+                    <a16:creationId xmlns:a16="http://schemas.microsoft.com/office/drawing/2014/main" id="{66BEC611-3CF8-2C46-8C23-65D04D93E3A6}"/>
+                  </a:ext>
+                </a:extLst>
+              </p:cNvPr>
+              <p:cNvSpPr/>
+              <p:nvPr/>
+            </p:nvSpPr>
+            <p:spPr>
+              <a:xfrm rot="5400000">
+                <a:off x="6092595" y="5081036"/>
+                <a:ext cx="76200" cy="45719"/>
+              </a:xfrm>
+              <a:prstGeom prst="leftBracket">
+                <a:avLst/>
+              </a:prstGeom>
+              <a:ln w="127000"/>
+            </p:spPr>
+            <p:style>
+              <a:lnRef idx="1">
+                <a:schemeClr val="accent5"/>
+              </a:lnRef>
+              <a:fillRef idx="0">
+                <a:schemeClr val="accent5"/>
+              </a:fillRef>
+              <a:effectRef idx="0">
+                <a:schemeClr val="accent5"/>
+              </a:effectRef>
+              <a:fontRef idx="minor">
+                <a:schemeClr val="tx1"/>
+              </a:fontRef>
+            </p:style>
+            <p:txBody>
+              <a:bodyPr rtlCol="0" anchor="ctr"/>
+              <a:lstStyle/>
+              <a:p>
+                <a:pPr algn="ctr"/>
+                <a:endParaRPr lang="sv-SE"/>
+              </a:p>
+            </p:txBody>
+          </p:sp>
+        </p:grpSp>
+        <p:sp>
+          <p:nvSpPr>
+            <p:cNvPr id="82" name="Rektangel 81">
+              <a:extLst>
+                <a:ext uri="{FF2B5EF4-FFF2-40B4-BE49-F238E27FC236}">
+                  <a16:creationId xmlns:a16="http://schemas.microsoft.com/office/drawing/2014/main" id="{D32E5B31-4E33-F446-8CA0-D767FFABB60D}"/>
+                </a:ext>
+              </a:extLst>
+            </p:cNvPr>
+            <p:cNvSpPr/>
+            <p:nvPr/>
+          </p:nvSpPr>
+          <p:spPr>
+            <a:xfrm>
+              <a:off x="6055569" y="2668558"/>
+              <a:ext cx="87086" cy="1315613"/>
+            </a:xfrm>
+            <a:prstGeom prst="rect">
+              <a:avLst/>
+            </a:prstGeom>
+            <a:ln w="127000"/>
+          </p:spPr>
+          <p:style>
+            <a:lnRef idx="2">
+              <a:schemeClr val="accent1">
+                <a:shade val="50000"/>
+              </a:schemeClr>
+            </a:lnRef>
+            <a:fillRef idx="1">
+              <a:schemeClr val="accent1"/>
+            </a:fillRef>
+            <a:effectRef idx="0">
+              <a:schemeClr val="accent1"/>
+            </a:effectRef>
+            <a:fontRef idx="minor">
+              <a:schemeClr val="lt1"/>
+            </a:fontRef>
+          </p:style>
+          <p:txBody>
+            <a:bodyPr rtlCol="0" anchor="ctr"/>
+            <a:lstStyle/>
+            <a:p>
+              <a:pPr algn="ctr"/>
+              <a:endParaRPr lang="sv-SE"/>
+            </a:p>
+          </p:txBody>
+        </p:sp>
+        <p:sp>
+          <p:nvSpPr>
+            <p:cNvPr id="83" name="Rektangel: rundade hörn 3">
+              <a:extLst>
+                <a:ext uri="{FF2B5EF4-FFF2-40B4-BE49-F238E27FC236}">
+                  <a16:creationId xmlns:a16="http://schemas.microsoft.com/office/drawing/2014/main" id="{A9E7CAEA-4B88-B142-90EF-4F2199375E8F}"/>
+                </a:ext>
+              </a:extLst>
+            </p:cNvPr>
+            <p:cNvSpPr/>
+            <p:nvPr/>
+          </p:nvSpPr>
+          <p:spPr>
+            <a:xfrm>
+              <a:off x="5426684" y="1950098"/>
+              <a:ext cx="1399592" cy="727788"/>
+            </a:xfrm>
+            <a:prstGeom prst="roundRect">
+              <a:avLst/>
+            </a:prstGeom>
+            <a:ln w="127000"/>
+          </p:spPr>
+          <p:style>
+            <a:lnRef idx="2">
+              <a:schemeClr val="accent1">
+                <a:shade val="50000"/>
+              </a:schemeClr>
+            </a:lnRef>
+            <a:fillRef idx="1">
+              <a:schemeClr val="accent1"/>
+            </a:fillRef>
+            <a:effectRef idx="0">
+              <a:schemeClr val="accent1"/>
+            </a:effectRef>
+            <a:fontRef idx="minor">
+              <a:schemeClr val="lt1"/>
+            </a:fontRef>
+          </p:style>
+          <p:txBody>
+            <a:bodyPr rtlCol="0" anchor="ctr"/>
+            <a:lstStyle/>
+            <a:p>
+              <a:pPr algn="ctr"/>
+              <a:r>
+                <a:rPr lang="sv-SE" sz="16600" dirty="0"/>
+                <a:t>HFNO</a:t>
+              </a:r>
+            </a:p>
+          </p:txBody>
+        </p:sp>
+        <p:grpSp>
+          <p:nvGrpSpPr>
+            <p:cNvPr id="84" name="Grupp 83">
+              <a:extLst>
+                <a:ext uri="{FF2B5EF4-FFF2-40B4-BE49-F238E27FC236}">
+                  <a16:creationId xmlns:a16="http://schemas.microsoft.com/office/drawing/2014/main" id="{3CA83EAB-FFC0-B945-864F-505CB7D0026E}"/>
+                </a:ext>
+              </a:extLst>
+            </p:cNvPr>
+            <p:cNvGrpSpPr/>
+            <p:nvPr/>
+          </p:nvGrpSpPr>
+          <p:grpSpPr>
+            <a:xfrm>
+              <a:off x="4348065" y="2000928"/>
+              <a:ext cx="3593551" cy="653341"/>
+              <a:chOff x="4348065" y="2000928"/>
+              <a:chExt cx="3593551" cy="653341"/>
+            </a:xfrm>
+          </p:grpSpPr>
+          <p:sp>
+            <p:nvSpPr>
+              <p:cNvPr id="86" name="Pil: höger 28">
+                <a:extLst>
+                  <a:ext uri="{FF2B5EF4-FFF2-40B4-BE49-F238E27FC236}">
+                    <a16:creationId xmlns:a16="http://schemas.microsoft.com/office/drawing/2014/main" id="{363C75D7-0505-CB48-AEB6-788F3DBD2EA3}"/>
+                  </a:ext>
+                </a:extLst>
+              </p:cNvPr>
+              <p:cNvSpPr/>
+              <p:nvPr/>
+            </p:nvSpPr>
+            <p:spPr>
+              <a:xfrm>
+                <a:off x="4926563" y="2239344"/>
+                <a:ext cx="500121" cy="167951"/>
+              </a:xfrm>
+              <a:prstGeom prst="rightArrow">
+                <a:avLst/>
+              </a:prstGeom>
+              <a:solidFill>
+                <a:schemeClr val="bg1"/>
+              </a:solidFill>
+              <a:ln w="203200">
+                <a:solidFill>
+                  <a:schemeClr val="accent1"/>
+                </a:solidFill>
+              </a:ln>
+            </p:spPr>
+            <p:style>
+              <a:lnRef idx="2">
+                <a:schemeClr val="accent1">
+                  <a:shade val="50000"/>
+                </a:schemeClr>
+              </a:lnRef>
+              <a:fillRef idx="1">
+                <a:schemeClr val="accent1"/>
+              </a:fillRef>
+              <a:effectRef idx="0">
+                <a:schemeClr val="accent1"/>
+              </a:effectRef>
+              <a:fontRef idx="minor">
+                <a:schemeClr val="lt1"/>
+              </a:fontRef>
+            </p:style>
+            <p:txBody>
+              <a:bodyPr rtlCol="0" anchor="ctr"/>
+              <a:lstStyle/>
+              <a:p>
+                <a:pPr algn="ctr"/>
+                <a:endParaRPr lang="sv-SE"/>
+              </a:p>
+            </p:txBody>
+          </p:sp>
+          <p:sp>
+            <p:nvSpPr>
+              <p:cNvPr id="87" name="Ellips 86">
+                <a:extLst>
+                  <a:ext uri="{FF2B5EF4-FFF2-40B4-BE49-F238E27FC236}">
+                    <a16:creationId xmlns:a16="http://schemas.microsoft.com/office/drawing/2014/main" id="{EB8C21BA-2205-0C4A-B627-09BDB526C4E3}"/>
+                  </a:ext>
+                </a:extLst>
+              </p:cNvPr>
+              <p:cNvSpPr/>
+              <p:nvPr/>
+            </p:nvSpPr>
+            <p:spPr>
+              <a:xfrm>
+                <a:off x="4348065" y="2001126"/>
+                <a:ext cx="653143" cy="653143"/>
+              </a:xfrm>
+              <a:prstGeom prst="ellipse">
+                <a:avLst/>
+              </a:prstGeom>
+              <a:solidFill>
+                <a:schemeClr val="bg1"/>
+              </a:solidFill>
+              <a:ln w="203200" cap="flat" cmpd="sng" algn="ctr">
+                <a:solidFill>
+                  <a:schemeClr val="accent1"/>
+                </a:solidFill>
+                <a:prstDash val="solid"/>
+                <a:round/>
+                <a:headEnd type="none" w="med" len="med"/>
+                <a:tailEnd type="none" w="med" len="med"/>
+              </a:ln>
+            </p:spPr>
+            <p:style>
+              <a:lnRef idx="0">
+                <a:scrgbClr r="0" g="0" b="0"/>
+              </a:lnRef>
+              <a:fillRef idx="0">
+                <a:scrgbClr r="0" g="0" b="0"/>
+              </a:fillRef>
+              <a:effectRef idx="0">
+                <a:scrgbClr r="0" g="0" b="0"/>
+              </a:effectRef>
+              <a:fontRef idx="minor">
+                <a:schemeClr val="accent1"/>
+              </a:fontRef>
+            </p:style>
+            <p:txBody>
+              <a:bodyPr rtlCol="0" anchor="ctr"/>
+              <a:lstStyle/>
+              <a:p>
+                <a:pPr algn="ctr"/>
+                <a:r>
+                  <a:rPr lang="sv-SE" sz="11500" dirty="0"/>
+                  <a:t>O2</a:t>
+                </a:r>
+                <a:endParaRPr lang="sv-SE" sz="13800" dirty="0"/>
+              </a:p>
+            </p:txBody>
+          </p:sp>
+          <p:sp>
+            <p:nvSpPr>
+              <p:cNvPr id="88" name="Pil: höger 32">
+                <a:extLst>
+                  <a:ext uri="{FF2B5EF4-FFF2-40B4-BE49-F238E27FC236}">
+                    <a16:creationId xmlns:a16="http://schemas.microsoft.com/office/drawing/2014/main" id="{08BAC957-F002-DD46-BF89-5676107C3FA0}"/>
+                  </a:ext>
+                </a:extLst>
+              </p:cNvPr>
+              <p:cNvSpPr/>
+              <p:nvPr/>
+            </p:nvSpPr>
+            <p:spPr>
+              <a:xfrm flipH="1">
+                <a:off x="6826276" y="2248672"/>
+                <a:ext cx="500120" cy="167951"/>
+              </a:xfrm>
+              <a:prstGeom prst="rightArrow">
+                <a:avLst/>
+              </a:prstGeom>
+              <a:solidFill>
+                <a:schemeClr val="bg1"/>
+              </a:solidFill>
+              <a:ln w="203200">
+                <a:solidFill>
+                  <a:schemeClr val="tx2">
+                    <a:lumMod val="60000"/>
+                    <a:lumOff val="40000"/>
+                  </a:schemeClr>
+                </a:solidFill>
+              </a:ln>
+            </p:spPr>
+            <p:style>
+              <a:lnRef idx="2">
+                <a:schemeClr val="accent1">
+                  <a:shade val="50000"/>
+                </a:schemeClr>
+              </a:lnRef>
+              <a:fillRef idx="1">
+                <a:schemeClr val="accent1"/>
+              </a:fillRef>
+              <a:effectRef idx="0">
+                <a:schemeClr val="accent1"/>
+              </a:effectRef>
+              <a:fontRef idx="minor">
+                <a:schemeClr val="lt1"/>
+              </a:fontRef>
+            </p:style>
+            <p:txBody>
+              <a:bodyPr rtlCol="0" anchor="ctr"/>
+              <a:lstStyle/>
+              <a:p>
+                <a:pPr algn="ctr"/>
+                <a:endParaRPr lang="sv-SE"/>
+              </a:p>
+            </p:txBody>
+          </p:sp>
+          <p:sp>
+            <p:nvSpPr>
+              <p:cNvPr id="89" name="Ellips 88">
+                <a:extLst>
+                  <a:ext uri="{FF2B5EF4-FFF2-40B4-BE49-F238E27FC236}">
+                    <a16:creationId xmlns:a16="http://schemas.microsoft.com/office/drawing/2014/main" id="{22766FCF-CAE7-F646-85FC-EFF7F11D4A32}"/>
+                  </a:ext>
+                </a:extLst>
+              </p:cNvPr>
+              <p:cNvSpPr/>
+              <p:nvPr/>
+            </p:nvSpPr>
+            <p:spPr>
+              <a:xfrm flipH="1">
+                <a:off x="7288474" y="2000928"/>
+                <a:ext cx="653142" cy="653143"/>
+              </a:xfrm>
+              <a:prstGeom prst="ellipse">
+                <a:avLst/>
+              </a:prstGeom>
+              <a:solidFill>
+                <a:schemeClr val="bg1"/>
+              </a:solidFill>
+              <a:ln w="203200" cap="flat" cmpd="sng" algn="ctr">
+                <a:solidFill>
+                  <a:schemeClr val="tx2">
+                    <a:lumMod val="60000"/>
+                    <a:lumOff val="40000"/>
+                  </a:schemeClr>
+                </a:solidFill>
+                <a:prstDash val="solid"/>
+                <a:round/>
+                <a:headEnd type="none" w="med" len="med"/>
+                <a:tailEnd type="none" w="med" len="med"/>
+              </a:ln>
+            </p:spPr>
+            <p:style>
+              <a:lnRef idx="0">
+                <a:scrgbClr r="0" g="0" b="0"/>
+              </a:lnRef>
+              <a:fillRef idx="0">
+                <a:scrgbClr r="0" g="0" b="0"/>
+              </a:fillRef>
+              <a:effectRef idx="0">
+                <a:scrgbClr r="0" g="0" b="0"/>
+              </a:effectRef>
+              <a:fontRef idx="minor">
+                <a:schemeClr val="accent1"/>
+              </a:fontRef>
+            </p:style>
+            <p:txBody>
+              <a:bodyPr rtlCol="0" anchor="ctr"/>
+              <a:lstStyle/>
+              <a:p>
+                <a:pPr algn="ctr"/>
+                <a:r>
+                  <a:rPr lang="sv-SE" sz="11500" dirty="0"/>
+                  <a:t>H2O</a:t>
+                </a:r>
+              </a:p>
+            </p:txBody>
+          </p:sp>
+        </p:grpSp>
+        <p:sp>
+          <p:nvSpPr>
+            <p:cNvPr id="85" name="textruta 84">
+              <a:extLst>
+                <a:ext uri="{FF2B5EF4-FFF2-40B4-BE49-F238E27FC236}">
+                  <a16:creationId xmlns:a16="http://schemas.microsoft.com/office/drawing/2014/main" id="{E59ED211-A5B4-8846-81F4-13335033A8E2}"/>
+                </a:ext>
+              </a:extLst>
+            </p:cNvPr>
+            <p:cNvSpPr txBox="1"/>
+            <p:nvPr/>
+          </p:nvSpPr>
+          <p:spPr>
+            <a:xfrm>
+              <a:off x="6220874" y="2946585"/>
+              <a:ext cx="557501" cy="347696"/>
+            </a:xfrm>
+            <a:prstGeom prst="rect">
+              <a:avLst/>
+            </a:prstGeom>
+            <a:noFill/>
+          </p:spPr>
+          <p:txBody>
+            <a:bodyPr wrap="none" rtlCol="0">
+              <a:spAutoFit/>
+            </a:bodyPr>
+            <a:lstStyle/>
+            <a:p>
+              <a:r>
+                <a:rPr lang="sv-SE" sz="8000" dirty="0"/>
+                <a:t>30 </a:t>
+              </a:r>
+              <a:r>
+                <a:rPr lang="sv-SE" sz="8000" dirty="0" err="1"/>
+                <a:t>lpm</a:t>
+              </a:r>
+              <a:endParaRPr lang="sv-SE" sz="8000" dirty="0"/>
+            </a:p>
+            <a:p>
+              <a:r>
+                <a:rPr lang="sv-SE" sz="8000" dirty="0"/>
+                <a:t>50% FiO2</a:t>
+              </a:r>
+            </a:p>
+          </p:txBody>
+        </p:sp>
+      </p:grpSp>
+    </p:spTree>
+    <p:extLst>
+      <p:ext uri="{BB962C8B-B14F-4D97-AF65-F5344CB8AC3E}">
+        <p14:creationId xmlns:p14="http://schemas.microsoft.com/office/powerpoint/2010/main" val="3972290142"/>
+      </p:ext>
+    </p:extLst>
+  </p:cSld>
+  <p:clrMapOvr>
+    <a:masterClrMapping/>
+  </p:clrMapOvr>
+</p:sld>
+</file>
+
+<file path=ppt/slides/slide7.xml><?xml version="1.0" encoding="utf-8"?>
 <p:sld xmlns:a="http://schemas.openxmlformats.org/drawingml/2006/main" xmlns:r="http://schemas.openxmlformats.org/officeDocument/2006/relationships" xmlns:p="http://schemas.openxmlformats.org/presentationml/2006/main">
   <p:cSld>
     <p:spTree>
@@ -14748,7 +20706,7 @@
 </p:sld>
 </file>
 
-<file path=ppt/slides/slide6.xml><?xml version="1.0" encoding="utf-8"?>
+<file path=ppt/slides/slide8.xml><?xml version="1.0" encoding="utf-8"?>
 <p:sld xmlns:a="http://schemas.openxmlformats.org/drawingml/2006/main" xmlns:r="http://schemas.openxmlformats.org/officeDocument/2006/relationships" xmlns:p="http://schemas.openxmlformats.org/presentationml/2006/main">
   <p:cSld>
     <p:spTree>
@@ -17955,7 +23913,7 @@
 </p:sld>
 </file>
 
-<file path=ppt/slides/slide7.xml><?xml version="1.0" encoding="utf-8"?>
+<file path=ppt/slides/slide9.xml><?xml version="1.0" encoding="utf-8"?>
 <p:sld xmlns:a="http://schemas.openxmlformats.org/drawingml/2006/main" xmlns:r="http://schemas.openxmlformats.org/officeDocument/2006/relationships" xmlns:p="http://schemas.openxmlformats.org/presentationml/2006/main">
   <p:cSld>
     <p:spTree>
@@ -21944,808 +27902,6 @@
 </p:sld>
 </file>
 
-<file path=ppt/slides/slide8.xml><?xml version="1.0" encoding="utf-8"?>
-<p:sld xmlns:a="http://schemas.openxmlformats.org/drawingml/2006/main" xmlns:r="http://schemas.openxmlformats.org/officeDocument/2006/relationships" xmlns:p="http://schemas.openxmlformats.org/presentationml/2006/main">
-  <p:cSld>
-    <p:spTree>
-      <p:nvGrpSpPr>
-        <p:cNvPr id="1" name=""/>
-        <p:cNvGrpSpPr/>
-        <p:nvPr/>
-      </p:nvGrpSpPr>
-      <p:grpSpPr>
-        <a:xfrm>
-          <a:off x="0" y="0"/>
-          <a:ext cx="0" cy="0"/>
-          <a:chOff x="0" y="0"/>
-          <a:chExt cx="0" cy="0"/>
-        </a:xfrm>
-      </p:grpSpPr>
-      <p:sp>
-        <p:nvSpPr>
-          <p:cNvPr id="2" name="Rubrik 1">
-            <a:extLst>
-              <a:ext uri="{FF2B5EF4-FFF2-40B4-BE49-F238E27FC236}">
-                <a16:creationId xmlns:a16="http://schemas.microsoft.com/office/drawing/2014/main" id="{84830902-C6E3-48F0-9F40-6D4ED4046346}"/>
-              </a:ext>
-            </a:extLst>
-          </p:cNvPr>
-          <p:cNvSpPr>
-            <a:spLocks noGrp="1"/>
-          </p:cNvSpPr>
-          <p:nvPr>
-            <p:ph type="title"/>
-          </p:nvPr>
-        </p:nvSpPr>
-        <p:spPr/>
-        <p:txBody>
-          <a:bodyPr/>
-          <a:lstStyle/>
-          <a:p>
-            <a:endParaRPr lang="sv-SE"/>
-          </a:p>
-        </p:txBody>
-      </p:sp>
-      <p:pic>
-        <p:nvPicPr>
-          <p:cNvPr id="8" name="Platshållare för innehåll 7" descr="En bild som visar inomhus, bord, flaska, sitter&#10;&#10;Automatiskt genererad beskrivning">
-            <a:extLst>
-              <a:ext uri="{FF2B5EF4-FFF2-40B4-BE49-F238E27FC236}">
-                <a16:creationId xmlns:a16="http://schemas.microsoft.com/office/drawing/2014/main" id="{77C843E7-B3F7-4F02-956A-F4CBF9080498}"/>
-              </a:ext>
-            </a:extLst>
-          </p:cNvPr>
-          <p:cNvPicPr>
-            <a:picLocks noGrp="1" noChangeAspect="1"/>
-          </p:cNvPicPr>
-          <p:nvPr>
-            <p:ph idx="1"/>
-          </p:nvPr>
-        </p:nvPicPr>
-        <p:blipFill>
-          <a:blip r:embed="rId2">
-            <a:extLst>
-              <a:ext uri="{28A0092B-C50C-407E-A947-70E740481C1C}">
-                <a14:useLocalDpi xmlns:a14="http://schemas.microsoft.com/office/drawing/2010/main" val="0"/>
-              </a:ext>
-            </a:extLst>
-          </a:blip>
-          <a:stretch>
-            <a:fillRect/>
-          </a:stretch>
-        </p:blipFill>
-        <p:spPr>
-          <a:xfrm>
-            <a:off x="-281941" y="-126175"/>
-            <a:ext cx="12740642" cy="6449950"/>
-          </a:xfrm>
-        </p:spPr>
-      </p:pic>
-      <p:sp>
-        <p:nvSpPr>
-          <p:cNvPr id="5" name="textruta 4">
-            <a:extLst>
-              <a:ext uri="{FF2B5EF4-FFF2-40B4-BE49-F238E27FC236}">
-                <a16:creationId xmlns:a16="http://schemas.microsoft.com/office/drawing/2014/main" id="{0DC5292B-5C89-4579-9DF7-77925CB0280E}"/>
-              </a:ext>
-            </a:extLst>
-          </p:cNvPr>
-          <p:cNvSpPr txBox="1"/>
-          <p:nvPr/>
-        </p:nvSpPr>
-        <p:spPr>
-          <a:xfrm>
-            <a:off x="496095" y="6444734"/>
-            <a:ext cx="2439579" cy="369332"/>
-          </a:xfrm>
-          <a:prstGeom prst="rect">
-            <a:avLst/>
-          </a:prstGeom>
-          <a:noFill/>
-        </p:spPr>
-        <p:txBody>
-          <a:bodyPr wrap="none" rtlCol="0">
-            <a:spAutoFit/>
-          </a:bodyPr>
-          <a:lstStyle/>
-          <a:p>
-            <a:r>
-              <a:rPr lang="sv-SE" dirty="0">
-                <a:solidFill>
-                  <a:schemeClr val="bg1"/>
-                </a:solidFill>
-              </a:rPr>
-              <a:t>Projekt: Dubblerat flöde</a:t>
-            </a:r>
-          </a:p>
-        </p:txBody>
-      </p:sp>
-      <p:pic>
-        <p:nvPicPr>
-          <p:cNvPr id="6" name="Bildobjekt 5">
-            <a:extLst>
-              <a:ext uri="{FF2B5EF4-FFF2-40B4-BE49-F238E27FC236}">
-                <a16:creationId xmlns:a16="http://schemas.microsoft.com/office/drawing/2014/main" id="{D9BEF862-41A8-48ED-A6E2-B7C23AB53A75}"/>
-              </a:ext>
-            </a:extLst>
-          </p:cNvPr>
-          <p:cNvPicPr>
-            <a:picLocks noChangeAspect="1"/>
-          </p:cNvPicPr>
-          <p:nvPr/>
-        </p:nvPicPr>
-        <p:blipFill rotWithShape="1">
-          <a:blip r:embed="rId3">
-            <a:clrChange>
-              <a:clrFrom>
-                <a:srgbClr val="1A1A1A"/>
-              </a:clrFrom>
-              <a:clrTo>
-                <a:srgbClr val="1A1A1A">
-                  <a:alpha val="0"/>
-                </a:srgbClr>
-              </a:clrTo>
-            </a:clrChange>
-            <a:extLst>
-              <a:ext uri="{BEBA8EAE-BF5A-486C-A8C5-ECC9F3942E4B}">
-                <a14:imgProps xmlns:a14="http://schemas.microsoft.com/office/drawing/2010/main">
-                  <a14:imgLayer r:embed="rId4">
-                    <a14:imgEffect>
-                      <a14:backgroundRemoval t="31143" b="58000" l="82399" r="90507">
-                        <a14:foregroundMark x1="82399" y1="44762" x2="82399" y2="44762"/>
-                        <a14:foregroundMark x1="90473" y1="38857" x2="90473" y2="38857"/>
-                        <a14:foregroundMark x1="90507" y1="50571" x2="90507" y2="50571"/>
-                      </a14:backgroundRemoval>
-                    </a14:imgEffect>
-                  </a14:imgLayer>
-                </a14:imgProps>
-              </a:ext>
-            </a:extLst>
-          </a:blip>
-          <a:srcRect l="81514" t="27904" r="8502" b="38552"/>
-          <a:stretch/>
-        </p:blipFill>
-        <p:spPr>
-          <a:xfrm rot="5400000">
-            <a:off x="238335" y="6456430"/>
-            <a:ext cx="300032" cy="357602"/>
-          </a:xfrm>
-          <a:prstGeom prst="rect">
-            <a:avLst/>
-          </a:prstGeom>
-        </p:spPr>
-      </p:pic>
-    </p:spTree>
-    <p:extLst>
-      <p:ext uri="{BB962C8B-B14F-4D97-AF65-F5344CB8AC3E}">
-        <p14:creationId xmlns:p14="http://schemas.microsoft.com/office/powerpoint/2010/main" val="2623061162"/>
-      </p:ext>
-    </p:extLst>
-  </p:cSld>
-  <p:clrMapOvr>
-    <a:masterClrMapping/>
-  </p:clrMapOvr>
-</p:sld>
-</file>
-
-<file path=ppt/slides/slide9.xml><?xml version="1.0" encoding="utf-8"?>
-<p:sld xmlns:a="http://schemas.openxmlformats.org/drawingml/2006/main" xmlns:r="http://schemas.openxmlformats.org/officeDocument/2006/relationships" xmlns:p="http://schemas.openxmlformats.org/presentationml/2006/main">
-  <p:cSld>
-    <p:bg>
-      <p:bgPr>
-        <a:solidFill>
-          <a:schemeClr val="bg1"/>
-        </a:solidFill>
-        <a:effectLst/>
-      </p:bgPr>
-    </p:bg>
-    <p:spTree>
-      <p:nvGrpSpPr>
-        <p:cNvPr id="1" name=""/>
-        <p:cNvGrpSpPr/>
-        <p:nvPr/>
-      </p:nvGrpSpPr>
-      <p:grpSpPr>
-        <a:xfrm>
-          <a:off x="0" y="0"/>
-          <a:ext cx="0" cy="0"/>
-          <a:chOff x="0" y="0"/>
-          <a:chExt cx="0" cy="0"/>
-        </a:xfrm>
-      </p:grpSpPr>
-      <p:sp>
-        <p:nvSpPr>
-          <p:cNvPr id="13" name="Rectangle 12">
-            <a:extLst>
-              <a:ext uri="{FF2B5EF4-FFF2-40B4-BE49-F238E27FC236}">
-                <a16:creationId xmlns:a16="http://schemas.microsoft.com/office/drawing/2014/main" id="{116A904D-80BE-42BB-A96F-14D33FFE0D88}"/>
-              </a:ext>
-              <a:ext uri="{C183D7F6-B498-43B3-948B-1728B52AA6E4}">
-                <adec:decorative xmlns:adec="http://schemas.microsoft.com/office/drawing/2017/decorative" val="1"/>
-              </a:ext>
-            </a:extLst>
-          </p:cNvPr>
-          <p:cNvSpPr>
-            <a:spLocks noGrp="1" noRot="1" noChangeAspect="1" noMove="1" noResize="1" noEditPoints="1" noAdjustHandles="1" noChangeArrowheads="1" noChangeShapeType="1" noTextEdit="1"/>
-          </p:cNvSpPr>
-          <p:nvPr>
-            <p:extLst>
-              <p:ext uri="{386F3935-93C4-4BCD-93E2-E3B085C9AB24}">
-                <p16:designElem xmlns:p16="http://schemas.microsoft.com/office/powerpoint/2015/main" val="1"/>
-              </p:ext>
-            </p:extLst>
-          </p:nvPr>
-        </p:nvSpPr>
-        <p:spPr>
-          <a:xfrm>
-            <a:off x="1" y="6400800"/>
-            <a:ext cx="12192000" cy="457200"/>
-          </a:xfrm>
-          <a:prstGeom prst="rect">
-            <a:avLst/>
-          </a:prstGeom>
-          <a:solidFill>
-            <a:schemeClr val="accent2"/>
-          </a:solidFill>
-          <a:ln>
-            <a:noFill/>
-          </a:ln>
-        </p:spPr>
-        <p:style>
-          <a:lnRef idx="2">
-            <a:schemeClr val="accent1">
-              <a:shade val="50000"/>
-            </a:schemeClr>
-          </a:lnRef>
-          <a:fillRef idx="1">
-            <a:schemeClr val="accent1"/>
-          </a:fillRef>
-          <a:effectRef idx="0">
-            <a:schemeClr val="accent1"/>
-          </a:effectRef>
-          <a:fontRef idx="minor">
-            <a:schemeClr val="lt1"/>
-          </a:fontRef>
-        </p:style>
-      </p:sp>
-      <p:sp>
-        <p:nvSpPr>
-          <p:cNvPr id="15" name="Rectangle 14">
-            <a:extLst>
-              <a:ext uri="{FF2B5EF4-FFF2-40B4-BE49-F238E27FC236}">
-                <a16:creationId xmlns:a16="http://schemas.microsoft.com/office/drawing/2014/main" id="{3E49CA6A-AA0D-433F-BA6F-E0F8DCBA8BD9}"/>
-              </a:ext>
-              <a:ext uri="{C183D7F6-B498-43B3-948B-1728B52AA6E4}">
-                <adec:decorative xmlns:adec="http://schemas.microsoft.com/office/drawing/2017/decorative" val="1"/>
-              </a:ext>
-            </a:extLst>
-          </p:cNvPr>
-          <p:cNvSpPr>
-            <a:spLocks noGrp="1" noRot="1" noChangeAspect="1" noMove="1" noResize="1" noEditPoints="1" noAdjustHandles="1" noChangeArrowheads="1" noChangeShapeType="1" noTextEdit="1"/>
-          </p:cNvSpPr>
-          <p:nvPr>
-            <p:extLst>
-              <p:ext uri="{386F3935-93C4-4BCD-93E2-E3B085C9AB24}">
-                <p16:designElem xmlns:p16="http://schemas.microsoft.com/office/powerpoint/2015/main" val="1"/>
-              </p:ext>
-            </p:extLst>
-          </p:nvPr>
-        </p:nvSpPr>
-        <p:spPr>
-          <a:xfrm>
-            <a:off x="1" y="6334316"/>
-            <a:ext cx="12192000" cy="66484"/>
-          </a:xfrm>
-          <a:prstGeom prst="rect">
-            <a:avLst/>
-          </a:prstGeom>
-          <a:solidFill>
-            <a:schemeClr val="accent1"/>
-          </a:solidFill>
-          <a:ln>
-            <a:noFill/>
-          </a:ln>
-        </p:spPr>
-        <p:style>
-          <a:lnRef idx="2">
-            <a:schemeClr val="accent1">
-              <a:shade val="50000"/>
-            </a:schemeClr>
-          </a:lnRef>
-          <a:fillRef idx="1">
-            <a:schemeClr val="accent1"/>
-          </a:fillRef>
-          <a:effectRef idx="0">
-            <a:schemeClr val="accent1"/>
-          </a:effectRef>
-          <a:fontRef idx="minor">
-            <a:schemeClr val="lt1"/>
-          </a:fontRef>
-        </p:style>
-      </p:sp>
-      <p:cxnSp>
-        <p:nvCxnSpPr>
-          <p:cNvPr id="17" name="Straight Connector 16">
-            <a:extLst>
-              <a:ext uri="{FF2B5EF4-FFF2-40B4-BE49-F238E27FC236}">
-                <a16:creationId xmlns:a16="http://schemas.microsoft.com/office/drawing/2014/main" id="{17706B1B-4321-47A1-B97B-3364729F7291}"/>
-              </a:ext>
-              <a:ext uri="{C183D7F6-B498-43B3-948B-1728B52AA6E4}">
-                <adec:decorative xmlns:adec="http://schemas.microsoft.com/office/drawing/2017/decorative" val="1"/>
-              </a:ext>
-            </a:extLst>
-          </p:cNvPr>
-          <p:cNvCxnSpPr>
-            <a:cxnSpLocks noGrp="1" noRot="1" noChangeAspect="1" noMove="1" noResize="1" noEditPoints="1" noAdjustHandles="1" noChangeArrowheads="1" noChangeShapeType="1"/>
-          </p:cNvCxnSpPr>
-          <p:nvPr>
-            <p:extLst>
-              <p:ext uri="{386F3935-93C4-4BCD-93E2-E3B085C9AB24}">
-                <p16:designElem xmlns:p16="http://schemas.microsoft.com/office/powerpoint/2015/main" val="1"/>
-              </p:ext>
-            </p:extLst>
-          </p:nvPr>
-        </p:nvCxnSpPr>
-        <p:spPr>
-          <a:xfrm>
-            <a:off x="1207658" y="4343400"/>
-            <a:ext cx="9875520" cy="0"/>
-          </a:xfrm>
-          <a:prstGeom prst="line">
-            <a:avLst/>
-          </a:prstGeom>
-          <a:ln w="6350">
-            <a:solidFill>
-              <a:schemeClr val="tx1">
-                <a:lumMod val="50000"/>
-                <a:lumOff val="50000"/>
-              </a:schemeClr>
-            </a:solidFill>
-          </a:ln>
-        </p:spPr>
-        <p:style>
-          <a:lnRef idx="1">
-            <a:schemeClr val="accent1"/>
-          </a:lnRef>
-          <a:fillRef idx="0">
-            <a:schemeClr val="accent1"/>
-          </a:fillRef>
-          <a:effectRef idx="0">
-            <a:schemeClr val="accent1"/>
-          </a:effectRef>
-          <a:fontRef idx="minor">
-            <a:schemeClr val="tx1"/>
-          </a:fontRef>
-        </p:style>
-      </p:cxnSp>
-      <p:sp useBgFill="1">
-        <p:nvSpPr>
-          <p:cNvPr id="19" name="Rectangle 18">
-            <a:extLst>
-              <a:ext uri="{FF2B5EF4-FFF2-40B4-BE49-F238E27FC236}">
-                <a16:creationId xmlns:a16="http://schemas.microsoft.com/office/drawing/2014/main" id="{B6432BCE-DFD0-492A-825D-B06B192162F1}"/>
-              </a:ext>
-              <a:ext uri="{C183D7F6-B498-43B3-948B-1728B52AA6E4}">
-                <adec:decorative xmlns:adec="http://schemas.microsoft.com/office/drawing/2017/decorative" val="1"/>
-              </a:ext>
-            </a:extLst>
-          </p:cNvPr>
-          <p:cNvSpPr>
-            <a:spLocks noGrp="1" noRot="1" noChangeAspect="1" noMove="1" noResize="1" noEditPoints="1" noAdjustHandles="1" noChangeArrowheads="1" noChangeShapeType="1" noTextEdit="1"/>
-          </p:cNvSpPr>
-          <p:nvPr>
-            <p:extLst>
-              <p:ext uri="{386F3935-93C4-4BCD-93E2-E3B085C9AB24}">
-                <p16:designElem xmlns:p16="http://schemas.microsoft.com/office/powerpoint/2015/main" val="1"/>
-              </p:ext>
-            </p:extLst>
-          </p:nvPr>
-        </p:nvSpPr>
-        <p:spPr>
-          <a:xfrm>
-            <a:off x="0" y="0"/>
-            <a:ext cx="12190459" cy="6858000"/>
-          </a:xfrm>
-          <a:prstGeom prst="rect">
-            <a:avLst/>
-          </a:prstGeom>
-          <a:ln>
-            <a:noFill/>
-          </a:ln>
-        </p:spPr>
-        <p:style>
-          <a:lnRef idx="2">
-            <a:schemeClr val="accent1">
-              <a:shade val="50000"/>
-            </a:schemeClr>
-          </a:lnRef>
-          <a:fillRef idx="1">
-            <a:schemeClr val="accent1"/>
-          </a:fillRef>
-          <a:effectRef idx="0">
-            <a:schemeClr val="accent1"/>
-          </a:effectRef>
-          <a:fontRef idx="minor">
-            <a:schemeClr val="lt1"/>
-          </a:fontRef>
-        </p:style>
-        <p:txBody>
-          <a:bodyPr rtlCol="0" anchor="ctr"/>
-          <a:lstStyle/>
-          <a:p>
-            <a:pPr algn="ctr"/>
-            <a:endParaRPr lang="en-US"/>
-          </a:p>
-        </p:txBody>
-      </p:sp>
-      <p:sp>
-        <p:nvSpPr>
-          <p:cNvPr id="21" name="Rectangle 20">
-            <a:extLst>
-              <a:ext uri="{FF2B5EF4-FFF2-40B4-BE49-F238E27FC236}">
-                <a16:creationId xmlns:a16="http://schemas.microsoft.com/office/drawing/2014/main" id="{19F5B778-C67E-417B-9509-2F509EA61533}"/>
-              </a:ext>
-              <a:ext uri="{C183D7F6-B498-43B3-948B-1728B52AA6E4}">
-                <adec:decorative xmlns:adec="http://schemas.microsoft.com/office/drawing/2017/decorative" val="1"/>
-              </a:ext>
-            </a:extLst>
-          </p:cNvPr>
-          <p:cNvSpPr>
-            <a:spLocks noGrp="1" noRot="1" noChangeAspect="1" noMove="1" noResize="1" noEditPoints="1" noAdjustHandles="1" noChangeArrowheads="1" noChangeShapeType="1" noTextEdit="1"/>
-          </p:cNvSpPr>
-          <p:nvPr>
-            <p:extLst>
-              <p:ext uri="{386F3935-93C4-4BCD-93E2-E3B085C9AB24}">
-                <p16:designElem xmlns:p16="http://schemas.microsoft.com/office/powerpoint/2015/main" val="1"/>
-              </p:ext>
-            </p:extLst>
-          </p:nvPr>
-        </p:nvSpPr>
-        <p:spPr bwMode="white">
-          <a:xfrm>
-            <a:off x="1507" y="4614975"/>
-            <a:ext cx="12188952" cy="2243025"/>
-          </a:xfrm>
-          <a:prstGeom prst="rect">
-            <a:avLst/>
-          </a:prstGeom>
-          <a:solidFill>
-            <a:srgbClr val="806D4C"/>
-          </a:solidFill>
-          <a:ln>
-            <a:noFill/>
-          </a:ln>
-        </p:spPr>
-        <p:style>
-          <a:lnRef idx="2">
-            <a:schemeClr val="accent1">
-              <a:shade val="50000"/>
-            </a:schemeClr>
-          </a:lnRef>
-          <a:fillRef idx="1">
-            <a:schemeClr val="accent1"/>
-          </a:fillRef>
-          <a:effectRef idx="0">
-            <a:schemeClr val="accent1"/>
-          </a:effectRef>
-          <a:fontRef idx="minor">
-            <a:schemeClr val="lt1"/>
-          </a:fontRef>
-        </p:style>
-      </p:sp>
-      <p:sp>
-        <p:nvSpPr>
-          <p:cNvPr id="2" name="Rubrik 1">
-            <a:extLst>
-              <a:ext uri="{FF2B5EF4-FFF2-40B4-BE49-F238E27FC236}">
-                <a16:creationId xmlns:a16="http://schemas.microsoft.com/office/drawing/2014/main" id="{84830902-C6E3-48F0-9F40-6D4ED4046346}"/>
-              </a:ext>
-            </a:extLst>
-          </p:cNvPr>
-          <p:cNvSpPr>
-            <a:spLocks noGrp="1"/>
-          </p:cNvSpPr>
-          <p:nvPr>
-            <p:ph type="title"/>
-          </p:nvPr>
-        </p:nvSpPr>
-        <p:spPr>
-          <a:xfrm>
-            <a:off x="1065197" y="5051474"/>
-            <a:ext cx="10058400" cy="892126"/>
-          </a:xfrm>
-        </p:spPr>
-        <p:txBody>
-          <a:bodyPr vert="horz" lIns="91440" tIns="45720" rIns="91440" bIns="45720" rtlCol="0" anchor="b">
-            <a:normAutofit/>
-          </a:bodyPr>
-          <a:lstStyle/>
-          <a:p>
-            <a:r>
-              <a:rPr lang="en-US" sz="4400" dirty="0" err="1">
-                <a:solidFill>
-                  <a:srgbClr val="FFFFFF"/>
-                </a:solidFill>
-              </a:rPr>
-              <a:t>Från</a:t>
-            </a:r>
-            <a:r>
-              <a:rPr lang="en-US" sz="4400" dirty="0">
-                <a:solidFill>
-                  <a:srgbClr val="FFFFFF"/>
-                </a:solidFill>
-              </a:rPr>
-              <a:t> </a:t>
-            </a:r>
-            <a:r>
-              <a:rPr lang="en-US" sz="4400" dirty="0" err="1">
-                <a:solidFill>
-                  <a:srgbClr val="FFFFFF"/>
-                </a:solidFill>
-              </a:rPr>
-              <a:t>idé</a:t>
-            </a:r>
-            <a:r>
-              <a:rPr lang="en-US" sz="4400" dirty="0">
-                <a:solidFill>
-                  <a:srgbClr val="FFFFFF"/>
-                </a:solidFill>
-              </a:rPr>
-              <a:t> till </a:t>
-            </a:r>
-            <a:r>
-              <a:rPr lang="en-US" sz="4400" dirty="0" err="1">
-                <a:solidFill>
-                  <a:srgbClr val="FFFFFF"/>
-                </a:solidFill>
-              </a:rPr>
-              <a:t>prototyp</a:t>
-            </a:r>
-            <a:r>
-              <a:rPr lang="en-US" sz="4400" dirty="0">
-                <a:solidFill>
-                  <a:srgbClr val="FFFFFF"/>
-                </a:solidFill>
-              </a:rPr>
-              <a:t>!</a:t>
-            </a:r>
-          </a:p>
-        </p:txBody>
-      </p:sp>
-      <p:pic>
-        <p:nvPicPr>
-          <p:cNvPr id="4" name="Bildobjekt 3" descr="En bild som visar inomhus, flaska, bord, diskho&#10;&#10;Automatiskt genererad beskrivning">
-            <a:extLst>
-              <a:ext uri="{FF2B5EF4-FFF2-40B4-BE49-F238E27FC236}">
-                <a16:creationId xmlns:a16="http://schemas.microsoft.com/office/drawing/2014/main" id="{B72AE353-553C-3F40-AF28-1868005A3FA6}"/>
-              </a:ext>
-            </a:extLst>
-          </p:cNvPr>
-          <p:cNvPicPr>
-            <a:picLocks noChangeAspect="1"/>
-          </p:cNvPicPr>
-          <p:nvPr/>
-        </p:nvPicPr>
-        <p:blipFill rotWithShape="1">
-          <a:blip r:embed="rId2">
-            <a:extLst>
-              <a:ext uri="{28A0092B-C50C-407E-A947-70E740481C1C}">
-                <a14:useLocalDpi xmlns:a14="http://schemas.microsoft.com/office/drawing/2010/main" val="0"/>
-              </a:ext>
-            </a:extLst>
-          </a:blip>
-          <a:srcRect l="8444" r="35276" b="-2"/>
-          <a:stretch/>
-        </p:blipFill>
-        <p:spPr>
-          <a:xfrm rot="5400000">
-            <a:off x="754914" y="-754914"/>
-            <a:ext cx="4538910" cy="6048739"/>
-          </a:xfrm>
-          <a:prstGeom prst="rect">
-            <a:avLst/>
-          </a:prstGeom>
-        </p:spPr>
-      </p:pic>
-      <p:pic>
-        <p:nvPicPr>
-          <p:cNvPr id="8" name="Platshållare för innehåll 7" descr="En bild som visar inomhus, bord, flaska, sitter&#10;&#10;Automatiskt genererad beskrivning">
-            <a:extLst>
-              <a:ext uri="{FF2B5EF4-FFF2-40B4-BE49-F238E27FC236}">
-                <a16:creationId xmlns:a16="http://schemas.microsoft.com/office/drawing/2014/main" id="{77C843E7-B3F7-4F02-956A-F4CBF9080498}"/>
-              </a:ext>
-            </a:extLst>
-          </p:cNvPr>
-          <p:cNvPicPr>
-            <a:picLocks noGrp="1" noChangeAspect="1"/>
-          </p:cNvPicPr>
-          <p:nvPr>
-            <p:ph idx="1"/>
-          </p:nvPr>
-        </p:nvPicPr>
-        <p:blipFill rotWithShape="1">
-          <a:blip r:embed="rId3">
-            <a:extLst>
-              <a:ext uri="{28A0092B-C50C-407E-A947-70E740481C1C}">
-                <a14:useLocalDpi xmlns:a14="http://schemas.microsoft.com/office/drawing/2010/main" val="0"/>
-              </a:ext>
-            </a:extLst>
-          </a:blip>
-          <a:srcRect l="16556" r="15713" b="2"/>
-          <a:stretch/>
-        </p:blipFill>
-        <p:spPr>
-          <a:xfrm>
-            <a:off x="6141720" y="1965"/>
-            <a:ext cx="6050280" cy="4533324"/>
-          </a:xfrm>
-          <a:prstGeom prst="rect">
-            <a:avLst/>
-          </a:prstGeom>
-        </p:spPr>
-      </p:pic>
-      <p:sp>
-        <p:nvSpPr>
-          <p:cNvPr id="23" name="Rectangle 22">
-            <a:extLst>
-              <a:ext uri="{FF2B5EF4-FFF2-40B4-BE49-F238E27FC236}">
-                <a16:creationId xmlns:a16="http://schemas.microsoft.com/office/drawing/2014/main" id="{E88F05FB-902F-4AE9-81B6-9036CB580E28}"/>
-              </a:ext>
-              <a:ext uri="{C183D7F6-B498-43B3-948B-1728B52AA6E4}">
-                <adec:decorative xmlns:adec="http://schemas.microsoft.com/office/drawing/2017/decorative" val="1"/>
-              </a:ext>
-            </a:extLst>
-          </p:cNvPr>
-          <p:cNvSpPr>
-            <a:spLocks noGrp="1" noRot="1" noChangeAspect="1" noMove="1" noResize="1" noEditPoints="1" noAdjustHandles="1" noChangeArrowheads="1" noChangeShapeType="1" noTextEdit="1"/>
-          </p:cNvSpPr>
-          <p:nvPr>
-            <p:extLst>
-              <p:ext uri="{386F3935-93C4-4BCD-93E2-E3B085C9AB24}">
-                <p16:designElem xmlns:p16="http://schemas.microsoft.com/office/powerpoint/2015/main" val="1"/>
-              </p:ext>
-            </p:extLst>
-          </p:nvPr>
-        </p:nvSpPr>
-        <p:spPr>
-          <a:xfrm>
-            <a:off x="1507" y="4611354"/>
-            <a:ext cx="12188952" cy="64008"/>
-          </a:xfrm>
-          <a:prstGeom prst="rect">
-            <a:avLst/>
-          </a:prstGeom>
-          <a:solidFill>
-            <a:srgbClr val="A7854A"/>
-          </a:solidFill>
-          <a:ln>
-            <a:noFill/>
-          </a:ln>
-        </p:spPr>
-        <p:style>
-          <a:lnRef idx="2">
-            <a:schemeClr val="accent1">
-              <a:shade val="50000"/>
-            </a:schemeClr>
-          </a:lnRef>
-          <a:fillRef idx="1">
-            <a:schemeClr val="accent1"/>
-          </a:fillRef>
-          <a:effectRef idx="0">
-            <a:schemeClr val="accent1"/>
-          </a:effectRef>
-          <a:fontRef idx="minor">
-            <a:schemeClr val="lt1"/>
-          </a:fontRef>
-        </p:style>
-      </p:sp>
-      <p:pic>
-        <p:nvPicPr>
-          <p:cNvPr id="6" name="Bildobjekt 5">
-            <a:extLst>
-              <a:ext uri="{FF2B5EF4-FFF2-40B4-BE49-F238E27FC236}">
-                <a16:creationId xmlns:a16="http://schemas.microsoft.com/office/drawing/2014/main" id="{D9BEF862-41A8-48ED-A6E2-B7C23AB53A75}"/>
-              </a:ext>
-            </a:extLst>
-          </p:cNvPr>
-          <p:cNvPicPr>
-            <a:picLocks noChangeAspect="1"/>
-          </p:cNvPicPr>
-          <p:nvPr/>
-        </p:nvPicPr>
-        <p:blipFill rotWithShape="1">
-          <a:blip r:embed="rId4">
-            <a:clrChange>
-              <a:clrFrom>
-                <a:srgbClr val="1A1A1A"/>
-              </a:clrFrom>
-              <a:clrTo>
-                <a:srgbClr val="1A1A1A">
-                  <a:alpha val="0"/>
-                </a:srgbClr>
-              </a:clrTo>
-            </a:clrChange>
-            <a:extLst>
-              <a:ext uri="{BEBA8EAE-BF5A-486C-A8C5-ECC9F3942E4B}">
-                <a14:imgProps xmlns:a14="http://schemas.microsoft.com/office/drawing/2010/main">
-                  <a14:imgLayer r:embed="rId5">
-                    <a14:imgEffect>
-                      <a14:backgroundRemoval t="31143" b="58000" l="82399" r="90507">
-                        <a14:foregroundMark x1="82399" y1="44762" x2="82399" y2="44762"/>
-                        <a14:foregroundMark x1="90473" y1="38857" x2="90473" y2="38857"/>
-                        <a14:foregroundMark x1="90507" y1="50571" x2="90507" y2="50571"/>
-                      </a14:backgroundRemoval>
-                    </a14:imgEffect>
-                  </a14:imgLayer>
-                </a14:imgProps>
-              </a:ext>
-            </a:extLst>
-          </a:blip>
-          <a:srcRect l="81514" t="27904" r="8502" b="38552"/>
-          <a:stretch/>
-        </p:blipFill>
-        <p:spPr>
-          <a:xfrm rot="5400000">
-            <a:off x="238335" y="6456430"/>
-            <a:ext cx="300032" cy="357602"/>
-          </a:xfrm>
-          <a:prstGeom prst="rect">
-            <a:avLst/>
-          </a:prstGeom>
-        </p:spPr>
-      </p:pic>
-      <p:sp>
-        <p:nvSpPr>
-          <p:cNvPr id="12" name="textruta 11">
-            <a:extLst>
-              <a:ext uri="{FF2B5EF4-FFF2-40B4-BE49-F238E27FC236}">
-                <a16:creationId xmlns:a16="http://schemas.microsoft.com/office/drawing/2014/main" id="{6D7675E5-8A17-AC47-BFAD-46D2BBD84C4A}"/>
-              </a:ext>
-            </a:extLst>
-          </p:cNvPr>
-          <p:cNvSpPr txBox="1"/>
-          <p:nvPr/>
-        </p:nvSpPr>
-        <p:spPr>
-          <a:xfrm>
-            <a:off x="496095" y="6444734"/>
-            <a:ext cx="2439579" cy="369332"/>
-          </a:xfrm>
-          <a:prstGeom prst="rect">
-            <a:avLst/>
-          </a:prstGeom>
-          <a:noFill/>
-        </p:spPr>
-        <p:txBody>
-          <a:bodyPr wrap="none" rtlCol="0">
-            <a:spAutoFit/>
-          </a:bodyPr>
-          <a:lstStyle/>
-          <a:p>
-            <a:r>
-              <a:rPr lang="sv-SE" dirty="0">
-                <a:solidFill>
-                  <a:schemeClr val="bg1"/>
-                </a:solidFill>
-              </a:rPr>
-              <a:t>Projekt: Dubblerat flöde</a:t>
-            </a:r>
-          </a:p>
-        </p:txBody>
-      </p:sp>
-    </p:spTree>
-    <p:extLst>
-      <p:ext uri="{BB962C8B-B14F-4D97-AF65-F5344CB8AC3E}">
-        <p14:creationId xmlns:p14="http://schemas.microsoft.com/office/powerpoint/2010/main" val="2913192176"/>
-      </p:ext>
-    </p:extLst>
-  </p:cSld>
-  <p:clrMapOvr>
-    <a:masterClrMapping/>
-  </p:clrMapOvr>
-</p:sld>
-</file>
-
 <file path=ppt/theme/theme1.xml><?xml version="1.0" encoding="utf-8"?>
 <a:theme xmlns:a="http://schemas.openxmlformats.org/drawingml/2006/main" name="Återblick">
   <a:themeElements>
@@ -23030,12 +28186,6 @@
 </file>
 
 <file path=customXml/item1.xml><?xml version="1.0" encoding="utf-8"?>
-<p:properties xmlns:p="http://schemas.microsoft.com/office/2006/metadata/properties" xmlns:xsi="http://www.w3.org/2001/XMLSchema-instance" xmlns:pc="http://schemas.microsoft.com/office/infopath/2007/PartnerControls">
-  <documentManagement/>
-</p:properties>
-</file>
-
-<file path=customXml/item2.xml><?xml version="1.0" encoding="utf-8"?>
 <ct:contentTypeSchema xmlns:ct="http://schemas.microsoft.com/office/2006/metadata/contentType" xmlns:ma="http://schemas.microsoft.com/office/2006/metadata/properties/metaAttributes" ct:_="" ma:_="" ma:contentTypeName="Document" ma:contentTypeID="0x0101005533C2B91052194093CA2A0C3BFA0481" ma:contentTypeVersion="9" ma:contentTypeDescription="Create a new document." ma:contentTypeScope="" ma:versionID="58d75eb495fa982fd2315ad4155ad7b7">
   <xsd:schema xmlns:xsd="http://www.w3.org/2001/XMLSchema" xmlns:xs="http://www.w3.org/2001/XMLSchema" xmlns:p="http://schemas.microsoft.com/office/2006/metadata/properties" xmlns:ns3="e8614b1b-e982-4674-b1d6-f108a4c63f12" xmlns:ns4="79eca6e9-6ae5-4cc3-b53c-5cf7374c7c53" targetNamespace="http://schemas.microsoft.com/office/2006/metadata/properties" ma:root="true" ma:fieldsID="3e80a00600d34704d5fddc29600890df" ns3:_="" ns4:_="">
     <xsd:import namespace="e8614b1b-e982-4674-b1d6-f108a4c63f12"/>
@@ -23232,6 +28382,12 @@
 </ct:contentTypeSchema>
 </file>
 
+<file path=customXml/item2.xml><?xml version="1.0" encoding="utf-8"?>
+<p:properties xmlns:p="http://schemas.microsoft.com/office/2006/metadata/properties" xmlns:xsi="http://www.w3.org/2001/XMLSchema-instance" xmlns:pc="http://schemas.microsoft.com/office/infopath/2007/PartnerControls">
+  <documentManagement/>
+</p:properties>
+</file>
+
 <file path=customXml/item3.xml><?xml version="1.0" encoding="utf-8"?>
 <?mso-contentType ?>
 <FormTemplates xmlns="http://schemas.microsoft.com/sharepoint/v3/contenttype/forms">
@@ -23242,23 +28398,6 @@
 </file>
 
 <file path=customXml/itemProps1.xml><?xml version="1.0" encoding="utf-8"?>
-<ds:datastoreItem xmlns:ds="http://schemas.openxmlformats.org/officeDocument/2006/customXml" ds:itemID="{A38E08DD-D536-44A6-BB2D-D38E76347644}">
-  <ds:schemaRefs>
-    <ds:schemaRef ds:uri="http://www.w3.org/XML/1998/namespace"/>
-    <ds:schemaRef ds:uri="http://schemas.microsoft.com/office/2006/documentManagement/types"/>
-    <ds:schemaRef ds:uri="http://purl.org/dc/dcmitype/"/>
-    <ds:schemaRef ds:uri="http://purl.org/dc/terms/"/>
-    <ds:schemaRef ds:uri="e8614b1b-e982-4674-b1d6-f108a4c63f12"/>
-    <ds:schemaRef ds:uri="http://schemas.openxmlformats.org/package/2006/metadata/core-properties"/>
-    <ds:schemaRef ds:uri="79eca6e9-6ae5-4cc3-b53c-5cf7374c7c53"/>
-    <ds:schemaRef ds:uri="http://schemas.microsoft.com/office/infopath/2007/PartnerControls"/>
-    <ds:schemaRef ds:uri="http://schemas.microsoft.com/office/2006/metadata/properties"/>
-    <ds:schemaRef ds:uri="http://purl.org/dc/elements/1.1/"/>
-  </ds:schemaRefs>
-</ds:datastoreItem>
-</file>
-
-<file path=customXml/itemProps2.xml><?xml version="1.0" encoding="utf-8"?>
 <ds:datastoreItem xmlns:ds="http://schemas.openxmlformats.org/officeDocument/2006/customXml" ds:itemID="{6F387933-6052-4AC5-BD1B-4E5DB404DCE7}">
   <ds:schemaRefs>
     <ds:schemaRef ds:uri="http://schemas.microsoft.com/office/2006/metadata/contentType"/>
@@ -23277,6 +28416,23 @@
 </ds:datastoreItem>
 </file>
 
+<file path=customXml/itemProps2.xml><?xml version="1.0" encoding="utf-8"?>
+<ds:datastoreItem xmlns:ds="http://schemas.openxmlformats.org/officeDocument/2006/customXml" ds:itemID="{A38E08DD-D536-44A6-BB2D-D38E76347644}">
+  <ds:schemaRefs>
+    <ds:schemaRef ds:uri="http://www.w3.org/XML/1998/namespace"/>
+    <ds:schemaRef ds:uri="http://schemas.microsoft.com/office/2006/documentManagement/types"/>
+    <ds:schemaRef ds:uri="http://purl.org/dc/dcmitype/"/>
+    <ds:schemaRef ds:uri="http://purl.org/dc/terms/"/>
+    <ds:schemaRef ds:uri="e8614b1b-e982-4674-b1d6-f108a4c63f12"/>
+    <ds:schemaRef ds:uri="http://schemas.openxmlformats.org/package/2006/metadata/core-properties"/>
+    <ds:schemaRef ds:uri="79eca6e9-6ae5-4cc3-b53c-5cf7374c7c53"/>
+    <ds:schemaRef ds:uri="http://schemas.microsoft.com/office/infopath/2007/PartnerControls"/>
+    <ds:schemaRef ds:uri="http://schemas.microsoft.com/office/2006/metadata/properties"/>
+    <ds:schemaRef ds:uri="http://purl.org/dc/elements/1.1/"/>
+  </ds:schemaRefs>
+</ds:datastoreItem>
+</file>
+
 <file path=customXml/itemProps3.xml><?xml version="1.0" encoding="utf-8"?>
 <ds:datastoreItem xmlns:ds="http://schemas.openxmlformats.org/officeDocument/2006/customXml" ds:itemID="{3E6A6553-98D7-476C-AEEA-FE3743E2662C}">
   <ds:schemaRefs>

--- a/Meta/Other/Presentation (Sv).pptx
+++ b/Meta/Other/Presentation (Sv).pptx
@@ -13228,7 +13228,7 @@
         </p:nvGrpSpPr>
         <p:grpSpPr>
           <a:xfrm>
-            <a:off x="-34994864" y="-16617529"/>
+            <a:off x="-37050060" y="-19034268"/>
             <a:ext cx="36336594" cy="24406606"/>
             <a:chOff x="3565801" y="1950098"/>
             <a:chExt cx="5073827" cy="3407994"/>
@@ -27889,6 +27889,378 @@
           </p:txBody>
         </p:sp>
       </p:grpSp>
+      <p:grpSp>
+        <p:nvGrpSpPr>
+          <p:cNvPr id="119" name="Grupp 118">
+            <a:extLst>
+              <a:ext uri="{FF2B5EF4-FFF2-40B4-BE49-F238E27FC236}">
+                <a16:creationId xmlns:a16="http://schemas.microsoft.com/office/drawing/2014/main" id="{74B94C85-9842-9E40-A04F-0FB5F2C04167}"/>
+              </a:ext>
+            </a:extLst>
+          </p:cNvPr>
+          <p:cNvGrpSpPr/>
+          <p:nvPr/>
+        </p:nvGrpSpPr>
+        <p:grpSpPr>
+          <a:xfrm>
+            <a:off x="3398540" y="6850139"/>
+            <a:ext cx="5259808" cy="1602373"/>
+            <a:chOff x="702154" y="2338406"/>
+            <a:chExt cx="5712834" cy="1740386"/>
+          </a:xfrm>
+        </p:grpSpPr>
+        <p:sp>
+          <p:nvSpPr>
+            <p:cNvPr id="122" name="Rektangel 121">
+              <a:extLst>
+                <a:ext uri="{FF2B5EF4-FFF2-40B4-BE49-F238E27FC236}">
+                  <a16:creationId xmlns:a16="http://schemas.microsoft.com/office/drawing/2014/main" id="{F51ADD9C-7B75-1642-AE3D-7DE1830F8749}"/>
+                </a:ext>
+              </a:extLst>
+            </p:cNvPr>
+            <p:cNvSpPr/>
+            <p:nvPr/>
+          </p:nvSpPr>
+          <p:spPr>
+            <a:xfrm>
+              <a:off x="1180980" y="2725949"/>
+              <a:ext cx="4765614" cy="935976"/>
+            </a:xfrm>
+            <a:prstGeom prst="rect">
+              <a:avLst/>
+            </a:prstGeom>
+            <a:solidFill>
+              <a:schemeClr val="accent2">
+                <a:lumMod val="75000"/>
+              </a:schemeClr>
+            </a:solidFill>
+            <a:ln>
+              <a:solidFill>
+                <a:schemeClr val="accent2">
+                  <a:lumMod val="50000"/>
+                </a:schemeClr>
+              </a:solidFill>
+            </a:ln>
+          </p:spPr>
+          <p:style>
+            <a:lnRef idx="0">
+              <a:scrgbClr r="0" g="0" b="0"/>
+            </a:lnRef>
+            <a:fillRef idx="0">
+              <a:scrgbClr r="0" g="0" b="0"/>
+            </a:fillRef>
+            <a:effectRef idx="0">
+              <a:scrgbClr r="0" g="0" b="0"/>
+            </a:effectRef>
+            <a:fontRef idx="minor">
+              <a:schemeClr val="lt1"/>
+            </a:fontRef>
+          </p:style>
+          <p:txBody>
+            <a:bodyPr rtlCol="0" anchor="ctr"/>
+            <a:lstStyle/>
+            <a:p>
+              <a:pPr algn="ctr"/>
+              <a:endParaRPr lang="sv-SE"/>
+            </a:p>
+          </p:txBody>
+        </p:sp>
+        <p:sp>
+          <p:nvSpPr>
+            <p:cNvPr id="125" name="Rektangel 124">
+              <a:extLst>
+                <a:ext uri="{FF2B5EF4-FFF2-40B4-BE49-F238E27FC236}">
+                  <a16:creationId xmlns:a16="http://schemas.microsoft.com/office/drawing/2014/main" id="{2E9586C8-1EF2-C342-B353-B09299F65070}"/>
+                </a:ext>
+              </a:extLst>
+            </p:cNvPr>
+            <p:cNvSpPr/>
+            <p:nvPr/>
+          </p:nvSpPr>
+          <p:spPr>
+            <a:xfrm>
+              <a:off x="3066009" y="2338406"/>
+              <a:ext cx="1007603" cy="383809"/>
+            </a:xfrm>
+            <a:prstGeom prst="rect">
+              <a:avLst/>
+            </a:prstGeom>
+            <a:solidFill>
+              <a:schemeClr val="accent2">
+                <a:lumMod val="75000"/>
+              </a:schemeClr>
+            </a:solidFill>
+            <a:ln>
+              <a:solidFill>
+                <a:schemeClr val="accent2">
+                  <a:lumMod val="50000"/>
+                </a:schemeClr>
+              </a:solidFill>
+            </a:ln>
+          </p:spPr>
+          <p:style>
+            <a:lnRef idx="0">
+              <a:scrgbClr r="0" g="0" b="0"/>
+            </a:lnRef>
+            <a:fillRef idx="0">
+              <a:scrgbClr r="0" g="0" b="0"/>
+            </a:fillRef>
+            <a:effectRef idx="0">
+              <a:scrgbClr r="0" g="0" b="0"/>
+            </a:effectRef>
+            <a:fontRef idx="minor">
+              <a:schemeClr val="lt1"/>
+            </a:fontRef>
+          </p:style>
+          <p:txBody>
+            <a:bodyPr rtlCol="0" anchor="ctr"/>
+            <a:lstStyle/>
+            <a:p>
+              <a:pPr algn="ctr"/>
+              <a:r>
+                <a:rPr lang="sv-SE" dirty="0"/>
+                <a:t>A</a:t>
+              </a:r>
+            </a:p>
+          </p:txBody>
+        </p:sp>
+        <p:sp>
+          <p:nvSpPr>
+            <p:cNvPr id="131" name="Rektangel 130">
+              <a:extLst>
+                <a:ext uri="{FF2B5EF4-FFF2-40B4-BE49-F238E27FC236}">
+                  <a16:creationId xmlns:a16="http://schemas.microsoft.com/office/drawing/2014/main" id="{5DB8AA01-EB2B-5D44-9CE0-351B0688596F}"/>
+                </a:ext>
+              </a:extLst>
+            </p:cNvPr>
+            <p:cNvSpPr/>
+            <p:nvPr/>
+          </p:nvSpPr>
+          <p:spPr>
+            <a:xfrm>
+              <a:off x="5933928" y="2572294"/>
+              <a:ext cx="481060" cy="1235948"/>
+            </a:xfrm>
+            <a:prstGeom prst="rect">
+              <a:avLst/>
+            </a:prstGeom>
+            <a:solidFill>
+              <a:schemeClr val="accent2">
+                <a:lumMod val="75000"/>
+              </a:schemeClr>
+            </a:solidFill>
+            <a:ln>
+              <a:solidFill>
+                <a:schemeClr val="accent2">
+                  <a:lumMod val="50000"/>
+                </a:schemeClr>
+              </a:solidFill>
+            </a:ln>
+          </p:spPr>
+          <p:style>
+            <a:lnRef idx="0">
+              <a:scrgbClr r="0" g="0" b="0"/>
+            </a:lnRef>
+            <a:fillRef idx="0">
+              <a:scrgbClr r="0" g="0" b="0"/>
+            </a:fillRef>
+            <a:effectRef idx="0">
+              <a:scrgbClr r="0" g="0" b="0"/>
+            </a:effectRef>
+            <a:fontRef idx="minor">
+              <a:schemeClr val="lt1"/>
+            </a:fontRef>
+          </p:style>
+          <p:txBody>
+            <a:bodyPr rtlCol="0" anchor="ctr"/>
+            <a:lstStyle/>
+            <a:p>
+              <a:pPr algn="ctr"/>
+              <a:r>
+                <a:rPr lang="sv-SE" dirty="0"/>
+                <a:t>C</a:t>
+              </a:r>
+            </a:p>
+          </p:txBody>
+        </p:sp>
+        <p:sp>
+          <p:nvSpPr>
+            <p:cNvPr id="132" name="Rektangel 131">
+              <a:extLst>
+                <a:ext uri="{FF2B5EF4-FFF2-40B4-BE49-F238E27FC236}">
+                  <a16:creationId xmlns:a16="http://schemas.microsoft.com/office/drawing/2014/main" id="{71C14310-CB1E-AA44-858D-C2BED38D0A1F}"/>
+                </a:ext>
+              </a:extLst>
+            </p:cNvPr>
+            <p:cNvSpPr/>
+            <p:nvPr/>
+          </p:nvSpPr>
+          <p:spPr>
+            <a:xfrm>
+              <a:off x="702154" y="2572294"/>
+              <a:ext cx="481060" cy="1235948"/>
+            </a:xfrm>
+            <a:prstGeom prst="rect">
+              <a:avLst/>
+            </a:prstGeom>
+            <a:solidFill>
+              <a:schemeClr val="accent2">
+                <a:lumMod val="75000"/>
+              </a:schemeClr>
+            </a:solidFill>
+            <a:ln>
+              <a:solidFill>
+                <a:schemeClr val="accent2">
+                  <a:lumMod val="50000"/>
+                </a:schemeClr>
+              </a:solidFill>
+            </a:ln>
+          </p:spPr>
+          <p:style>
+            <a:lnRef idx="0">
+              <a:scrgbClr r="0" g="0" b="0"/>
+            </a:lnRef>
+            <a:fillRef idx="0">
+              <a:scrgbClr r="0" g="0" b="0"/>
+            </a:fillRef>
+            <a:effectRef idx="0">
+              <a:scrgbClr r="0" g="0" b="0"/>
+            </a:effectRef>
+            <a:fontRef idx="minor">
+              <a:schemeClr val="lt1"/>
+            </a:fontRef>
+          </p:style>
+          <p:txBody>
+            <a:bodyPr rtlCol="0" anchor="ctr"/>
+            <a:lstStyle/>
+            <a:p>
+              <a:pPr algn="ctr"/>
+              <a:r>
+                <a:rPr lang="sv-SE" dirty="0"/>
+                <a:t>B</a:t>
+              </a:r>
+            </a:p>
+          </p:txBody>
+        </p:sp>
+        <p:sp>
+          <p:nvSpPr>
+            <p:cNvPr id="134" name="Rektangel 133">
+              <a:extLst>
+                <a:ext uri="{FF2B5EF4-FFF2-40B4-BE49-F238E27FC236}">
+                  <a16:creationId xmlns:a16="http://schemas.microsoft.com/office/drawing/2014/main" id="{225DEC0B-DA0C-084F-BA25-B23BB7E3C6BC}"/>
+                </a:ext>
+              </a:extLst>
+            </p:cNvPr>
+            <p:cNvSpPr/>
+            <p:nvPr/>
+          </p:nvSpPr>
+          <p:spPr>
+            <a:xfrm>
+              <a:off x="1606075" y="3668199"/>
+              <a:ext cx="1007380" cy="410593"/>
+            </a:xfrm>
+            <a:prstGeom prst="rect">
+              <a:avLst/>
+            </a:prstGeom>
+            <a:solidFill>
+              <a:schemeClr val="accent2">
+                <a:lumMod val="75000"/>
+              </a:schemeClr>
+            </a:solidFill>
+            <a:ln>
+              <a:solidFill>
+                <a:schemeClr val="accent2">
+                  <a:lumMod val="50000"/>
+                </a:schemeClr>
+              </a:solidFill>
+            </a:ln>
+          </p:spPr>
+          <p:style>
+            <a:lnRef idx="0">
+              <a:scrgbClr r="0" g="0" b="0"/>
+            </a:lnRef>
+            <a:fillRef idx="0">
+              <a:scrgbClr r="0" g="0" b="0"/>
+            </a:fillRef>
+            <a:effectRef idx="0">
+              <a:scrgbClr r="0" g="0" b="0"/>
+            </a:effectRef>
+            <a:fontRef idx="minor">
+              <a:schemeClr val="lt1"/>
+            </a:fontRef>
+          </p:style>
+          <p:txBody>
+            <a:bodyPr rtlCol="0" anchor="ctr"/>
+            <a:lstStyle/>
+            <a:p>
+              <a:pPr algn="ctr"/>
+              <a:r>
+                <a:rPr lang="sv-SE" dirty="0"/>
+                <a:t>D</a:t>
+              </a:r>
+            </a:p>
+          </p:txBody>
+        </p:sp>
+        <p:sp>
+          <p:nvSpPr>
+            <p:cNvPr id="135" name="Rektangel 134">
+              <a:extLst>
+                <a:ext uri="{FF2B5EF4-FFF2-40B4-BE49-F238E27FC236}">
+                  <a16:creationId xmlns:a16="http://schemas.microsoft.com/office/drawing/2014/main" id="{1BD3783B-6869-2849-802F-01E7A4C16661}"/>
+                </a:ext>
+              </a:extLst>
+            </p:cNvPr>
+            <p:cNvSpPr/>
+            <p:nvPr/>
+          </p:nvSpPr>
+          <p:spPr>
+            <a:xfrm>
+              <a:off x="4441244" y="3661925"/>
+              <a:ext cx="1007380" cy="410593"/>
+            </a:xfrm>
+            <a:prstGeom prst="rect">
+              <a:avLst/>
+            </a:prstGeom>
+            <a:solidFill>
+              <a:schemeClr val="accent2">
+                <a:lumMod val="75000"/>
+              </a:schemeClr>
+            </a:solidFill>
+            <a:ln>
+              <a:solidFill>
+                <a:schemeClr val="accent2">
+                  <a:lumMod val="50000"/>
+                </a:schemeClr>
+              </a:solidFill>
+            </a:ln>
+          </p:spPr>
+          <p:style>
+            <a:lnRef idx="0">
+              <a:scrgbClr r="0" g="0" b="0"/>
+            </a:lnRef>
+            <a:fillRef idx="0">
+              <a:scrgbClr r="0" g="0" b="0"/>
+            </a:fillRef>
+            <a:effectRef idx="0">
+              <a:scrgbClr r="0" g="0" b="0"/>
+            </a:effectRef>
+            <a:fontRef idx="minor">
+              <a:schemeClr val="lt1"/>
+            </a:fontRef>
+          </p:style>
+          <p:txBody>
+            <a:bodyPr rtlCol="0" anchor="ctr"/>
+            <a:lstStyle/>
+            <a:p>
+              <a:pPr algn="ctr"/>
+              <a:r>
+                <a:rPr lang="sv-SE" dirty="0"/>
+                <a:t>E</a:t>
+              </a:r>
+            </a:p>
+          </p:txBody>
+        </p:sp>
+      </p:grpSp>
     </p:spTree>
     <p:extLst>
       <p:ext uri="{BB962C8B-B14F-4D97-AF65-F5344CB8AC3E}">

--- a/Meta/Other/Presentation (Sv).pptx
+++ b/Meta/Other/Presentation (Sv).pptx
@@ -25143,7 +25143,7 @@
                 </a:r>
                 <a:r>
                   <a:rPr lang="sv-SE" sz="1050" dirty="0" err="1"/>
-                  <a:t>BiLevel</a:t>
+                  <a:t>BiPAP</a:t>
                 </a:r>
                 <a:endParaRPr lang="sv-SE" sz="1050" dirty="0"/>
               </a:p>
@@ -26197,7 +26197,7 @@
                 </a:r>
                 <a:r>
                   <a:rPr lang="sv-SE" sz="1050" dirty="0" err="1"/>
-                  <a:t>BiLevel</a:t>
+                  <a:t>BiPAP</a:t>
                 </a:r>
                 <a:endParaRPr lang="sv-SE" sz="1050" dirty="0"/>
               </a:p>
@@ -27825,9 +27825,10 @@
             <a:p>
               <a:pPr algn="ctr"/>
               <a:r>
-                <a:rPr lang="sv-SE" sz="1050" dirty="0"/>
-                <a:t>Flaska</a:t>
+                <a:rPr lang="sv-SE" sz="1050" dirty="0" err="1"/>
+                <a:t>Bottle</a:t>
               </a:r>
+              <a:endParaRPr lang="sv-SE" sz="1050" dirty="0"/>
             </a:p>
           </p:txBody>
         </p:sp>
@@ -27882,9 +27883,10 @@
             <a:p>
               <a:pPr algn="ctr"/>
               <a:r>
-                <a:rPr lang="sv-SE" sz="1050" dirty="0"/>
-                <a:t>Flaska</a:t>
+                <a:rPr lang="sv-SE" sz="1050" dirty="0" err="1"/>
+                <a:t>Bottle</a:t>
               </a:r>
+              <a:endParaRPr lang="sv-SE" sz="1050" dirty="0"/>
             </a:p>
           </p:txBody>
         </p:sp>
@@ -28558,6 +28560,12 @@
 </file>
 
 <file path=customXml/item1.xml><?xml version="1.0" encoding="utf-8"?>
+<p:properties xmlns:p="http://schemas.microsoft.com/office/2006/metadata/properties" xmlns:xsi="http://www.w3.org/2001/XMLSchema-instance" xmlns:pc="http://schemas.microsoft.com/office/infopath/2007/PartnerControls">
+  <documentManagement/>
+</p:properties>
+</file>
+
+<file path=customXml/item2.xml><?xml version="1.0" encoding="utf-8"?>
 <ct:contentTypeSchema xmlns:ct="http://schemas.microsoft.com/office/2006/metadata/contentType" xmlns:ma="http://schemas.microsoft.com/office/2006/metadata/properties/metaAttributes" ct:_="" ma:_="" ma:contentTypeName="Document" ma:contentTypeID="0x0101005533C2B91052194093CA2A0C3BFA0481" ma:contentTypeVersion="9" ma:contentTypeDescription="Create a new document." ma:contentTypeScope="" ma:versionID="58d75eb495fa982fd2315ad4155ad7b7">
   <xsd:schema xmlns:xsd="http://www.w3.org/2001/XMLSchema" xmlns:xs="http://www.w3.org/2001/XMLSchema" xmlns:p="http://schemas.microsoft.com/office/2006/metadata/properties" xmlns:ns3="e8614b1b-e982-4674-b1d6-f108a4c63f12" xmlns:ns4="79eca6e9-6ae5-4cc3-b53c-5cf7374c7c53" targetNamespace="http://schemas.microsoft.com/office/2006/metadata/properties" ma:root="true" ma:fieldsID="3e80a00600d34704d5fddc29600890df" ns3:_="" ns4:_="">
     <xsd:import namespace="e8614b1b-e982-4674-b1d6-f108a4c63f12"/>
@@ -28754,12 +28762,6 @@
 </ct:contentTypeSchema>
 </file>
 
-<file path=customXml/item2.xml><?xml version="1.0" encoding="utf-8"?>
-<p:properties xmlns:p="http://schemas.microsoft.com/office/2006/metadata/properties" xmlns:xsi="http://www.w3.org/2001/XMLSchema-instance" xmlns:pc="http://schemas.microsoft.com/office/infopath/2007/PartnerControls">
-  <documentManagement/>
-</p:properties>
-</file>
-
 <file path=customXml/item3.xml><?xml version="1.0" encoding="utf-8"?>
 <?mso-contentType ?>
 <FormTemplates xmlns="http://schemas.microsoft.com/sharepoint/v3/contenttype/forms">
@@ -28770,6 +28772,23 @@
 </file>
 
 <file path=customXml/itemProps1.xml><?xml version="1.0" encoding="utf-8"?>
+<ds:datastoreItem xmlns:ds="http://schemas.openxmlformats.org/officeDocument/2006/customXml" ds:itemID="{A38E08DD-D536-44A6-BB2D-D38E76347644}">
+  <ds:schemaRefs>
+    <ds:schemaRef ds:uri="http://www.w3.org/XML/1998/namespace"/>
+    <ds:schemaRef ds:uri="http://schemas.microsoft.com/office/2006/documentManagement/types"/>
+    <ds:schemaRef ds:uri="http://purl.org/dc/dcmitype/"/>
+    <ds:schemaRef ds:uri="http://purl.org/dc/terms/"/>
+    <ds:schemaRef ds:uri="e8614b1b-e982-4674-b1d6-f108a4c63f12"/>
+    <ds:schemaRef ds:uri="http://schemas.openxmlformats.org/package/2006/metadata/core-properties"/>
+    <ds:schemaRef ds:uri="79eca6e9-6ae5-4cc3-b53c-5cf7374c7c53"/>
+    <ds:schemaRef ds:uri="http://schemas.microsoft.com/office/infopath/2007/PartnerControls"/>
+    <ds:schemaRef ds:uri="http://schemas.microsoft.com/office/2006/metadata/properties"/>
+    <ds:schemaRef ds:uri="http://purl.org/dc/elements/1.1/"/>
+  </ds:schemaRefs>
+</ds:datastoreItem>
+</file>
+
+<file path=customXml/itemProps2.xml><?xml version="1.0" encoding="utf-8"?>
 <ds:datastoreItem xmlns:ds="http://schemas.openxmlformats.org/officeDocument/2006/customXml" ds:itemID="{6F387933-6052-4AC5-BD1B-4E5DB404DCE7}">
   <ds:schemaRefs>
     <ds:schemaRef ds:uri="http://schemas.microsoft.com/office/2006/metadata/contentType"/>
@@ -28788,23 +28807,6 @@
 </ds:datastoreItem>
 </file>
 
-<file path=customXml/itemProps2.xml><?xml version="1.0" encoding="utf-8"?>
-<ds:datastoreItem xmlns:ds="http://schemas.openxmlformats.org/officeDocument/2006/customXml" ds:itemID="{A38E08DD-D536-44A6-BB2D-D38E76347644}">
-  <ds:schemaRefs>
-    <ds:schemaRef ds:uri="http://www.w3.org/XML/1998/namespace"/>
-    <ds:schemaRef ds:uri="http://schemas.microsoft.com/office/2006/documentManagement/types"/>
-    <ds:schemaRef ds:uri="http://purl.org/dc/dcmitype/"/>
-    <ds:schemaRef ds:uri="http://purl.org/dc/terms/"/>
-    <ds:schemaRef ds:uri="e8614b1b-e982-4674-b1d6-f108a4c63f12"/>
-    <ds:schemaRef ds:uri="http://schemas.openxmlformats.org/package/2006/metadata/core-properties"/>
-    <ds:schemaRef ds:uri="79eca6e9-6ae5-4cc3-b53c-5cf7374c7c53"/>
-    <ds:schemaRef ds:uri="http://schemas.microsoft.com/office/infopath/2007/PartnerControls"/>
-    <ds:schemaRef ds:uri="http://schemas.microsoft.com/office/2006/metadata/properties"/>
-    <ds:schemaRef ds:uri="http://purl.org/dc/elements/1.1/"/>
-  </ds:schemaRefs>
-</ds:datastoreItem>
-</file>
-
 <file path=customXml/itemProps3.xml><?xml version="1.0" encoding="utf-8"?>
 <ds:datastoreItem xmlns:ds="http://schemas.openxmlformats.org/officeDocument/2006/customXml" ds:itemID="{3E6A6553-98D7-476C-AEEA-FE3743E2662C}">
   <ds:schemaRefs>
